--- a/Project Information/Decks-Project.pptx
+++ b/Project Information/Decks-Project.pptx
@@ -2,15 +2,19 @@
 <file path=ppt/presentation.xml><?xml version="1.0" encoding="utf-8"?>
 <p:presentation xmlns:a="http://schemas.openxmlformats.org/drawingml/2006/main" xmlns:r="http://schemas.openxmlformats.org/officeDocument/2006/relationships" xmlns:p="http://schemas.openxmlformats.org/presentationml/2006/main" saveSubsetFonts="1">
   <p:sldMasterIdLst>
-    <p:sldMasterId id="2147483648" r:id="rId1"/>
+    <p:sldMasterId id="2147483660" r:id="rId1"/>
   </p:sldMasterIdLst>
+  <p:sldIdLst>
+    <p:sldId id="256" r:id="rId2"/>
+    <p:sldId id="257" r:id="rId3"/>
+  </p:sldIdLst>
   <p:sldSz cx="9144000" cy="6858000" type="screen4x3"/>
   <p:notesSz cx="6858000" cy="9144000"/>
   <p:defaultTextStyle>
     <a:defPPr>
       <a:defRPr lang="en-US"/>
     </a:defPPr>
-    <a:lvl1pPr marL="0" algn="l" defTabSz="914400" rtl="0" eaLnBrk="1" latinLnBrk="0" hangingPunct="1">
+    <a:lvl1pPr marL="0" algn="l" defTabSz="457200" rtl="0" eaLnBrk="1" latinLnBrk="0" hangingPunct="1">
       <a:defRPr sz="1800" kern="1200">
         <a:solidFill>
           <a:schemeClr val="tx1"/>
@@ -20,7 +24,7 @@
         <a:cs typeface="+mn-cs"/>
       </a:defRPr>
     </a:lvl1pPr>
-    <a:lvl2pPr marL="457200" algn="l" defTabSz="914400" rtl="0" eaLnBrk="1" latinLnBrk="0" hangingPunct="1">
+    <a:lvl2pPr marL="457200" algn="l" defTabSz="457200" rtl="0" eaLnBrk="1" latinLnBrk="0" hangingPunct="1">
       <a:defRPr sz="1800" kern="1200">
         <a:solidFill>
           <a:schemeClr val="tx1"/>
@@ -30,7 +34,7 @@
         <a:cs typeface="+mn-cs"/>
       </a:defRPr>
     </a:lvl2pPr>
-    <a:lvl3pPr marL="914400" algn="l" defTabSz="914400" rtl="0" eaLnBrk="1" latinLnBrk="0" hangingPunct="1">
+    <a:lvl3pPr marL="914400" algn="l" defTabSz="457200" rtl="0" eaLnBrk="1" latinLnBrk="0" hangingPunct="1">
       <a:defRPr sz="1800" kern="1200">
         <a:solidFill>
           <a:schemeClr val="tx1"/>
@@ -40,7 +44,7 @@
         <a:cs typeface="+mn-cs"/>
       </a:defRPr>
     </a:lvl3pPr>
-    <a:lvl4pPr marL="1371600" algn="l" defTabSz="914400" rtl="0" eaLnBrk="1" latinLnBrk="0" hangingPunct="1">
+    <a:lvl4pPr marL="1371600" algn="l" defTabSz="457200" rtl="0" eaLnBrk="1" latinLnBrk="0" hangingPunct="1">
       <a:defRPr sz="1800" kern="1200">
         <a:solidFill>
           <a:schemeClr val="tx1"/>
@@ -50,7 +54,7 @@
         <a:cs typeface="+mn-cs"/>
       </a:defRPr>
     </a:lvl4pPr>
-    <a:lvl5pPr marL="1828800" algn="l" defTabSz="914400" rtl="0" eaLnBrk="1" latinLnBrk="0" hangingPunct="1">
+    <a:lvl5pPr marL="1828800" algn="l" defTabSz="457200" rtl="0" eaLnBrk="1" latinLnBrk="0" hangingPunct="1">
       <a:defRPr sz="1800" kern="1200">
         <a:solidFill>
           <a:schemeClr val="tx1"/>
@@ -60,7 +64,7 @@
         <a:cs typeface="+mn-cs"/>
       </a:defRPr>
     </a:lvl5pPr>
-    <a:lvl6pPr marL="2286000" algn="l" defTabSz="914400" rtl="0" eaLnBrk="1" latinLnBrk="0" hangingPunct="1">
+    <a:lvl6pPr marL="2286000" algn="l" defTabSz="457200" rtl="0" eaLnBrk="1" latinLnBrk="0" hangingPunct="1">
       <a:defRPr sz="1800" kern="1200">
         <a:solidFill>
           <a:schemeClr val="tx1"/>
@@ -70,7 +74,7 @@
         <a:cs typeface="+mn-cs"/>
       </a:defRPr>
     </a:lvl6pPr>
-    <a:lvl7pPr marL="2743200" algn="l" defTabSz="914400" rtl="0" eaLnBrk="1" latinLnBrk="0" hangingPunct="1">
+    <a:lvl7pPr marL="2743200" algn="l" defTabSz="457200" rtl="0" eaLnBrk="1" latinLnBrk="0" hangingPunct="1">
       <a:defRPr sz="1800" kern="1200">
         <a:solidFill>
           <a:schemeClr val="tx1"/>
@@ -80,7 +84,7 @@
         <a:cs typeface="+mn-cs"/>
       </a:defRPr>
     </a:lvl7pPr>
-    <a:lvl8pPr marL="3200400" algn="l" defTabSz="914400" rtl="0" eaLnBrk="1" latinLnBrk="0" hangingPunct="1">
+    <a:lvl8pPr marL="3200400" algn="l" defTabSz="457200" rtl="0" eaLnBrk="1" latinLnBrk="0" hangingPunct="1">
       <a:defRPr sz="1800" kern="1200">
         <a:solidFill>
           <a:schemeClr val="tx1"/>
@@ -90,7 +94,7 @@
         <a:cs typeface="+mn-cs"/>
       </a:defRPr>
     </a:lvl8pPr>
-    <a:lvl9pPr marL="3657600" algn="l" defTabSz="914400" rtl="0" eaLnBrk="1" latinLnBrk="0" hangingPunct="1">
+    <a:lvl9pPr marL="3657600" algn="l" defTabSz="457200" rtl="0" eaLnBrk="1" latinLnBrk="0" hangingPunct="1">
       <a:defRPr sz="1800" kern="1200">
         <a:solidFill>
           <a:schemeClr val="tx1"/>
@@ -101,6 +105,22 @@
       </a:defRPr>
     </a:lvl9pPr>
   </p:defaultTextStyle>
+  <p:extLst>
+    <p:ext uri="{EFAFB233-063F-42B5-8137-9DF3F51BA10A}">
+      <p15:sldGuideLst xmlns:p15="http://schemas.microsoft.com/office/powerpoint/2012/main">
+        <p15:guide id="1" orient="horz" pos="2160">
+          <p15:clr>
+            <a:srgbClr val="A4A3A4"/>
+          </p15:clr>
+        </p15:guide>
+        <p15:guide id="2" pos="2880">
+          <p15:clr>
+            <a:srgbClr val="A4A3A4"/>
+          </p15:clr>
+        </p15:guide>
+      </p15:sldGuideLst>
+    </p:ext>
+  </p:extLst>
 </p:presentation>
 </file>
 
@@ -121,6 +141,36 @@
           <a:chExt cx="0" cy="0"/>
         </a:xfrm>
       </p:grpSpPr>
+      <p:pic>
+        <p:nvPicPr>
+          <p:cNvPr id="11" name="Picture 10" descr="Celestia-R1---OverlayTitleSD.png"/>
+          <p:cNvPicPr>
+            <a:picLocks noChangeAspect="1"/>
+          </p:cNvPicPr>
+          <p:nvPr/>
+        </p:nvPicPr>
+        <p:blipFill>
+          <a:blip r:embed="rId2">
+            <a:extLst>
+              <a:ext uri="{28A0092B-C50C-407E-A947-70E740481C1C}">
+                <a14:useLocalDpi xmlns:a14="http://schemas.microsoft.com/office/drawing/2010/main" val="0"/>
+              </a:ext>
+            </a:extLst>
+          </a:blip>
+          <a:stretch>
+            <a:fillRect/>
+          </a:stretch>
+        </p:blipFill>
+        <p:spPr>
+          <a:xfrm>
+            <a:off x="0" y="0"/>
+            <a:ext cx="7397750" cy="6858000"/>
+          </a:xfrm>
+          <a:prstGeom prst="rect">
+            <a:avLst/>
+          </a:prstGeom>
+        </p:spPr>
+      </p:pic>
       <p:sp>
         <p:nvSpPr>
           <p:cNvPr id="2" name="Title 1"/>
@@ -133,19 +183,27 @@
         </p:nvSpPr>
         <p:spPr>
           <a:xfrm>
-            <a:off x="685800" y="2130425"/>
-            <a:ext cx="7772400" cy="1470025"/>
-          </a:xfrm>
-        </p:spPr>
-        <p:txBody>
-          <a:bodyPr/>
-          <a:lstStyle/>
+            <a:off x="2743973" y="1964267"/>
+            <a:ext cx="5714228" cy="2421464"/>
+          </a:xfrm>
+        </p:spPr>
+        <p:txBody>
+          <a:bodyPr anchor="b">
+            <a:normAutofit/>
+          </a:bodyPr>
+          <a:lstStyle>
+            <a:lvl1pPr algn="r">
+              <a:defRPr sz="4400">
+                <a:effectLst/>
+              </a:defRPr>
+            </a:lvl1pPr>
+          </a:lstStyle>
           <a:p>
             <a:r>
               <a:rPr lang="en-US" smtClean="0"/>
               <a:t>Click to edit Master title style</a:t>
             </a:r>
-            <a:endParaRPr lang="en-US"/>
+            <a:endParaRPr lang="en-US" dirty="0"/>
           </a:p>
         </p:txBody>
       </p:sp>
@@ -161,14 +219,24 @@
         </p:nvSpPr>
         <p:spPr>
           <a:xfrm>
-            <a:off x="1371600" y="3886200"/>
-            <a:ext cx="6400800" cy="1752600"/>
-          </a:xfrm>
-        </p:spPr>
-        <p:txBody>
-          <a:bodyPr/>
+            <a:off x="2743973" y="4385733"/>
+            <a:ext cx="5714228" cy="1405467"/>
+          </a:xfrm>
+        </p:spPr>
+        <p:txBody>
+          <a:bodyPr anchor="t">
+            <a:normAutofit/>
+          </a:bodyPr>
           <a:lstStyle>
-            <a:lvl1pPr marL="0" indent="0" algn="ctr">
+            <a:lvl1pPr marL="0" indent="0" algn="r">
+              <a:buNone/>
+              <a:defRPr sz="1800" cap="all">
+                <a:solidFill>
+                  <a:schemeClr val="tx1"/>
+                </a:solidFill>
+              </a:defRPr>
+            </a:lvl1pPr>
+            <a:lvl2pPr marL="457200" indent="0" algn="ctr">
               <a:buNone/>
               <a:defRPr>
                 <a:solidFill>
@@ -177,8 +245,8 @@
                   </a:schemeClr>
                 </a:solidFill>
               </a:defRPr>
-            </a:lvl1pPr>
-            <a:lvl2pPr marL="457200" indent="0" algn="ctr">
+            </a:lvl2pPr>
+            <a:lvl3pPr marL="914400" indent="0" algn="ctr">
               <a:buNone/>
               <a:defRPr>
                 <a:solidFill>
@@ -187,8 +255,8 @@
                   </a:schemeClr>
                 </a:solidFill>
               </a:defRPr>
-            </a:lvl2pPr>
-            <a:lvl3pPr marL="914400" indent="0" algn="ctr">
+            </a:lvl3pPr>
+            <a:lvl4pPr marL="1371600" indent="0" algn="ctr">
               <a:buNone/>
               <a:defRPr>
                 <a:solidFill>
@@ -197,8 +265,8 @@
                   </a:schemeClr>
                 </a:solidFill>
               </a:defRPr>
-            </a:lvl3pPr>
-            <a:lvl4pPr marL="1371600" indent="0" algn="ctr">
+            </a:lvl4pPr>
+            <a:lvl5pPr marL="1828800" indent="0" algn="ctr">
               <a:buNone/>
               <a:defRPr>
                 <a:solidFill>
@@ -207,8 +275,8 @@
                   </a:schemeClr>
                 </a:solidFill>
               </a:defRPr>
-            </a:lvl4pPr>
-            <a:lvl5pPr marL="1828800" indent="0" algn="ctr">
+            </a:lvl5pPr>
+            <a:lvl6pPr marL="2286000" indent="0" algn="ctr">
               <a:buNone/>
               <a:defRPr>
                 <a:solidFill>
@@ -217,8 +285,8 @@
                   </a:schemeClr>
                 </a:solidFill>
               </a:defRPr>
-            </a:lvl5pPr>
-            <a:lvl6pPr marL="2286000" indent="0" algn="ctr">
+            </a:lvl6pPr>
+            <a:lvl7pPr marL="2743200" indent="0" algn="ctr">
               <a:buNone/>
               <a:defRPr>
                 <a:solidFill>
@@ -227,8 +295,8 @@
                   </a:schemeClr>
                 </a:solidFill>
               </a:defRPr>
-            </a:lvl6pPr>
-            <a:lvl7pPr marL="2743200" indent="0" algn="ctr">
+            </a:lvl7pPr>
+            <a:lvl8pPr marL="3200400" indent="0" algn="ctr">
               <a:buNone/>
               <a:defRPr>
                 <a:solidFill>
@@ -237,8 +305,8 @@
                   </a:schemeClr>
                 </a:solidFill>
               </a:defRPr>
-            </a:lvl7pPr>
-            <a:lvl8pPr marL="3200400" indent="0" algn="ctr">
+            </a:lvl8pPr>
+            <a:lvl9pPr marL="3657600" indent="0" algn="ctr">
               <a:buNone/>
               <a:defRPr>
                 <a:solidFill>
@@ -247,16 +315,6 @@
                   </a:schemeClr>
                 </a:solidFill>
               </a:defRPr>
-            </a:lvl8pPr>
-            <a:lvl9pPr marL="3657600" indent="0" algn="ctr">
-              <a:buNone/>
-              <a:defRPr>
-                <a:solidFill>
-                  <a:schemeClr val="tx1">
-                    <a:tint val="75000"/>
-                  </a:schemeClr>
-                </a:solidFill>
-              </a:defRPr>
             </a:lvl9pPr>
           </a:lstStyle>
           <a:p>
@@ -264,7 +322,7 @@
               <a:rPr lang="en-US" smtClean="0"/>
               <a:t>Click to edit Master subtitle style</a:t>
             </a:r>
-            <a:endParaRPr lang="en-US"/>
+            <a:endParaRPr lang="en-US" dirty="0"/>
           </a:p>
         </p:txBody>
       </p:sp>
@@ -278,7 +336,12 @@
             <p:ph type="dt" sz="half" idx="10"/>
           </p:nvPr>
         </p:nvSpPr>
-        <p:spPr/>
+        <p:spPr>
+          <a:xfrm>
+            <a:off x="6752311" y="5870576"/>
+            <a:ext cx="1212173" cy="377825"/>
+          </a:xfrm>
+        </p:spPr>
         <p:txBody>
           <a:bodyPr/>
           <a:lstStyle/>
@@ -286,7 +349,7 @@
             <a:fld id="{1D8BD707-D9CF-40AE-B4C6-C98DA3205C09}" type="datetimeFigureOut">
               <a:rPr lang="en-US" smtClean="0"/>
               <a:pPr/>
-              <a:t>9/18/2006</a:t>
+              <a:t>2/20/2020</a:t>
             </a:fld>
             <a:endParaRPr lang="en-US"/>
           </a:p>
@@ -302,7 +365,12 @@
             <p:ph type="ftr" sz="quarter" idx="11"/>
           </p:nvPr>
         </p:nvSpPr>
-        <p:spPr/>
+        <p:spPr>
+          <a:xfrm>
+            <a:off x="2743973" y="5870576"/>
+            <a:ext cx="3932137" cy="377825"/>
+          </a:xfrm>
+        </p:spPr>
         <p:txBody>
           <a:bodyPr/>
           <a:lstStyle/>
@@ -321,7 +389,12 @@
             <p:ph type="sldNum" sz="quarter" idx="12"/>
           </p:nvPr>
         </p:nvSpPr>
-        <p:spPr/>
+        <p:spPr>
+          <a:xfrm>
+            <a:off x="8040685" y="5870576"/>
+            <a:ext cx="417516" cy="377825"/>
+          </a:xfrm>
+        </p:spPr>
         <p:txBody>
           <a:bodyPr/>
           <a:lstStyle/>
@@ -336,6 +409,11 @@
         </p:txBody>
       </p:sp>
     </p:spTree>
+    <p:extLst>
+      <p:ext uri="{BB962C8B-B14F-4D97-AF65-F5344CB8AC3E}">
+        <p14:creationId xmlns:p14="http://schemas.microsoft.com/office/powerpoint/2010/main" val="4138720189"/>
+      </p:ext>
+    </p:extLst>
   </p:cSld>
   <p:clrMapOvr>
     <a:masterClrMapping/>
@@ -344,6 +422,2327 @@
 </file>
 
 <file path=ppt/slideLayouts/slideLayout10.xml><?xml version="1.0" encoding="utf-8"?>
+<p:sldLayout xmlns:a="http://schemas.openxmlformats.org/drawingml/2006/main" xmlns:r="http://schemas.openxmlformats.org/officeDocument/2006/relationships" xmlns:p="http://schemas.openxmlformats.org/presentationml/2006/main" preserve="1">
+  <p:cSld name="Panoramic Picture with Caption">
+    <p:spTree>
+      <p:nvGrpSpPr>
+        <p:cNvPr id="1" name=""/>
+        <p:cNvGrpSpPr/>
+        <p:nvPr/>
+      </p:nvGrpSpPr>
+      <p:grpSpPr>
+        <a:xfrm>
+          <a:off x="0" y="0"/>
+          <a:ext cx="0" cy="0"/>
+          <a:chOff x="0" y="0"/>
+          <a:chExt cx="0" cy="0"/>
+        </a:xfrm>
+      </p:grpSpPr>
+      <p:pic>
+        <p:nvPicPr>
+          <p:cNvPr id="10" name="Picture 9" descr="Celestia-R1---OverlayContentSD.png"/>
+          <p:cNvPicPr>
+            <a:picLocks noChangeAspect="1"/>
+          </p:cNvPicPr>
+          <p:nvPr/>
+        </p:nvPicPr>
+        <p:blipFill>
+          <a:blip r:embed="rId2">
+            <a:extLst>
+              <a:ext uri="{28A0092B-C50C-407E-A947-70E740481C1C}">
+                <a14:useLocalDpi xmlns:a14="http://schemas.microsoft.com/office/drawing/2010/main" val="0"/>
+              </a:ext>
+            </a:extLst>
+          </a:blip>
+          <a:stretch>
+            <a:fillRect/>
+          </a:stretch>
+        </p:blipFill>
+        <p:spPr>
+          <a:xfrm>
+            <a:off x="13956" y="0"/>
+            <a:ext cx="9118600" cy="6858000"/>
+          </a:xfrm>
+          <a:prstGeom prst="rect">
+            <a:avLst/>
+          </a:prstGeom>
+        </p:spPr>
+      </p:pic>
+      <p:sp>
+        <p:nvSpPr>
+          <p:cNvPr id="2" name="Title 1"/>
+          <p:cNvSpPr>
+            <a:spLocks noGrp="1"/>
+          </p:cNvSpPr>
+          <p:nvPr>
+            <p:ph type="title"/>
+          </p:nvPr>
+        </p:nvSpPr>
+        <p:spPr>
+          <a:xfrm>
+            <a:off x="457201" y="4732865"/>
+            <a:ext cx="7772400" cy="566738"/>
+          </a:xfrm>
+        </p:spPr>
+        <p:txBody>
+          <a:bodyPr anchor="b">
+            <a:normAutofit/>
+          </a:bodyPr>
+          <a:lstStyle>
+            <a:lvl1pPr algn="l">
+              <a:defRPr sz="2000" b="0"/>
+            </a:lvl1pPr>
+          </a:lstStyle>
+          <a:p>
+            <a:r>
+              <a:rPr lang="en-US" smtClean="0"/>
+              <a:t>Click to edit Master title style</a:t>
+            </a:r>
+            <a:endParaRPr lang="en-US" dirty="0"/>
+          </a:p>
+        </p:txBody>
+      </p:sp>
+      <p:sp>
+        <p:nvSpPr>
+          <p:cNvPr id="3" name="Picture Placeholder 2"/>
+          <p:cNvSpPr>
+            <a:spLocks noGrp="1" noChangeAspect="1"/>
+          </p:cNvSpPr>
+          <p:nvPr>
+            <p:ph type="pic" idx="1"/>
+          </p:nvPr>
+        </p:nvSpPr>
+        <p:spPr>
+          <a:xfrm>
+            <a:off x="914401" y="932112"/>
+            <a:ext cx="6858000" cy="3164976"/>
+          </a:xfrm>
+          <a:prstGeom prst="roundRect">
+            <a:avLst>
+              <a:gd name="adj" fmla="val 4380"/>
+            </a:avLst>
+          </a:prstGeom>
+          <a:ln w="50800" cap="sq" cmpd="dbl">
+            <a:gradFill flip="none" rotWithShape="1">
+              <a:gsLst>
+                <a:gs pos="0">
+                  <a:srgbClr val="FFFFFF"/>
+                </a:gs>
+                <a:gs pos="100000">
+                  <a:schemeClr val="tx1">
+                    <a:alpha val="0"/>
+                  </a:schemeClr>
+                </a:gs>
+              </a:gsLst>
+              <a:path path="circle">
+                <a:fillToRect l="50000" t="50000" r="50000" b="50000"/>
+              </a:path>
+              <a:tileRect/>
+            </a:gradFill>
+            <a:miter lim="800000"/>
+          </a:ln>
+          <a:effectLst>
+            <a:outerShdw blurRad="254000" algn="tl" rotWithShape="0">
+              <a:srgbClr val="000000">
+                <a:alpha val="43000"/>
+              </a:srgbClr>
+            </a:outerShdw>
+          </a:effectLst>
+        </p:spPr>
+        <p:txBody>
+          <a:bodyPr vert="horz" lIns="91440" tIns="45720" rIns="91440" bIns="45720" rtlCol="0" anchor="t">
+            <a:normAutofit/>
+          </a:bodyPr>
+          <a:lstStyle>
+            <a:lvl1pPr>
+              <a:defRPr lang="en-US" sz="1600"/>
+            </a:lvl1pPr>
+          </a:lstStyle>
+          <a:p>
+            <a:pPr marL="0" lvl="0" indent="0" algn="ctr">
+              <a:buNone/>
+            </a:pPr>
+            <a:r>
+              <a:rPr lang="en-US" smtClean="0"/>
+              <a:t>Click icon to add picture</a:t>
+            </a:r>
+            <a:endParaRPr lang="en-US" dirty="0"/>
+          </a:p>
+        </p:txBody>
+      </p:sp>
+      <p:sp>
+        <p:nvSpPr>
+          <p:cNvPr id="4" name="Text Placeholder 3"/>
+          <p:cNvSpPr>
+            <a:spLocks noGrp="1"/>
+          </p:cNvSpPr>
+          <p:nvPr>
+            <p:ph type="body" sz="half" idx="2"/>
+          </p:nvPr>
+        </p:nvSpPr>
+        <p:spPr>
+          <a:xfrm>
+            <a:off x="457201" y="5299603"/>
+            <a:ext cx="7772400" cy="493712"/>
+          </a:xfrm>
+        </p:spPr>
+        <p:txBody>
+          <a:bodyPr>
+            <a:normAutofit/>
+          </a:bodyPr>
+          <a:lstStyle>
+            <a:lvl1pPr marL="0" indent="0">
+              <a:buNone/>
+              <a:defRPr sz="1400"/>
+            </a:lvl1pPr>
+            <a:lvl2pPr marL="457200" indent="0">
+              <a:buNone/>
+              <a:defRPr sz="1200"/>
+            </a:lvl2pPr>
+            <a:lvl3pPr marL="914400" indent="0">
+              <a:buNone/>
+              <a:defRPr sz="1000"/>
+            </a:lvl3pPr>
+            <a:lvl4pPr marL="1371600" indent="0">
+              <a:buNone/>
+              <a:defRPr sz="900"/>
+            </a:lvl4pPr>
+            <a:lvl5pPr marL="1828800" indent="0">
+              <a:buNone/>
+              <a:defRPr sz="900"/>
+            </a:lvl5pPr>
+            <a:lvl6pPr marL="2286000" indent="0">
+              <a:buNone/>
+              <a:defRPr sz="900"/>
+            </a:lvl6pPr>
+            <a:lvl7pPr marL="2743200" indent="0">
+              <a:buNone/>
+              <a:defRPr sz="900"/>
+            </a:lvl7pPr>
+            <a:lvl8pPr marL="3200400" indent="0">
+              <a:buNone/>
+              <a:defRPr sz="900"/>
+            </a:lvl8pPr>
+            <a:lvl9pPr marL="3657600" indent="0">
+              <a:buNone/>
+              <a:defRPr sz="900"/>
+            </a:lvl9pPr>
+          </a:lstStyle>
+          <a:p>
+            <a:pPr lvl="0"/>
+            <a:r>
+              <a:rPr lang="en-US" smtClean="0"/>
+              <a:t>Edit Master text styles</a:t>
+            </a:r>
+          </a:p>
+        </p:txBody>
+      </p:sp>
+      <p:sp>
+        <p:nvSpPr>
+          <p:cNvPr id="5" name="Date Placeholder 4"/>
+          <p:cNvSpPr>
+            <a:spLocks noGrp="1"/>
+          </p:cNvSpPr>
+          <p:nvPr>
+            <p:ph type="dt" sz="half" idx="10"/>
+          </p:nvPr>
+        </p:nvSpPr>
+        <p:spPr/>
+        <p:txBody>
+          <a:bodyPr/>
+          <a:lstStyle/>
+          <a:p>
+            <a:fld id="{1D8BD707-D9CF-40AE-B4C6-C98DA3205C09}" type="datetimeFigureOut">
+              <a:rPr lang="en-US" smtClean="0"/>
+              <a:pPr/>
+              <a:t>2/20/2020</a:t>
+            </a:fld>
+            <a:endParaRPr lang="en-US"/>
+          </a:p>
+        </p:txBody>
+      </p:sp>
+      <p:sp>
+        <p:nvSpPr>
+          <p:cNvPr id="6" name="Footer Placeholder 5"/>
+          <p:cNvSpPr>
+            <a:spLocks noGrp="1"/>
+          </p:cNvSpPr>
+          <p:nvPr>
+            <p:ph type="ftr" sz="quarter" idx="11"/>
+          </p:nvPr>
+        </p:nvSpPr>
+        <p:spPr/>
+        <p:txBody>
+          <a:bodyPr/>
+          <a:lstStyle/>
+          <a:p>
+            <a:endParaRPr lang="en-US"/>
+          </a:p>
+        </p:txBody>
+      </p:sp>
+      <p:sp>
+        <p:nvSpPr>
+          <p:cNvPr id="7" name="Slide Number Placeholder 6"/>
+          <p:cNvSpPr>
+            <a:spLocks noGrp="1"/>
+          </p:cNvSpPr>
+          <p:nvPr>
+            <p:ph type="sldNum" sz="quarter" idx="12"/>
+          </p:nvPr>
+        </p:nvSpPr>
+        <p:spPr/>
+        <p:txBody>
+          <a:bodyPr/>
+          <a:lstStyle/>
+          <a:p>
+            <a:fld id="{B6F15528-21DE-4FAA-801E-634DDDAF4B2B}" type="slidenum">
+              <a:rPr lang="en-US" smtClean="0"/>
+              <a:pPr/>
+              <a:t>‹#›</a:t>
+            </a:fld>
+            <a:endParaRPr lang="en-US"/>
+          </a:p>
+        </p:txBody>
+      </p:sp>
+    </p:spTree>
+    <p:extLst>
+      <p:ext uri="{BB962C8B-B14F-4D97-AF65-F5344CB8AC3E}">
+        <p14:creationId xmlns:p14="http://schemas.microsoft.com/office/powerpoint/2010/main" val="1256695913"/>
+      </p:ext>
+    </p:extLst>
+  </p:cSld>
+  <p:clrMapOvr>
+    <a:masterClrMapping/>
+  </p:clrMapOvr>
+</p:sldLayout>
+</file>
+
+<file path=ppt/slideLayouts/slideLayout11.xml><?xml version="1.0" encoding="utf-8"?>
+<p:sldLayout xmlns:a="http://schemas.openxmlformats.org/drawingml/2006/main" xmlns:r="http://schemas.openxmlformats.org/officeDocument/2006/relationships" xmlns:p="http://schemas.openxmlformats.org/presentationml/2006/main" preserve="1">
+  <p:cSld name="Title and Caption">
+    <p:spTree>
+      <p:nvGrpSpPr>
+        <p:cNvPr id="1" name=""/>
+        <p:cNvGrpSpPr/>
+        <p:nvPr/>
+      </p:nvGrpSpPr>
+      <p:grpSpPr>
+        <a:xfrm>
+          <a:off x="0" y="0"/>
+          <a:ext cx="0" cy="0"/>
+          <a:chOff x="0" y="0"/>
+          <a:chExt cx="0" cy="0"/>
+        </a:xfrm>
+      </p:grpSpPr>
+      <p:pic>
+        <p:nvPicPr>
+          <p:cNvPr id="7" name="Picture 6" descr="Celestia-R1---OverlayContentSD.png"/>
+          <p:cNvPicPr>
+            <a:picLocks noChangeAspect="1"/>
+          </p:cNvPicPr>
+          <p:nvPr/>
+        </p:nvPicPr>
+        <p:blipFill>
+          <a:blip r:embed="rId2">
+            <a:extLst>
+              <a:ext uri="{28A0092B-C50C-407E-A947-70E740481C1C}">
+                <a14:useLocalDpi xmlns:a14="http://schemas.microsoft.com/office/drawing/2010/main" val="0"/>
+              </a:ext>
+            </a:extLst>
+          </a:blip>
+          <a:stretch>
+            <a:fillRect/>
+          </a:stretch>
+        </p:blipFill>
+        <p:spPr>
+          <a:xfrm>
+            <a:off x="13956" y="0"/>
+            <a:ext cx="9118600" cy="6858000"/>
+          </a:xfrm>
+          <a:prstGeom prst="rect">
+            <a:avLst/>
+          </a:prstGeom>
+        </p:spPr>
+      </p:pic>
+      <p:sp>
+        <p:nvSpPr>
+          <p:cNvPr id="2" name="Title 1"/>
+          <p:cNvSpPr>
+            <a:spLocks noGrp="1"/>
+          </p:cNvSpPr>
+          <p:nvPr>
+            <p:ph type="title"/>
+          </p:nvPr>
+        </p:nvSpPr>
+        <p:spPr>
+          <a:xfrm>
+            <a:off x="457203" y="609602"/>
+            <a:ext cx="7772399" cy="3124199"/>
+          </a:xfrm>
+        </p:spPr>
+        <p:txBody>
+          <a:bodyPr anchor="ctr">
+            <a:normAutofit/>
+          </a:bodyPr>
+          <a:lstStyle>
+            <a:lvl1pPr algn="l">
+              <a:defRPr sz="3200" b="0" cap="none"/>
+            </a:lvl1pPr>
+          </a:lstStyle>
+          <a:p>
+            <a:r>
+              <a:rPr lang="en-US" smtClean="0"/>
+              <a:t>Click to edit Master title style</a:t>
+            </a:r>
+            <a:endParaRPr lang="en-US" dirty="0"/>
+          </a:p>
+        </p:txBody>
+      </p:sp>
+      <p:sp>
+        <p:nvSpPr>
+          <p:cNvPr id="3" name="Text Placeholder 2"/>
+          <p:cNvSpPr>
+            <a:spLocks noGrp="1"/>
+          </p:cNvSpPr>
+          <p:nvPr>
+            <p:ph type="body" idx="1"/>
+          </p:nvPr>
+        </p:nvSpPr>
+        <p:spPr>
+          <a:xfrm>
+            <a:off x="457202" y="4343400"/>
+            <a:ext cx="7772399" cy="1447800"/>
+          </a:xfrm>
+        </p:spPr>
+        <p:txBody>
+          <a:bodyPr anchor="ctr">
+            <a:normAutofit/>
+          </a:bodyPr>
+          <a:lstStyle>
+            <a:lvl1pPr marL="0" indent="0" algn="l">
+              <a:buNone/>
+              <a:defRPr sz="2000">
+                <a:solidFill>
+                  <a:schemeClr val="tx1"/>
+                </a:solidFill>
+              </a:defRPr>
+            </a:lvl1pPr>
+            <a:lvl2pPr marL="457200" indent="0">
+              <a:buNone/>
+              <a:defRPr sz="1800">
+                <a:solidFill>
+                  <a:schemeClr val="tx1">
+                    <a:tint val="75000"/>
+                  </a:schemeClr>
+                </a:solidFill>
+              </a:defRPr>
+            </a:lvl2pPr>
+            <a:lvl3pPr marL="914400" indent="0">
+              <a:buNone/>
+              <a:defRPr sz="1600">
+                <a:solidFill>
+                  <a:schemeClr val="tx1">
+                    <a:tint val="75000"/>
+                  </a:schemeClr>
+                </a:solidFill>
+              </a:defRPr>
+            </a:lvl3pPr>
+            <a:lvl4pPr marL="1371600" indent="0">
+              <a:buNone/>
+              <a:defRPr sz="1400">
+                <a:solidFill>
+                  <a:schemeClr val="tx1">
+                    <a:tint val="75000"/>
+                  </a:schemeClr>
+                </a:solidFill>
+              </a:defRPr>
+            </a:lvl4pPr>
+            <a:lvl5pPr marL="1828800" indent="0">
+              <a:buNone/>
+              <a:defRPr sz="1400">
+                <a:solidFill>
+                  <a:schemeClr val="tx1">
+                    <a:tint val="75000"/>
+                  </a:schemeClr>
+                </a:solidFill>
+              </a:defRPr>
+            </a:lvl5pPr>
+            <a:lvl6pPr marL="2286000" indent="0">
+              <a:buNone/>
+              <a:defRPr sz="1400">
+                <a:solidFill>
+                  <a:schemeClr val="tx1">
+                    <a:tint val="75000"/>
+                  </a:schemeClr>
+                </a:solidFill>
+              </a:defRPr>
+            </a:lvl6pPr>
+            <a:lvl7pPr marL="2743200" indent="0">
+              <a:buNone/>
+              <a:defRPr sz="1400">
+                <a:solidFill>
+                  <a:schemeClr val="tx1">
+                    <a:tint val="75000"/>
+                  </a:schemeClr>
+                </a:solidFill>
+              </a:defRPr>
+            </a:lvl7pPr>
+            <a:lvl8pPr marL="3200400" indent="0">
+              <a:buNone/>
+              <a:defRPr sz="1400">
+                <a:solidFill>
+                  <a:schemeClr val="tx1">
+                    <a:tint val="75000"/>
+                  </a:schemeClr>
+                </a:solidFill>
+              </a:defRPr>
+            </a:lvl8pPr>
+            <a:lvl9pPr marL="3657600" indent="0">
+              <a:buNone/>
+              <a:defRPr sz="1400">
+                <a:solidFill>
+                  <a:schemeClr val="tx1">
+                    <a:tint val="75000"/>
+                  </a:schemeClr>
+                </a:solidFill>
+              </a:defRPr>
+            </a:lvl9pPr>
+          </a:lstStyle>
+          <a:p>
+            <a:pPr lvl="0"/>
+            <a:r>
+              <a:rPr lang="en-US" smtClean="0"/>
+              <a:t>Edit Master text styles</a:t>
+            </a:r>
+          </a:p>
+        </p:txBody>
+      </p:sp>
+      <p:sp>
+        <p:nvSpPr>
+          <p:cNvPr id="4" name="Date Placeholder 3"/>
+          <p:cNvSpPr>
+            <a:spLocks noGrp="1"/>
+          </p:cNvSpPr>
+          <p:nvPr>
+            <p:ph type="dt" sz="half" idx="10"/>
+          </p:nvPr>
+        </p:nvSpPr>
+        <p:spPr/>
+        <p:txBody>
+          <a:bodyPr/>
+          <a:lstStyle/>
+          <a:p>
+            <a:fld id="{1D8BD707-D9CF-40AE-B4C6-C98DA3205C09}" type="datetimeFigureOut">
+              <a:rPr lang="en-US" smtClean="0"/>
+              <a:pPr/>
+              <a:t>2/20/2020</a:t>
+            </a:fld>
+            <a:endParaRPr lang="en-US"/>
+          </a:p>
+        </p:txBody>
+      </p:sp>
+      <p:sp>
+        <p:nvSpPr>
+          <p:cNvPr id="5" name="Footer Placeholder 4"/>
+          <p:cNvSpPr>
+            <a:spLocks noGrp="1"/>
+          </p:cNvSpPr>
+          <p:nvPr>
+            <p:ph type="ftr" sz="quarter" idx="11"/>
+          </p:nvPr>
+        </p:nvSpPr>
+        <p:spPr/>
+        <p:txBody>
+          <a:bodyPr/>
+          <a:lstStyle/>
+          <a:p>
+            <a:endParaRPr lang="en-US"/>
+          </a:p>
+        </p:txBody>
+      </p:sp>
+      <p:sp>
+        <p:nvSpPr>
+          <p:cNvPr id="6" name="Slide Number Placeholder 5"/>
+          <p:cNvSpPr>
+            <a:spLocks noGrp="1"/>
+          </p:cNvSpPr>
+          <p:nvPr>
+            <p:ph type="sldNum" sz="quarter" idx="12"/>
+          </p:nvPr>
+        </p:nvSpPr>
+        <p:spPr/>
+        <p:txBody>
+          <a:bodyPr/>
+          <a:lstStyle/>
+          <a:p>
+            <a:fld id="{B6F15528-21DE-4FAA-801E-634DDDAF4B2B}" type="slidenum">
+              <a:rPr lang="en-US" smtClean="0"/>
+              <a:pPr/>
+              <a:t>‹#›</a:t>
+            </a:fld>
+            <a:endParaRPr lang="en-US"/>
+          </a:p>
+        </p:txBody>
+      </p:sp>
+    </p:spTree>
+    <p:extLst>
+      <p:ext uri="{BB962C8B-B14F-4D97-AF65-F5344CB8AC3E}">
+        <p14:creationId xmlns:p14="http://schemas.microsoft.com/office/powerpoint/2010/main" val="427401686"/>
+      </p:ext>
+    </p:extLst>
+  </p:cSld>
+  <p:clrMapOvr>
+    <a:masterClrMapping/>
+  </p:clrMapOvr>
+</p:sldLayout>
+</file>
+
+<file path=ppt/slideLayouts/slideLayout12.xml><?xml version="1.0" encoding="utf-8"?>
+<p:sldLayout xmlns:a="http://schemas.openxmlformats.org/drawingml/2006/main" xmlns:r="http://schemas.openxmlformats.org/officeDocument/2006/relationships" xmlns:p="http://schemas.openxmlformats.org/presentationml/2006/main" preserve="1">
+  <p:cSld name="Quote with Caption">
+    <p:spTree>
+      <p:nvGrpSpPr>
+        <p:cNvPr id="1" name=""/>
+        <p:cNvGrpSpPr/>
+        <p:nvPr/>
+      </p:nvGrpSpPr>
+      <p:grpSpPr>
+        <a:xfrm>
+          <a:off x="0" y="0"/>
+          <a:ext cx="0" cy="0"/>
+          <a:chOff x="0" y="0"/>
+          <a:chExt cx="0" cy="0"/>
+        </a:xfrm>
+      </p:grpSpPr>
+      <p:pic>
+        <p:nvPicPr>
+          <p:cNvPr id="17" name="Picture 16" descr="Celestia-R1---OverlayContentSD.png"/>
+          <p:cNvPicPr>
+            <a:picLocks noChangeAspect="1"/>
+          </p:cNvPicPr>
+          <p:nvPr/>
+        </p:nvPicPr>
+        <p:blipFill>
+          <a:blip r:embed="rId2">
+            <a:extLst>
+              <a:ext uri="{28A0092B-C50C-407E-A947-70E740481C1C}">
+                <a14:useLocalDpi xmlns:a14="http://schemas.microsoft.com/office/drawing/2010/main" val="0"/>
+              </a:ext>
+            </a:extLst>
+          </a:blip>
+          <a:stretch>
+            <a:fillRect/>
+          </a:stretch>
+        </p:blipFill>
+        <p:spPr>
+          <a:xfrm>
+            <a:off x="13956" y="0"/>
+            <a:ext cx="9118600" cy="6858000"/>
+          </a:xfrm>
+          <a:prstGeom prst="rect">
+            <a:avLst/>
+          </a:prstGeom>
+        </p:spPr>
+      </p:pic>
+      <p:sp>
+        <p:nvSpPr>
+          <p:cNvPr id="14" name="TextBox 13"/>
+          <p:cNvSpPr txBox="1"/>
+          <p:nvPr/>
+        </p:nvSpPr>
+        <p:spPr>
+          <a:xfrm>
+            <a:off x="421796" y="718114"/>
+            <a:ext cx="457319" cy="584776"/>
+          </a:xfrm>
+          <a:prstGeom prst="rect">
+            <a:avLst/>
+          </a:prstGeom>
+        </p:spPr>
+        <p:txBody>
+          <a:bodyPr vert="horz" lIns="91440" tIns="45720" rIns="91440" bIns="45720" rtlCol="0" anchor="ctr">
+            <a:noAutofit/>
+          </a:bodyPr>
+          <a:lstStyle>
+            <a:lvl1pPr>
+              <a:spcBef>
+                <a:spcPct val="0"/>
+              </a:spcBef>
+              <a:buNone/>
+              <a:defRPr sz="3200" b="0" cap="all">
+                <a:ln w="3175" cmpd="sng">
+                  <a:noFill/>
+                </a:ln>
+                <a:effectLst>
+                  <a:glow rad="38100">
+                    <a:schemeClr val="bg1">
+                      <a:lumMod val="65000"/>
+                      <a:lumOff val="35000"/>
+                      <a:alpha val="40000"/>
+                    </a:schemeClr>
+                  </a:glow>
+                  <a:outerShdw blurRad="28575" dist="38100" dir="14040000" algn="tl" rotWithShape="0">
+                    <a:srgbClr val="000000">
+                      <a:alpha val="25000"/>
+                    </a:srgbClr>
+                  </a:outerShdw>
+                </a:effectLst>
+              </a:defRPr>
+            </a:lvl1pPr>
+            <a:lvl2pPr>
+              <a:defRPr>
+                <a:solidFill>
+                  <a:schemeClr val="tx2"/>
+                </a:solidFill>
+              </a:defRPr>
+            </a:lvl2pPr>
+            <a:lvl3pPr>
+              <a:defRPr>
+                <a:solidFill>
+                  <a:schemeClr val="tx2"/>
+                </a:solidFill>
+              </a:defRPr>
+            </a:lvl3pPr>
+            <a:lvl4pPr>
+              <a:defRPr>
+                <a:solidFill>
+                  <a:schemeClr val="tx2"/>
+                </a:solidFill>
+              </a:defRPr>
+            </a:lvl4pPr>
+            <a:lvl5pPr>
+              <a:defRPr>
+                <a:solidFill>
+                  <a:schemeClr val="tx2"/>
+                </a:solidFill>
+              </a:defRPr>
+            </a:lvl5pPr>
+            <a:lvl6pPr>
+              <a:defRPr>
+                <a:solidFill>
+                  <a:schemeClr val="tx2"/>
+                </a:solidFill>
+              </a:defRPr>
+            </a:lvl6pPr>
+            <a:lvl7pPr>
+              <a:defRPr>
+                <a:solidFill>
+                  <a:schemeClr val="tx2"/>
+                </a:solidFill>
+              </a:defRPr>
+            </a:lvl7pPr>
+            <a:lvl8pPr>
+              <a:defRPr>
+                <a:solidFill>
+                  <a:schemeClr val="tx2"/>
+                </a:solidFill>
+              </a:defRPr>
+            </a:lvl8pPr>
+            <a:lvl9pPr>
+              <a:defRPr>
+                <a:solidFill>
+                  <a:schemeClr val="tx2"/>
+                </a:solidFill>
+              </a:defRPr>
+            </a:lvl9pPr>
+          </a:lstStyle>
+          <a:p>
+            <a:pPr lvl="0"/>
+            <a:r>
+              <a:rPr lang="en-US" sz="8000" dirty="0">
+                <a:solidFill>
+                  <a:schemeClr val="tx1"/>
+                </a:solidFill>
+                <a:effectLst/>
+              </a:rPr>
+              <a:t>“</a:t>
+            </a:r>
+          </a:p>
+        </p:txBody>
+      </p:sp>
+      <p:sp>
+        <p:nvSpPr>
+          <p:cNvPr id="15" name="TextBox 14"/>
+          <p:cNvSpPr txBox="1"/>
+          <p:nvPr/>
+        </p:nvSpPr>
+        <p:spPr>
+          <a:xfrm>
+            <a:off x="7735800" y="2751671"/>
+            <a:ext cx="457319" cy="584776"/>
+          </a:xfrm>
+          <a:prstGeom prst="rect">
+            <a:avLst/>
+          </a:prstGeom>
+        </p:spPr>
+        <p:txBody>
+          <a:bodyPr vert="horz" lIns="91440" tIns="45720" rIns="91440" bIns="45720" rtlCol="0" anchor="ctr">
+            <a:noAutofit/>
+          </a:bodyPr>
+          <a:lstStyle>
+            <a:lvl1pPr>
+              <a:spcBef>
+                <a:spcPct val="0"/>
+              </a:spcBef>
+              <a:buNone/>
+              <a:defRPr sz="3200" b="0" cap="all">
+                <a:ln w="3175" cmpd="sng">
+                  <a:noFill/>
+                </a:ln>
+                <a:effectLst>
+                  <a:glow rad="38100">
+                    <a:schemeClr val="bg1">
+                      <a:lumMod val="65000"/>
+                      <a:lumOff val="35000"/>
+                      <a:alpha val="40000"/>
+                    </a:schemeClr>
+                  </a:glow>
+                  <a:outerShdw blurRad="28575" dist="38100" dir="14040000" algn="tl" rotWithShape="0">
+                    <a:srgbClr val="000000">
+                      <a:alpha val="25000"/>
+                    </a:srgbClr>
+                  </a:outerShdw>
+                </a:effectLst>
+              </a:defRPr>
+            </a:lvl1pPr>
+            <a:lvl2pPr>
+              <a:defRPr>
+                <a:solidFill>
+                  <a:schemeClr val="tx2"/>
+                </a:solidFill>
+              </a:defRPr>
+            </a:lvl2pPr>
+            <a:lvl3pPr>
+              <a:defRPr>
+                <a:solidFill>
+                  <a:schemeClr val="tx2"/>
+                </a:solidFill>
+              </a:defRPr>
+            </a:lvl3pPr>
+            <a:lvl4pPr>
+              <a:defRPr>
+                <a:solidFill>
+                  <a:schemeClr val="tx2"/>
+                </a:solidFill>
+              </a:defRPr>
+            </a:lvl4pPr>
+            <a:lvl5pPr>
+              <a:defRPr>
+                <a:solidFill>
+                  <a:schemeClr val="tx2"/>
+                </a:solidFill>
+              </a:defRPr>
+            </a:lvl5pPr>
+            <a:lvl6pPr>
+              <a:defRPr>
+                <a:solidFill>
+                  <a:schemeClr val="tx2"/>
+                </a:solidFill>
+              </a:defRPr>
+            </a:lvl6pPr>
+            <a:lvl7pPr>
+              <a:defRPr>
+                <a:solidFill>
+                  <a:schemeClr val="tx2"/>
+                </a:solidFill>
+              </a:defRPr>
+            </a:lvl7pPr>
+            <a:lvl8pPr>
+              <a:defRPr>
+                <a:solidFill>
+                  <a:schemeClr val="tx2"/>
+                </a:solidFill>
+              </a:defRPr>
+            </a:lvl8pPr>
+            <a:lvl9pPr>
+              <a:defRPr>
+                <a:solidFill>
+                  <a:schemeClr val="tx2"/>
+                </a:solidFill>
+              </a:defRPr>
+            </a:lvl9pPr>
+          </a:lstStyle>
+          <a:p>
+            <a:pPr lvl="0" algn="r"/>
+            <a:r>
+              <a:rPr lang="en-US" sz="8000" dirty="0">
+                <a:solidFill>
+                  <a:schemeClr val="tx1"/>
+                </a:solidFill>
+                <a:effectLst/>
+              </a:rPr>
+              <a:t>”</a:t>
+            </a:r>
+          </a:p>
+        </p:txBody>
+      </p:sp>
+      <p:sp>
+        <p:nvSpPr>
+          <p:cNvPr id="2" name="Title 1"/>
+          <p:cNvSpPr>
+            <a:spLocks noGrp="1"/>
+          </p:cNvSpPr>
+          <p:nvPr>
+            <p:ph type="title"/>
+          </p:nvPr>
+        </p:nvSpPr>
+        <p:spPr>
+          <a:xfrm>
+            <a:off x="879115" y="609602"/>
+            <a:ext cx="7091297" cy="2743199"/>
+          </a:xfrm>
+        </p:spPr>
+        <p:txBody>
+          <a:bodyPr anchor="ctr">
+            <a:normAutofit/>
+          </a:bodyPr>
+          <a:lstStyle>
+            <a:lvl1pPr algn="l">
+              <a:defRPr sz="3200" b="0" cap="none">
+                <a:solidFill>
+                  <a:schemeClr val="tx1"/>
+                </a:solidFill>
+              </a:defRPr>
+            </a:lvl1pPr>
+          </a:lstStyle>
+          <a:p>
+            <a:r>
+              <a:rPr lang="en-US" smtClean="0"/>
+              <a:t>Click to edit Master title style</a:t>
+            </a:r>
+            <a:endParaRPr lang="en-US" dirty="0"/>
+          </a:p>
+        </p:txBody>
+      </p:sp>
+      <p:sp>
+        <p:nvSpPr>
+          <p:cNvPr id="10" name="Text Placeholder 9"/>
+          <p:cNvSpPr>
+            <a:spLocks noGrp="1"/>
+          </p:cNvSpPr>
+          <p:nvPr>
+            <p:ph type="body" sz="quarter" idx="13"/>
+          </p:nvPr>
+        </p:nvSpPr>
+        <p:spPr>
+          <a:xfrm>
+            <a:off x="988671" y="3352800"/>
+            <a:ext cx="6876133" cy="381000"/>
+          </a:xfrm>
+        </p:spPr>
+        <p:txBody>
+          <a:bodyPr anchor="ctr">
+            <a:normAutofit/>
+          </a:bodyPr>
+          <a:lstStyle>
+            <a:lvl1pPr marL="0" indent="0">
+              <a:buFontTx/>
+              <a:buNone/>
+              <a:defRPr sz="1600"/>
+            </a:lvl1pPr>
+            <a:lvl2pPr marL="457200" indent="0">
+              <a:buFontTx/>
+              <a:buNone/>
+              <a:defRPr/>
+            </a:lvl2pPr>
+            <a:lvl3pPr marL="914400" indent="0">
+              <a:buFontTx/>
+              <a:buNone/>
+              <a:defRPr/>
+            </a:lvl3pPr>
+            <a:lvl4pPr marL="1371600" indent="0">
+              <a:buFontTx/>
+              <a:buNone/>
+              <a:defRPr/>
+            </a:lvl4pPr>
+            <a:lvl5pPr marL="1828800" indent="0">
+              <a:buFontTx/>
+              <a:buNone/>
+              <a:defRPr/>
+            </a:lvl5pPr>
+          </a:lstStyle>
+          <a:p>
+            <a:pPr lvl="0"/>
+            <a:r>
+              <a:rPr lang="en-US" smtClean="0"/>
+              <a:t>Edit Master text styles</a:t>
+            </a:r>
+          </a:p>
+        </p:txBody>
+      </p:sp>
+      <p:sp>
+        <p:nvSpPr>
+          <p:cNvPr id="3" name="Text Placeholder 2"/>
+          <p:cNvSpPr>
+            <a:spLocks noGrp="1"/>
+          </p:cNvSpPr>
+          <p:nvPr>
+            <p:ph type="body" idx="1"/>
+          </p:nvPr>
+        </p:nvSpPr>
+        <p:spPr>
+          <a:xfrm>
+            <a:off x="462266" y="4343400"/>
+            <a:ext cx="7772400" cy="1447800"/>
+          </a:xfrm>
+        </p:spPr>
+        <p:txBody>
+          <a:bodyPr anchor="ctr">
+            <a:normAutofit/>
+          </a:bodyPr>
+          <a:lstStyle>
+            <a:lvl1pPr marL="0" indent="0" algn="l">
+              <a:buNone/>
+              <a:defRPr sz="2000">
+                <a:solidFill>
+                  <a:schemeClr val="tx1"/>
+                </a:solidFill>
+              </a:defRPr>
+            </a:lvl1pPr>
+            <a:lvl2pPr marL="457200" indent="0">
+              <a:buNone/>
+              <a:defRPr sz="1800">
+                <a:solidFill>
+                  <a:schemeClr val="tx1">
+                    <a:tint val="75000"/>
+                  </a:schemeClr>
+                </a:solidFill>
+              </a:defRPr>
+            </a:lvl2pPr>
+            <a:lvl3pPr marL="914400" indent="0">
+              <a:buNone/>
+              <a:defRPr sz="1600">
+                <a:solidFill>
+                  <a:schemeClr val="tx1">
+                    <a:tint val="75000"/>
+                  </a:schemeClr>
+                </a:solidFill>
+              </a:defRPr>
+            </a:lvl3pPr>
+            <a:lvl4pPr marL="1371600" indent="0">
+              <a:buNone/>
+              <a:defRPr sz="1400">
+                <a:solidFill>
+                  <a:schemeClr val="tx1">
+                    <a:tint val="75000"/>
+                  </a:schemeClr>
+                </a:solidFill>
+              </a:defRPr>
+            </a:lvl4pPr>
+            <a:lvl5pPr marL="1828800" indent="0">
+              <a:buNone/>
+              <a:defRPr sz="1400">
+                <a:solidFill>
+                  <a:schemeClr val="tx1">
+                    <a:tint val="75000"/>
+                  </a:schemeClr>
+                </a:solidFill>
+              </a:defRPr>
+            </a:lvl5pPr>
+            <a:lvl6pPr marL="2286000" indent="0">
+              <a:buNone/>
+              <a:defRPr sz="1400">
+                <a:solidFill>
+                  <a:schemeClr val="tx1">
+                    <a:tint val="75000"/>
+                  </a:schemeClr>
+                </a:solidFill>
+              </a:defRPr>
+            </a:lvl6pPr>
+            <a:lvl7pPr marL="2743200" indent="0">
+              <a:buNone/>
+              <a:defRPr sz="1400">
+                <a:solidFill>
+                  <a:schemeClr val="tx1">
+                    <a:tint val="75000"/>
+                  </a:schemeClr>
+                </a:solidFill>
+              </a:defRPr>
+            </a:lvl7pPr>
+            <a:lvl8pPr marL="3200400" indent="0">
+              <a:buNone/>
+              <a:defRPr sz="1400">
+                <a:solidFill>
+                  <a:schemeClr val="tx1">
+                    <a:tint val="75000"/>
+                  </a:schemeClr>
+                </a:solidFill>
+              </a:defRPr>
+            </a:lvl8pPr>
+            <a:lvl9pPr marL="3657600" indent="0">
+              <a:buNone/>
+              <a:defRPr sz="1400">
+                <a:solidFill>
+                  <a:schemeClr val="tx1">
+                    <a:tint val="75000"/>
+                  </a:schemeClr>
+                </a:solidFill>
+              </a:defRPr>
+            </a:lvl9pPr>
+          </a:lstStyle>
+          <a:p>
+            <a:pPr lvl="0"/>
+            <a:r>
+              <a:rPr lang="en-US" smtClean="0"/>
+              <a:t>Edit Master text styles</a:t>
+            </a:r>
+          </a:p>
+        </p:txBody>
+      </p:sp>
+      <p:sp>
+        <p:nvSpPr>
+          <p:cNvPr id="4" name="Date Placeholder 3"/>
+          <p:cNvSpPr>
+            <a:spLocks noGrp="1"/>
+          </p:cNvSpPr>
+          <p:nvPr>
+            <p:ph type="dt" sz="half" idx="10"/>
+          </p:nvPr>
+        </p:nvSpPr>
+        <p:spPr/>
+        <p:txBody>
+          <a:bodyPr/>
+          <a:lstStyle/>
+          <a:p>
+            <a:fld id="{1D8BD707-D9CF-40AE-B4C6-C98DA3205C09}" type="datetimeFigureOut">
+              <a:rPr lang="en-US" smtClean="0"/>
+              <a:pPr/>
+              <a:t>2/20/2020</a:t>
+            </a:fld>
+            <a:endParaRPr lang="en-US"/>
+          </a:p>
+        </p:txBody>
+      </p:sp>
+      <p:sp>
+        <p:nvSpPr>
+          <p:cNvPr id="5" name="Footer Placeholder 4"/>
+          <p:cNvSpPr>
+            <a:spLocks noGrp="1"/>
+          </p:cNvSpPr>
+          <p:nvPr>
+            <p:ph type="ftr" sz="quarter" idx="11"/>
+          </p:nvPr>
+        </p:nvSpPr>
+        <p:spPr/>
+        <p:txBody>
+          <a:bodyPr/>
+          <a:lstStyle/>
+          <a:p>
+            <a:endParaRPr lang="en-US"/>
+          </a:p>
+        </p:txBody>
+      </p:sp>
+      <p:sp>
+        <p:nvSpPr>
+          <p:cNvPr id="6" name="Slide Number Placeholder 5"/>
+          <p:cNvSpPr>
+            <a:spLocks noGrp="1"/>
+          </p:cNvSpPr>
+          <p:nvPr>
+            <p:ph type="sldNum" sz="quarter" idx="12"/>
+          </p:nvPr>
+        </p:nvSpPr>
+        <p:spPr/>
+        <p:txBody>
+          <a:bodyPr/>
+          <a:lstStyle/>
+          <a:p>
+            <a:fld id="{B6F15528-21DE-4FAA-801E-634DDDAF4B2B}" type="slidenum">
+              <a:rPr lang="en-US" smtClean="0"/>
+              <a:pPr/>
+              <a:t>‹#›</a:t>
+            </a:fld>
+            <a:endParaRPr lang="en-US"/>
+          </a:p>
+        </p:txBody>
+      </p:sp>
+    </p:spTree>
+    <p:extLst>
+      <p:ext uri="{BB962C8B-B14F-4D97-AF65-F5344CB8AC3E}">
+        <p14:creationId xmlns:p14="http://schemas.microsoft.com/office/powerpoint/2010/main" val="3087049824"/>
+      </p:ext>
+    </p:extLst>
+  </p:cSld>
+  <p:clrMapOvr>
+    <a:masterClrMapping/>
+  </p:clrMapOvr>
+</p:sldLayout>
+</file>
+
+<file path=ppt/slideLayouts/slideLayout13.xml><?xml version="1.0" encoding="utf-8"?>
+<p:sldLayout xmlns:a="http://schemas.openxmlformats.org/drawingml/2006/main" xmlns:r="http://schemas.openxmlformats.org/officeDocument/2006/relationships" xmlns:p="http://schemas.openxmlformats.org/presentationml/2006/main" preserve="1">
+  <p:cSld name="Name Card">
+    <p:spTree>
+      <p:nvGrpSpPr>
+        <p:cNvPr id="1" name=""/>
+        <p:cNvGrpSpPr/>
+        <p:nvPr/>
+      </p:nvGrpSpPr>
+      <p:grpSpPr>
+        <a:xfrm>
+          <a:off x="0" y="0"/>
+          <a:ext cx="0" cy="0"/>
+          <a:chOff x="0" y="0"/>
+          <a:chExt cx="0" cy="0"/>
+        </a:xfrm>
+      </p:grpSpPr>
+      <p:pic>
+        <p:nvPicPr>
+          <p:cNvPr id="7" name="Picture 6" descr="Celestia-R1---OverlayContentSD.png"/>
+          <p:cNvPicPr>
+            <a:picLocks noChangeAspect="1"/>
+          </p:cNvPicPr>
+          <p:nvPr/>
+        </p:nvPicPr>
+        <p:blipFill>
+          <a:blip r:embed="rId2">
+            <a:extLst>
+              <a:ext uri="{28A0092B-C50C-407E-A947-70E740481C1C}">
+                <a14:useLocalDpi xmlns:a14="http://schemas.microsoft.com/office/drawing/2010/main" val="0"/>
+              </a:ext>
+            </a:extLst>
+          </a:blip>
+          <a:stretch>
+            <a:fillRect/>
+          </a:stretch>
+        </p:blipFill>
+        <p:spPr>
+          <a:xfrm>
+            <a:off x="13956" y="0"/>
+            <a:ext cx="9118600" cy="6858000"/>
+          </a:xfrm>
+          <a:prstGeom prst="rect">
+            <a:avLst/>
+          </a:prstGeom>
+        </p:spPr>
+      </p:pic>
+      <p:sp>
+        <p:nvSpPr>
+          <p:cNvPr id="2" name="Title 1"/>
+          <p:cNvSpPr>
+            <a:spLocks noGrp="1"/>
+          </p:cNvSpPr>
+          <p:nvPr>
+            <p:ph type="title"/>
+          </p:nvPr>
+        </p:nvSpPr>
+        <p:spPr>
+          <a:xfrm>
+            <a:off x="457201" y="3291648"/>
+            <a:ext cx="7772401" cy="1468800"/>
+          </a:xfrm>
+        </p:spPr>
+        <p:txBody>
+          <a:bodyPr anchor="b">
+            <a:normAutofit/>
+          </a:bodyPr>
+          <a:lstStyle>
+            <a:lvl1pPr algn="l">
+              <a:defRPr sz="2800" b="0" cap="none"/>
+            </a:lvl1pPr>
+          </a:lstStyle>
+          <a:p>
+            <a:r>
+              <a:rPr lang="en-US" smtClean="0"/>
+              <a:t>Click to edit Master title style</a:t>
+            </a:r>
+            <a:endParaRPr lang="en-US" dirty="0"/>
+          </a:p>
+        </p:txBody>
+      </p:sp>
+      <p:sp>
+        <p:nvSpPr>
+          <p:cNvPr id="3" name="Text Placeholder 2"/>
+          <p:cNvSpPr>
+            <a:spLocks noGrp="1"/>
+          </p:cNvSpPr>
+          <p:nvPr>
+            <p:ph type="body" idx="1"/>
+          </p:nvPr>
+        </p:nvSpPr>
+        <p:spPr>
+          <a:xfrm>
+            <a:off x="457200" y="4760448"/>
+            <a:ext cx="7772402" cy="860400"/>
+          </a:xfrm>
+        </p:spPr>
+        <p:txBody>
+          <a:bodyPr anchor="t">
+            <a:normAutofit/>
+          </a:bodyPr>
+          <a:lstStyle>
+            <a:lvl1pPr marL="0" indent="0" algn="l">
+              <a:buNone/>
+              <a:defRPr sz="1800">
+                <a:solidFill>
+                  <a:schemeClr val="tx1"/>
+                </a:solidFill>
+              </a:defRPr>
+            </a:lvl1pPr>
+            <a:lvl2pPr marL="457200" indent="0">
+              <a:buNone/>
+              <a:defRPr sz="1800">
+                <a:solidFill>
+                  <a:schemeClr val="tx1">
+                    <a:tint val="75000"/>
+                  </a:schemeClr>
+                </a:solidFill>
+              </a:defRPr>
+            </a:lvl2pPr>
+            <a:lvl3pPr marL="914400" indent="0">
+              <a:buNone/>
+              <a:defRPr sz="1600">
+                <a:solidFill>
+                  <a:schemeClr val="tx1">
+                    <a:tint val="75000"/>
+                  </a:schemeClr>
+                </a:solidFill>
+              </a:defRPr>
+            </a:lvl3pPr>
+            <a:lvl4pPr marL="1371600" indent="0">
+              <a:buNone/>
+              <a:defRPr sz="1400">
+                <a:solidFill>
+                  <a:schemeClr val="tx1">
+                    <a:tint val="75000"/>
+                  </a:schemeClr>
+                </a:solidFill>
+              </a:defRPr>
+            </a:lvl4pPr>
+            <a:lvl5pPr marL="1828800" indent="0">
+              <a:buNone/>
+              <a:defRPr sz="1400">
+                <a:solidFill>
+                  <a:schemeClr val="tx1">
+                    <a:tint val="75000"/>
+                  </a:schemeClr>
+                </a:solidFill>
+              </a:defRPr>
+            </a:lvl5pPr>
+            <a:lvl6pPr marL="2286000" indent="0">
+              <a:buNone/>
+              <a:defRPr sz="1400">
+                <a:solidFill>
+                  <a:schemeClr val="tx1">
+                    <a:tint val="75000"/>
+                  </a:schemeClr>
+                </a:solidFill>
+              </a:defRPr>
+            </a:lvl6pPr>
+            <a:lvl7pPr marL="2743200" indent="0">
+              <a:buNone/>
+              <a:defRPr sz="1400">
+                <a:solidFill>
+                  <a:schemeClr val="tx1">
+                    <a:tint val="75000"/>
+                  </a:schemeClr>
+                </a:solidFill>
+              </a:defRPr>
+            </a:lvl7pPr>
+            <a:lvl8pPr marL="3200400" indent="0">
+              <a:buNone/>
+              <a:defRPr sz="1400">
+                <a:solidFill>
+                  <a:schemeClr val="tx1">
+                    <a:tint val="75000"/>
+                  </a:schemeClr>
+                </a:solidFill>
+              </a:defRPr>
+            </a:lvl8pPr>
+            <a:lvl9pPr marL="3657600" indent="0">
+              <a:buNone/>
+              <a:defRPr sz="1400">
+                <a:solidFill>
+                  <a:schemeClr val="tx1">
+                    <a:tint val="75000"/>
+                  </a:schemeClr>
+                </a:solidFill>
+              </a:defRPr>
+            </a:lvl9pPr>
+          </a:lstStyle>
+          <a:p>
+            <a:pPr lvl="0"/>
+            <a:r>
+              <a:rPr lang="en-US" smtClean="0"/>
+              <a:t>Edit Master text styles</a:t>
+            </a:r>
+          </a:p>
+        </p:txBody>
+      </p:sp>
+      <p:sp>
+        <p:nvSpPr>
+          <p:cNvPr id="4" name="Date Placeholder 3"/>
+          <p:cNvSpPr>
+            <a:spLocks noGrp="1"/>
+          </p:cNvSpPr>
+          <p:nvPr>
+            <p:ph type="dt" sz="half" idx="10"/>
+          </p:nvPr>
+        </p:nvSpPr>
+        <p:spPr/>
+        <p:txBody>
+          <a:bodyPr/>
+          <a:lstStyle/>
+          <a:p>
+            <a:fld id="{1D8BD707-D9CF-40AE-B4C6-C98DA3205C09}" type="datetimeFigureOut">
+              <a:rPr lang="en-US" smtClean="0"/>
+              <a:pPr/>
+              <a:t>2/20/2020</a:t>
+            </a:fld>
+            <a:endParaRPr lang="en-US"/>
+          </a:p>
+        </p:txBody>
+      </p:sp>
+      <p:sp>
+        <p:nvSpPr>
+          <p:cNvPr id="5" name="Footer Placeholder 4"/>
+          <p:cNvSpPr>
+            <a:spLocks noGrp="1"/>
+          </p:cNvSpPr>
+          <p:nvPr>
+            <p:ph type="ftr" sz="quarter" idx="11"/>
+          </p:nvPr>
+        </p:nvSpPr>
+        <p:spPr/>
+        <p:txBody>
+          <a:bodyPr/>
+          <a:lstStyle/>
+          <a:p>
+            <a:endParaRPr lang="en-US"/>
+          </a:p>
+        </p:txBody>
+      </p:sp>
+      <p:sp>
+        <p:nvSpPr>
+          <p:cNvPr id="6" name="Slide Number Placeholder 5"/>
+          <p:cNvSpPr>
+            <a:spLocks noGrp="1"/>
+          </p:cNvSpPr>
+          <p:nvPr>
+            <p:ph type="sldNum" sz="quarter" idx="12"/>
+          </p:nvPr>
+        </p:nvSpPr>
+        <p:spPr/>
+        <p:txBody>
+          <a:bodyPr/>
+          <a:lstStyle/>
+          <a:p>
+            <a:fld id="{B6F15528-21DE-4FAA-801E-634DDDAF4B2B}" type="slidenum">
+              <a:rPr lang="en-US" smtClean="0"/>
+              <a:pPr/>
+              <a:t>‹#›</a:t>
+            </a:fld>
+            <a:endParaRPr lang="en-US"/>
+          </a:p>
+        </p:txBody>
+      </p:sp>
+    </p:spTree>
+    <p:extLst>
+      <p:ext uri="{BB962C8B-B14F-4D97-AF65-F5344CB8AC3E}">
+        <p14:creationId xmlns:p14="http://schemas.microsoft.com/office/powerpoint/2010/main" val="2442057195"/>
+      </p:ext>
+    </p:extLst>
+  </p:cSld>
+  <p:clrMapOvr>
+    <a:masterClrMapping/>
+  </p:clrMapOvr>
+</p:sldLayout>
+</file>
+
+<file path=ppt/slideLayouts/slideLayout14.xml><?xml version="1.0" encoding="utf-8"?>
+<p:sldLayout xmlns:a="http://schemas.openxmlformats.org/drawingml/2006/main" xmlns:r="http://schemas.openxmlformats.org/officeDocument/2006/relationships" xmlns:p="http://schemas.openxmlformats.org/presentationml/2006/main" preserve="1">
+  <p:cSld name="Quote Name Card">
+    <p:spTree>
+      <p:nvGrpSpPr>
+        <p:cNvPr id="1" name=""/>
+        <p:cNvGrpSpPr/>
+        <p:nvPr/>
+      </p:nvGrpSpPr>
+      <p:grpSpPr>
+        <a:xfrm>
+          <a:off x="0" y="0"/>
+          <a:ext cx="0" cy="0"/>
+          <a:chOff x="0" y="0"/>
+          <a:chExt cx="0" cy="0"/>
+        </a:xfrm>
+      </p:grpSpPr>
+      <p:pic>
+        <p:nvPicPr>
+          <p:cNvPr id="13" name="Picture 12" descr="Celestia-R1---OverlayContentSD.png"/>
+          <p:cNvPicPr>
+            <a:picLocks noChangeAspect="1"/>
+          </p:cNvPicPr>
+          <p:nvPr/>
+        </p:nvPicPr>
+        <p:blipFill>
+          <a:blip r:embed="rId2">
+            <a:extLst>
+              <a:ext uri="{28A0092B-C50C-407E-A947-70E740481C1C}">
+                <a14:useLocalDpi xmlns:a14="http://schemas.microsoft.com/office/drawing/2010/main" val="0"/>
+              </a:ext>
+            </a:extLst>
+          </a:blip>
+          <a:stretch>
+            <a:fillRect/>
+          </a:stretch>
+        </p:blipFill>
+        <p:spPr>
+          <a:xfrm>
+            <a:off x="13956" y="0"/>
+            <a:ext cx="9118600" cy="6858000"/>
+          </a:xfrm>
+          <a:prstGeom prst="rect">
+            <a:avLst/>
+          </a:prstGeom>
+        </p:spPr>
+      </p:pic>
+      <p:sp>
+        <p:nvSpPr>
+          <p:cNvPr id="11" name="TextBox 10"/>
+          <p:cNvSpPr txBox="1"/>
+          <p:nvPr/>
+        </p:nvSpPr>
+        <p:spPr>
+          <a:xfrm>
+            <a:off x="421796" y="718114"/>
+            <a:ext cx="457319" cy="584776"/>
+          </a:xfrm>
+          <a:prstGeom prst="rect">
+            <a:avLst/>
+          </a:prstGeom>
+        </p:spPr>
+        <p:txBody>
+          <a:bodyPr vert="horz" lIns="91440" tIns="45720" rIns="91440" bIns="45720" rtlCol="0" anchor="ctr">
+            <a:noAutofit/>
+          </a:bodyPr>
+          <a:lstStyle>
+            <a:lvl1pPr>
+              <a:spcBef>
+                <a:spcPct val="0"/>
+              </a:spcBef>
+              <a:buNone/>
+              <a:defRPr sz="3200" b="0" cap="all">
+                <a:ln w="3175" cmpd="sng">
+                  <a:noFill/>
+                </a:ln>
+                <a:effectLst>
+                  <a:glow rad="38100">
+                    <a:schemeClr val="bg1">
+                      <a:lumMod val="65000"/>
+                      <a:lumOff val="35000"/>
+                      <a:alpha val="40000"/>
+                    </a:schemeClr>
+                  </a:glow>
+                  <a:outerShdw blurRad="28575" dist="38100" dir="14040000" algn="tl" rotWithShape="0">
+                    <a:srgbClr val="000000">
+                      <a:alpha val="25000"/>
+                    </a:srgbClr>
+                  </a:outerShdw>
+                </a:effectLst>
+              </a:defRPr>
+            </a:lvl1pPr>
+            <a:lvl2pPr>
+              <a:defRPr>
+                <a:solidFill>
+                  <a:schemeClr val="tx2"/>
+                </a:solidFill>
+              </a:defRPr>
+            </a:lvl2pPr>
+            <a:lvl3pPr>
+              <a:defRPr>
+                <a:solidFill>
+                  <a:schemeClr val="tx2"/>
+                </a:solidFill>
+              </a:defRPr>
+            </a:lvl3pPr>
+            <a:lvl4pPr>
+              <a:defRPr>
+                <a:solidFill>
+                  <a:schemeClr val="tx2"/>
+                </a:solidFill>
+              </a:defRPr>
+            </a:lvl4pPr>
+            <a:lvl5pPr>
+              <a:defRPr>
+                <a:solidFill>
+                  <a:schemeClr val="tx2"/>
+                </a:solidFill>
+              </a:defRPr>
+            </a:lvl5pPr>
+            <a:lvl6pPr>
+              <a:defRPr>
+                <a:solidFill>
+                  <a:schemeClr val="tx2"/>
+                </a:solidFill>
+              </a:defRPr>
+            </a:lvl6pPr>
+            <a:lvl7pPr>
+              <a:defRPr>
+                <a:solidFill>
+                  <a:schemeClr val="tx2"/>
+                </a:solidFill>
+              </a:defRPr>
+            </a:lvl7pPr>
+            <a:lvl8pPr>
+              <a:defRPr>
+                <a:solidFill>
+                  <a:schemeClr val="tx2"/>
+                </a:solidFill>
+              </a:defRPr>
+            </a:lvl8pPr>
+            <a:lvl9pPr>
+              <a:defRPr>
+                <a:solidFill>
+                  <a:schemeClr val="tx2"/>
+                </a:solidFill>
+              </a:defRPr>
+            </a:lvl9pPr>
+          </a:lstStyle>
+          <a:p>
+            <a:pPr lvl="0"/>
+            <a:r>
+              <a:rPr lang="en-US" sz="8000" dirty="0">
+                <a:solidFill>
+                  <a:schemeClr val="tx1"/>
+                </a:solidFill>
+                <a:effectLst/>
+              </a:rPr>
+              <a:t>“</a:t>
+            </a:r>
+          </a:p>
+        </p:txBody>
+      </p:sp>
+      <p:sp>
+        <p:nvSpPr>
+          <p:cNvPr id="16" name="TextBox 15"/>
+          <p:cNvSpPr txBox="1"/>
+          <p:nvPr/>
+        </p:nvSpPr>
+        <p:spPr>
+          <a:xfrm>
+            <a:off x="7735800" y="2751671"/>
+            <a:ext cx="457319" cy="584776"/>
+          </a:xfrm>
+          <a:prstGeom prst="rect">
+            <a:avLst/>
+          </a:prstGeom>
+        </p:spPr>
+        <p:txBody>
+          <a:bodyPr vert="horz" lIns="91440" tIns="45720" rIns="91440" bIns="45720" rtlCol="0" anchor="ctr">
+            <a:noAutofit/>
+          </a:bodyPr>
+          <a:lstStyle>
+            <a:lvl1pPr>
+              <a:spcBef>
+                <a:spcPct val="0"/>
+              </a:spcBef>
+              <a:buNone/>
+              <a:defRPr sz="3200" b="0" cap="all">
+                <a:ln w="3175" cmpd="sng">
+                  <a:noFill/>
+                </a:ln>
+                <a:effectLst>
+                  <a:glow rad="38100">
+                    <a:schemeClr val="bg1">
+                      <a:lumMod val="65000"/>
+                      <a:lumOff val="35000"/>
+                      <a:alpha val="40000"/>
+                    </a:schemeClr>
+                  </a:glow>
+                  <a:outerShdw blurRad="28575" dist="38100" dir="14040000" algn="tl" rotWithShape="0">
+                    <a:srgbClr val="000000">
+                      <a:alpha val="25000"/>
+                    </a:srgbClr>
+                  </a:outerShdw>
+                </a:effectLst>
+              </a:defRPr>
+            </a:lvl1pPr>
+            <a:lvl2pPr>
+              <a:defRPr>
+                <a:solidFill>
+                  <a:schemeClr val="tx2"/>
+                </a:solidFill>
+              </a:defRPr>
+            </a:lvl2pPr>
+            <a:lvl3pPr>
+              <a:defRPr>
+                <a:solidFill>
+                  <a:schemeClr val="tx2"/>
+                </a:solidFill>
+              </a:defRPr>
+            </a:lvl3pPr>
+            <a:lvl4pPr>
+              <a:defRPr>
+                <a:solidFill>
+                  <a:schemeClr val="tx2"/>
+                </a:solidFill>
+              </a:defRPr>
+            </a:lvl4pPr>
+            <a:lvl5pPr>
+              <a:defRPr>
+                <a:solidFill>
+                  <a:schemeClr val="tx2"/>
+                </a:solidFill>
+              </a:defRPr>
+            </a:lvl5pPr>
+            <a:lvl6pPr>
+              <a:defRPr>
+                <a:solidFill>
+                  <a:schemeClr val="tx2"/>
+                </a:solidFill>
+              </a:defRPr>
+            </a:lvl6pPr>
+            <a:lvl7pPr>
+              <a:defRPr>
+                <a:solidFill>
+                  <a:schemeClr val="tx2"/>
+                </a:solidFill>
+              </a:defRPr>
+            </a:lvl7pPr>
+            <a:lvl8pPr>
+              <a:defRPr>
+                <a:solidFill>
+                  <a:schemeClr val="tx2"/>
+                </a:solidFill>
+              </a:defRPr>
+            </a:lvl8pPr>
+            <a:lvl9pPr>
+              <a:defRPr>
+                <a:solidFill>
+                  <a:schemeClr val="tx2"/>
+                </a:solidFill>
+              </a:defRPr>
+            </a:lvl9pPr>
+          </a:lstStyle>
+          <a:p>
+            <a:pPr lvl="0" algn="r"/>
+            <a:r>
+              <a:rPr lang="en-US" sz="8000" dirty="0">
+                <a:solidFill>
+                  <a:schemeClr val="tx1"/>
+                </a:solidFill>
+                <a:effectLst/>
+              </a:rPr>
+              <a:t>”</a:t>
+            </a:r>
+          </a:p>
+        </p:txBody>
+      </p:sp>
+      <p:sp>
+        <p:nvSpPr>
+          <p:cNvPr id="2" name="Title 1"/>
+          <p:cNvSpPr>
+            <a:spLocks noGrp="1"/>
+          </p:cNvSpPr>
+          <p:nvPr>
+            <p:ph type="title"/>
+          </p:nvPr>
+        </p:nvSpPr>
+        <p:spPr>
+          <a:xfrm>
+            <a:off x="879115" y="609602"/>
+            <a:ext cx="7091297" cy="2743199"/>
+          </a:xfrm>
+        </p:spPr>
+        <p:txBody>
+          <a:bodyPr anchor="ctr">
+            <a:normAutofit/>
+          </a:bodyPr>
+          <a:lstStyle>
+            <a:lvl1pPr algn="l">
+              <a:defRPr sz="3200" b="0" cap="none">
+                <a:solidFill>
+                  <a:schemeClr val="tx1"/>
+                </a:solidFill>
+              </a:defRPr>
+            </a:lvl1pPr>
+          </a:lstStyle>
+          <a:p>
+            <a:r>
+              <a:rPr lang="en-US" smtClean="0"/>
+              <a:t>Click to edit Master title style</a:t>
+            </a:r>
+            <a:endParaRPr lang="en-US" dirty="0"/>
+          </a:p>
+        </p:txBody>
+      </p:sp>
+      <p:sp>
+        <p:nvSpPr>
+          <p:cNvPr id="10" name="Text Placeholder 9"/>
+          <p:cNvSpPr>
+            <a:spLocks noGrp="1"/>
+          </p:cNvSpPr>
+          <p:nvPr>
+            <p:ph type="body" sz="quarter" idx="13"/>
+          </p:nvPr>
+        </p:nvSpPr>
+        <p:spPr>
+          <a:xfrm>
+            <a:off x="457200" y="3886200"/>
+            <a:ext cx="7772401" cy="889000"/>
+          </a:xfrm>
+        </p:spPr>
+        <p:txBody>
+          <a:bodyPr vert="horz" lIns="91440" tIns="45720" rIns="91440" bIns="45720" rtlCol="0" anchor="b">
+            <a:normAutofit/>
+          </a:bodyPr>
+          <a:lstStyle>
+            <a:lvl1pPr>
+              <a:buNone/>
+              <a:defRPr lang="en-US" sz="2000" b="0" cap="none" dirty="0">
+                <a:ln w="3175" cmpd="sng">
+                  <a:noFill/>
+                </a:ln>
+                <a:solidFill>
+                  <a:schemeClr val="tx1"/>
+                </a:solidFill>
+                <a:effectLst/>
+              </a:defRPr>
+            </a:lvl1pPr>
+          </a:lstStyle>
+          <a:p>
+            <a:pPr marL="0" lvl="0">
+              <a:spcBef>
+                <a:spcPct val="0"/>
+              </a:spcBef>
+              <a:buNone/>
+            </a:pPr>
+            <a:r>
+              <a:rPr lang="en-US" smtClean="0"/>
+              <a:t>Edit Master text styles</a:t>
+            </a:r>
+          </a:p>
+        </p:txBody>
+      </p:sp>
+      <p:sp>
+        <p:nvSpPr>
+          <p:cNvPr id="3" name="Text Placeholder 2"/>
+          <p:cNvSpPr>
+            <a:spLocks noGrp="1"/>
+          </p:cNvSpPr>
+          <p:nvPr>
+            <p:ph type="body" idx="1"/>
+          </p:nvPr>
+        </p:nvSpPr>
+        <p:spPr>
+          <a:xfrm>
+            <a:off x="457200" y="4775200"/>
+            <a:ext cx="7772401" cy="1016000"/>
+          </a:xfrm>
+        </p:spPr>
+        <p:txBody>
+          <a:bodyPr anchor="t">
+            <a:normAutofit/>
+          </a:bodyPr>
+          <a:lstStyle>
+            <a:lvl1pPr marL="0" indent="0" algn="l">
+              <a:buNone/>
+              <a:defRPr sz="1600">
+                <a:solidFill>
+                  <a:schemeClr val="tx1"/>
+                </a:solidFill>
+              </a:defRPr>
+            </a:lvl1pPr>
+            <a:lvl2pPr marL="457200" indent="0">
+              <a:buNone/>
+              <a:defRPr sz="1600">
+                <a:solidFill>
+                  <a:schemeClr val="tx1">
+                    <a:tint val="75000"/>
+                  </a:schemeClr>
+                </a:solidFill>
+              </a:defRPr>
+            </a:lvl2pPr>
+            <a:lvl3pPr marL="914400" indent="0">
+              <a:buNone/>
+              <a:defRPr sz="1600">
+                <a:solidFill>
+                  <a:schemeClr val="tx1">
+                    <a:tint val="75000"/>
+                  </a:schemeClr>
+                </a:solidFill>
+              </a:defRPr>
+            </a:lvl3pPr>
+            <a:lvl4pPr marL="1371600" indent="0">
+              <a:buNone/>
+              <a:defRPr sz="1400">
+                <a:solidFill>
+                  <a:schemeClr val="tx1">
+                    <a:tint val="75000"/>
+                  </a:schemeClr>
+                </a:solidFill>
+              </a:defRPr>
+            </a:lvl4pPr>
+            <a:lvl5pPr marL="1828800" indent="0">
+              <a:buNone/>
+              <a:defRPr sz="1400">
+                <a:solidFill>
+                  <a:schemeClr val="tx1">
+                    <a:tint val="75000"/>
+                  </a:schemeClr>
+                </a:solidFill>
+              </a:defRPr>
+            </a:lvl5pPr>
+            <a:lvl6pPr marL="2286000" indent="0">
+              <a:buNone/>
+              <a:defRPr sz="1400">
+                <a:solidFill>
+                  <a:schemeClr val="tx1">
+                    <a:tint val="75000"/>
+                  </a:schemeClr>
+                </a:solidFill>
+              </a:defRPr>
+            </a:lvl6pPr>
+            <a:lvl7pPr marL="2743200" indent="0">
+              <a:buNone/>
+              <a:defRPr sz="1400">
+                <a:solidFill>
+                  <a:schemeClr val="tx1">
+                    <a:tint val="75000"/>
+                  </a:schemeClr>
+                </a:solidFill>
+              </a:defRPr>
+            </a:lvl7pPr>
+            <a:lvl8pPr marL="3200400" indent="0">
+              <a:buNone/>
+              <a:defRPr sz="1400">
+                <a:solidFill>
+                  <a:schemeClr val="tx1">
+                    <a:tint val="75000"/>
+                  </a:schemeClr>
+                </a:solidFill>
+              </a:defRPr>
+            </a:lvl8pPr>
+            <a:lvl9pPr marL="3657600" indent="0">
+              <a:buNone/>
+              <a:defRPr sz="1400">
+                <a:solidFill>
+                  <a:schemeClr val="tx1">
+                    <a:tint val="75000"/>
+                  </a:schemeClr>
+                </a:solidFill>
+              </a:defRPr>
+            </a:lvl9pPr>
+          </a:lstStyle>
+          <a:p>
+            <a:pPr lvl="0"/>
+            <a:r>
+              <a:rPr lang="en-US" smtClean="0"/>
+              <a:t>Edit Master text styles</a:t>
+            </a:r>
+          </a:p>
+        </p:txBody>
+      </p:sp>
+      <p:sp>
+        <p:nvSpPr>
+          <p:cNvPr id="4" name="Date Placeholder 3"/>
+          <p:cNvSpPr>
+            <a:spLocks noGrp="1"/>
+          </p:cNvSpPr>
+          <p:nvPr>
+            <p:ph type="dt" sz="half" idx="10"/>
+          </p:nvPr>
+        </p:nvSpPr>
+        <p:spPr/>
+        <p:txBody>
+          <a:bodyPr/>
+          <a:lstStyle/>
+          <a:p>
+            <a:fld id="{1D8BD707-D9CF-40AE-B4C6-C98DA3205C09}" type="datetimeFigureOut">
+              <a:rPr lang="en-US" smtClean="0"/>
+              <a:pPr/>
+              <a:t>2/20/2020</a:t>
+            </a:fld>
+            <a:endParaRPr lang="en-US"/>
+          </a:p>
+        </p:txBody>
+      </p:sp>
+      <p:sp>
+        <p:nvSpPr>
+          <p:cNvPr id="5" name="Footer Placeholder 4"/>
+          <p:cNvSpPr>
+            <a:spLocks noGrp="1"/>
+          </p:cNvSpPr>
+          <p:nvPr>
+            <p:ph type="ftr" sz="quarter" idx="11"/>
+          </p:nvPr>
+        </p:nvSpPr>
+        <p:spPr/>
+        <p:txBody>
+          <a:bodyPr/>
+          <a:lstStyle/>
+          <a:p>
+            <a:endParaRPr lang="en-US"/>
+          </a:p>
+        </p:txBody>
+      </p:sp>
+      <p:sp>
+        <p:nvSpPr>
+          <p:cNvPr id="6" name="Slide Number Placeholder 5"/>
+          <p:cNvSpPr>
+            <a:spLocks noGrp="1"/>
+          </p:cNvSpPr>
+          <p:nvPr>
+            <p:ph type="sldNum" sz="quarter" idx="12"/>
+          </p:nvPr>
+        </p:nvSpPr>
+        <p:spPr/>
+        <p:txBody>
+          <a:bodyPr/>
+          <a:lstStyle/>
+          <a:p>
+            <a:fld id="{B6F15528-21DE-4FAA-801E-634DDDAF4B2B}" type="slidenum">
+              <a:rPr lang="en-US" smtClean="0"/>
+              <a:pPr/>
+              <a:t>‹#›</a:t>
+            </a:fld>
+            <a:endParaRPr lang="en-US"/>
+          </a:p>
+        </p:txBody>
+      </p:sp>
+    </p:spTree>
+    <p:extLst>
+      <p:ext uri="{BB962C8B-B14F-4D97-AF65-F5344CB8AC3E}">
+        <p14:creationId xmlns:p14="http://schemas.microsoft.com/office/powerpoint/2010/main" val="140337858"/>
+      </p:ext>
+    </p:extLst>
+  </p:cSld>
+  <p:clrMapOvr>
+    <a:masterClrMapping/>
+  </p:clrMapOvr>
+</p:sldLayout>
+</file>
+
+<file path=ppt/slideLayouts/slideLayout15.xml><?xml version="1.0" encoding="utf-8"?>
+<p:sldLayout xmlns:a="http://schemas.openxmlformats.org/drawingml/2006/main" xmlns:r="http://schemas.openxmlformats.org/officeDocument/2006/relationships" xmlns:p="http://schemas.openxmlformats.org/presentationml/2006/main" preserve="1">
+  <p:cSld name="True or False">
+    <p:spTree>
+      <p:nvGrpSpPr>
+        <p:cNvPr id="1" name=""/>
+        <p:cNvGrpSpPr/>
+        <p:nvPr/>
+      </p:nvGrpSpPr>
+      <p:grpSpPr>
+        <a:xfrm>
+          <a:off x="0" y="0"/>
+          <a:ext cx="0" cy="0"/>
+          <a:chOff x="0" y="0"/>
+          <a:chExt cx="0" cy="0"/>
+        </a:xfrm>
+      </p:grpSpPr>
+      <p:pic>
+        <p:nvPicPr>
+          <p:cNvPr id="8" name="Picture 7" descr="Celestia-R1---OverlayContentSD.png"/>
+          <p:cNvPicPr>
+            <a:picLocks noChangeAspect="1"/>
+          </p:cNvPicPr>
+          <p:nvPr/>
+        </p:nvPicPr>
+        <p:blipFill>
+          <a:blip r:embed="rId2">
+            <a:extLst>
+              <a:ext uri="{28A0092B-C50C-407E-A947-70E740481C1C}">
+                <a14:useLocalDpi xmlns:a14="http://schemas.microsoft.com/office/drawing/2010/main" val="0"/>
+              </a:ext>
+            </a:extLst>
+          </a:blip>
+          <a:stretch>
+            <a:fillRect/>
+          </a:stretch>
+        </p:blipFill>
+        <p:spPr>
+          <a:xfrm>
+            <a:off x="13956" y="0"/>
+            <a:ext cx="9118600" cy="6858000"/>
+          </a:xfrm>
+          <a:prstGeom prst="rect">
+            <a:avLst/>
+          </a:prstGeom>
+        </p:spPr>
+      </p:pic>
+      <p:sp>
+        <p:nvSpPr>
+          <p:cNvPr id="2" name="Title 1"/>
+          <p:cNvSpPr>
+            <a:spLocks noGrp="1"/>
+          </p:cNvSpPr>
+          <p:nvPr>
+            <p:ph type="title"/>
+          </p:nvPr>
+        </p:nvSpPr>
+        <p:spPr>
+          <a:xfrm>
+            <a:off x="464440" y="609602"/>
+            <a:ext cx="7772401" cy="2743199"/>
+          </a:xfrm>
+        </p:spPr>
+        <p:txBody>
+          <a:bodyPr vert="horz" lIns="91440" tIns="45720" rIns="91440" bIns="45720" rtlCol="0" anchor="ctr">
+            <a:normAutofit/>
+          </a:bodyPr>
+          <a:lstStyle>
+            <a:lvl1pPr>
+              <a:defRPr lang="en-US" sz="2800" b="0" dirty="0"/>
+            </a:lvl1pPr>
+          </a:lstStyle>
+          <a:p>
+            <a:pPr marL="0" lvl="0"/>
+            <a:r>
+              <a:rPr lang="en-US" smtClean="0"/>
+              <a:t>Click to edit Master title style</a:t>
+            </a:r>
+            <a:endParaRPr lang="en-US" dirty="0"/>
+          </a:p>
+        </p:txBody>
+      </p:sp>
+      <p:sp>
+        <p:nvSpPr>
+          <p:cNvPr id="10" name="Text Placeholder 9"/>
+          <p:cNvSpPr>
+            <a:spLocks noGrp="1"/>
+          </p:cNvSpPr>
+          <p:nvPr>
+            <p:ph type="body" sz="quarter" idx="13"/>
+          </p:nvPr>
+        </p:nvSpPr>
+        <p:spPr>
+          <a:xfrm>
+            <a:off x="464440" y="3505200"/>
+            <a:ext cx="7772401" cy="838200"/>
+          </a:xfrm>
+        </p:spPr>
+        <p:txBody>
+          <a:bodyPr vert="horz" lIns="91440" tIns="45720" rIns="91440" bIns="45720" rtlCol="0" anchor="b">
+            <a:normAutofit/>
+          </a:bodyPr>
+          <a:lstStyle>
+            <a:lvl1pPr>
+              <a:buNone/>
+              <a:defRPr lang="en-US" sz="2000" b="0" cap="none" dirty="0">
+                <a:ln w="3175" cmpd="sng">
+                  <a:noFill/>
+                </a:ln>
+                <a:solidFill>
+                  <a:schemeClr val="tx1"/>
+                </a:solidFill>
+                <a:effectLst/>
+              </a:defRPr>
+            </a:lvl1pPr>
+          </a:lstStyle>
+          <a:p>
+            <a:pPr marL="0" lvl="0">
+              <a:spcBef>
+                <a:spcPct val="0"/>
+              </a:spcBef>
+              <a:buNone/>
+            </a:pPr>
+            <a:r>
+              <a:rPr lang="en-US" smtClean="0"/>
+              <a:t>Edit Master text styles</a:t>
+            </a:r>
+          </a:p>
+        </p:txBody>
+      </p:sp>
+      <p:sp>
+        <p:nvSpPr>
+          <p:cNvPr id="3" name="Text Placeholder 2"/>
+          <p:cNvSpPr>
+            <a:spLocks noGrp="1"/>
+          </p:cNvSpPr>
+          <p:nvPr>
+            <p:ph type="body" idx="1"/>
+          </p:nvPr>
+        </p:nvSpPr>
+        <p:spPr>
+          <a:xfrm>
+            <a:off x="464439" y="4343400"/>
+            <a:ext cx="7772401" cy="1447800"/>
+          </a:xfrm>
+        </p:spPr>
+        <p:txBody>
+          <a:bodyPr anchor="t">
+            <a:normAutofit/>
+          </a:bodyPr>
+          <a:lstStyle>
+            <a:lvl1pPr marL="0" indent="0" algn="l">
+              <a:buNone/>
+              <a:defRPr sz="1600">
+                <a:solidFill>
+                  <a:schemeClr val="tx1"/>
+                </a:solidFill>
+              </a:defRPr>
+            </a:lvl1pPr>
+            <a:lvl2pPr marL="457200" indent="0">
+              <a:buNone/>
+              <a:defRPr sz="1600">
+                <a:solidFill>
+                  <a:schemeClr val="tx1">
+                    <a:tint val="75000"/>
+                  </a:schemeClr>
+                </a:solidFill>
+              </a:defRPr>
+            </a:lvl2pPr>
+            <a:lvl3pPr marL="914400" indent="0">
+              <a:buNone/>
+              <a:defRPr sz="1600">
+                <a:solidFill>
+                  <a:schemeClr val="tx1">
+                    <a:tint val="75000"/>
+                  </a:schemeClr>
+                </a:solidFill>
+              </a:defRPr>
+            </a:lvl3pPr>
+            <a:lvl4pPr marL="1371600" indent="0">
+              <a:buNone/>
+              <a:defRPr sz="1400">
+                <a:solidFill>
+                  <a:schemeClr val="tx1">
+                    <a:tint val="75000"/>
+                  </a:schemeClr>
+                </a:solidFill>
+              </a:defRPr>
+            </a:lvl4pPr>
+            <a:lvl5pPr marL="1828800" indent="0">
+              <a:buNone/>
+              <a:defRPr sz="1400">
+                <a:solidFill>
+                  <a:schemeClr val="tx1">
+                    <a:tint val="75000"/>
+                  </a:schemeClr>
+                </a:solidFill>
+              </a:defRPr>
+            </a:lvl5pPr>
+            <a:lvl6pPr marL="2286000" indent="0">
+              <a:buNone/>
+              <a:defRPr sz="1400">
+                <a:solidFill>
+                  <a:schemeClr val="tx1">
+                    <a:tint val="75000"/>
+                  </a:schemeClr>
+                </a:solidFill>
+              </a:defRPr>
+            </a:lvl6pPr>
+            <a:lvl7pPr marL="2743200" indent="0">
+              <a:buNone/>
+              <a:defRPr sz="1400">
+                <a:solidFill>
+                  <a:schemeClr val="tx1">
+                    <a:tint val="75000"/>
+                  </a:schemeClr>
+                </a:solidFill>
+              </a:defRPr>
+            </a:lvl7pPr>
+            <a:lvl8pPr marL="3200400" indent="0">
+              <a:buNone/>
+              <a:defRPr sz="1400">
+                <a:solidFill>
+                  <a:schemeClr val="tx1">
+                    <a:tint val="75000"/>
+                  </a:schemeClr>
+                </a:solidFill>
+              </a:defRPr>
+            </a:lvl8pPr>
+            <a:lvl9pPr marL="3657600" indent="0">
+              <a:buNone/>
+              <a:defRPr sz="1400">
+                <a:solidFill>
+                  <a:schemeClr val="tx1">
+                    <a:tint val="75000"/>
+                  </a:schemeClr>
+                </a:solidFill>
+              </a:defRPr>
+            </a:lvl9pPr>
+          </a:lstStyle>
+          <a:p>
+            <a:pPr lvl="0"/>
+            <a:r>
+              <a:rPr lang="en-US" smtClean="0"/>
+              <a:t>Edit Master text styles</a:t>
+            </a:r>
+          </a:p>
+        </p:txBody>
+      </p:sp>
+      <p:sp>
+        <p:nvSpPr>
+          <p:cNvPr id="4" name="Date Placeholder 3"/>
+          <p:cNvSpPr>
+            <a:spLocks noGrp="1"/>
+          </p:cNvSpPr>
+          <p:nvPr>
+            <p:ph type="dt" sz="half" idx="10"/>
+          </p:nvPr>
+        </p:nvSpPr>
+        <p:spPr/>
+        <p:txBody>
+          <a:bodyPr/>
+          <a:lstStyle/>
+          <a:p>
+            <a:fld id="{1D8BD707-D9CF-40AE-B4C6-C98DA3205C09}" type="datetimeFigureOut">
+              <a:rPr lang="en-US" smtClean="0"/>
+              <a:pPr/>
+              <a:t>2/20/2020</a:t>
+            </a:fld>
+            <a:endParaRPr lang="en-US"/>
+          </a:p>
+        </p:txBody>
+      </p:sp>
+      <p:sp>
+        <p:nvSpPr>
+          <p:cNvPr id="5" name="Footer Placeholder 4"/>
+          <p:cNvSpPr>
+            <a:spLocks noGrp="1"/>
+          </p:cNvSpPr>
+          <p:nvPr>
+            <p:ph type="ftr" sz="quarter" idx="11"/>
+          </p:nvPr>
+        </p:nvSpPr>
+        <p:spPr/>
+        <p:txBody>
+          <a:bodyPr/>
+          <a:lstStyle/>
+          <a:p>
+            <a:endParaRPr lang="en-US"/>
+          </a:p>
+        </p:txBody>
+      </p:sp>
+      <p:sp>
+        <p:nvSpPr>
+          <p:cNvPr id="6" name="Slide Number Placeholder 5"/>
+          <p:cNvSpPr>
+            <a:spLocks noGrp="1"/>
+          </p:cNvSpPr>
+          <p:nvPr>
+            <p:ph type="sldNum" sz="quarter" idx="12"/>
+          </p:nvPr>
+        </p:nvSpPr>
+        <p:spPr/>
+        <p:txBody>
+          <a:bodyPr/>
+          <a:lstStyle/>
+          <a:p>
+            <a:fld id="{B6F15528-21DE-4FAA-801E-634DDDAF4B2B}" type="slidenum">
+              <a:rPr lang="en-US" smtClean="0"/>
+              <a:pPr/>
+              <a:t>‹#›</a:t>
+            </a:fld>
+            <a:endParaRPr lang="en-US"/>
+          </a:p>
+        </p:txBody>
+      </p:sp>
+    </p:spTree>
+    <p:extLst>
+      <p:ext uri="{BB962C8B-B14F-4D97-AF65-F5344CB8AC3E}">
+        <p14:creationId xmlns:p14="http://schemas.microsoft.com/office/powerpoint/2010/main" val="668016705"/>
+      </p:ext>
+    </p:extLst>
+  </p:cSld>
+  <p:clrMapOvr>
+    <a:masterClrMapping/>
+  </p:clrMapOvr>
+</p:sldLayout>
+</file>
+
+<file path=ppt/slideLayouts/slideLayout16.xml><?xml version="1.0" encoding="utf-8"?>
 <p:sldLayout xmlns:a="http://schemas.openxmlformats.org/drawingml/2006/main" xmlns:r="http://schemas.openxmlformats.org/officeDocument/2006/relationships" xmlns:p="http://schemas.openxmlformats.org/presentationml/2006/main" type="vertTx" preserve="1">
   <p:cSld name="Title and Vertical Text">
     <p:spTree>
@@ -360,9 +2759,39 @@
           <a:chExt cx="0" cy="0"/>
         </a:xfrm>
       </p:grpSpPr>
-      <p:sp>
-        <p:nvSpPr>
-          <p:cNvPr id="2" name="Title 1"/>
+      <p:pic>
+        <p:nvPicPr>
+          <p:cNvPr id="7" name="Picture 6" descr="Celestia-R1---OverlayContentSD.png"/>
+          <p:cNvPicPr>
+            <a:picLocks noChangeAspect="1"/>
+          </p:cNvPicPr>
+          <p:nvPr/>
+        </p:nvPicPr>
+        <p:blipFill>
+          <a:blip r:embed="rId2">
+            <a:extLst>
+              <a:ext uri="{28A0092B-C50C-407E-A947-70E740481C1C}">
+                <a14:useLocalDpi xmlns:a14="http://schemas.microsoft.com/office/drawing/2010/main" val="0"/>
+              </a:ext>
+            </a:extLst>
+          </a:blip>
+          <a:stretch>
+            <a:fillRect/>
+          </a:stretch>
+        </p:blipFill>
+        <p:spPr>
+          <a:xfrm>
+            <a:off x="13956" y="0"/>
+            <a:ext cx="9118600" cy="6858000"/>
+          </a:xfrm>
+          <a:prstGeom prst="rect">
+            <a:avLst/>
+          </a:prstGeom>
+        </p:spPr>
+      </p:pic>
+      <p:sp>
+        <p:nvSpPr>
+          <p:cNvPr id="8" name="Title 1"/>
           <p:cNvSpPr>
             <a:spLocks noGrp="1"/>
           </p:cNvSpPr>
@@ -370,90 +2799,101 @@
             <p:ph type="title"/>
           </p:nvPr>
         </p:nvSpPr>
+        <p:spPr>
+          <a:xfrm>
+            <a:off x="457200" y="609601"/>
+            <a:ext cx="7772400" cy="1456267"/>
+          </a:xfrm>
+        </p:spPr>
+        <p:txBody>
+          <a:bodyPr>
+            <a:normAutofit/>
+          </a:bodyPr>
+          <a:lstStyle>
+            <a:lvl1pPr>
+              <a:defRPr sz="2800"/>
+            </a:lvl1pPr>
+          </a:lstStyle>
+          <a:p>
+            <a:r>
+              <a:rPr lang="en-US" smtClean="0"/>
+              <a:t>Click to edit Master title style</a:t>
+            </a:r>
+            <a:endParaRPr lang="en-US" dirty="0"/>
+          </a:p>
+        </p:txBody>
+      </p:sp>
+      <p:sp>
+        <p:nvSpPr>
+          <p:cNvPr id="3" name="Vertical Text Placeholder 2"/>
+          <p:cNvSpPr>
+            <a:spLocks noGrp="1"/>
+          </p:cNvSpPr>
+          <p:nvPr>
+            <p:ph type="body" orient="vert" idx="1"/>
+          </p:nvPr>
+        </p:nvSpPr>
         <p:spPr/>
         <p:txBody>
+          <a:bodyPr vert="eaVert" anchor="t"/>
+          <a:lstStyle/>
+          <a:p>
+            <a:pPr lvl="0"/>
+            <a:r>
+              <a:rPr lang="en-US" smtClean="0"/>
+              <a:t>Edit Master text styles</a:t>
+            </a:r>
+          </a:p>
+          <a:p>
+            <a:pPr lvl="1"/>
+            <a:r>
+              <a:rPr lang="en-US" smtClean="0"/>
+              <a:t>Second level</a:t>
+            </a:r>
+          </a:p>
+          <a:p>
+            <a:pPr lvl="2"/>
+            <a:r>
+              <a:rPr lang="en-US" smtClean="0"/>
+              <a:t>Third level</a:t>
+            </a:r>
+          </a:p>
+          <a:p>
+            <a:pPr lvl="3"/>
+            <a:r>
+              <a:rPr lang="en-US" smtClean="0"/>
+              <a:t>Fourth level</a:t>
+            </a:r>
+          </a:p>
+          <a:p>
+            <a:pPr lvl="4"/>
+            <a:r>
+              <a:rPr lang="en-US" smtClean="0"/>
+              <a:t>Fifth level</a:t>
+            </a:r>
+            <a:endParaRPr lang="en-US" dirty="0"/>
+          </a:p>
+        </p:txBody>
+      </p:sp>
+      <p:sp>
+        <p:nvSpPr>
+          <p:cNvPr id="4" name="Date Placeholder 3"/>
+          <p:cNvSpPr>
+            <a:spLocks noGrp="1"/>
+          </p:cNvSpPr>
+          <p:nvPr>
+            <p:ph type="dt" sz="half" idx="10"/>
+          </p:nvPr>
+        </p:nvSpPr>
+        <p:spPr/>
+        <p:txBody>
           <a:bodyPr/>
           <a:lstStyle/>
           <a:p>
-            <a:r>
-              <a:rPr lang="en-US" smtClean="0"/>
-              <a:t>Click to edit Master title style</a:t>
-            </a:r>
-            <a:endParaRPr lang="en-US"/>
-          </a:p>
-        </p:txBody>
-      </p:sp>
-      <p:sp>
-        <p:nvSpPr>
-          <p:cNvPr id="3" name="Vertical Text Placeholder 2"/>
-          <p:cNvSpPr>
-            <a:spLocks noGrp="1"/>
-          </p:cNvSpPr>
-          <p:nvPr>
-            <p:ph type="body" orient="vert" idx="1"/>
-          </p:nvPr>
-        </p:nvSpPr>
-        <p:spPr/>
-        <p:txBody>
-          <a:bodyPr vert="eaVert"/>
-          <a:lstStyle/>
-          <a:p>
-            <a:pPr lvl="0"/>
-            <a:r>
-              <a:rPr lang="en-US" smtClean="0"/>
-              <a:t>Click to edit Master text styles</a:t>
-            </a:r>
-          </a:p>
-          <a:p>
-            <a:pPr lvl="1"/>
-            <a:r>
-              <a:rPr lang="en-US" smtClean="0"/>
-              <a:t>Second level</a:t>
-            </a:r>
-          </a:p>
-          <a:p>
-            <a:pPr lvl="2"/>
-            <a:r>
-              <a:rPr lang="en-US" smtClean="0"/>
-              <a:t>Third level</a:t>
-            </a:r>
-          </a:p>
-          <a:p>
-            <a:pPr lvl="3"/>
-            <a:r>
-              <a:rPr lang="en-US" smtClean="0"/>
-              <a:t>Fourth level</a:t>
-            </a:r>
-          </a:p>
-          <a:p>
-            <a:pPr lvl="4"/>
-            <a:r>
-              <a:rPr lang="en-US" smtClean="0"/>
-              <a:t>Fifth level</a:t>
-            </a:r>
-            <a:endParaRPr lang="en-US"/>
-          </a:p>
-        </p:txBody>
-      </p:sp>
-      <p:sp>
-        <p:nvSpPr>
-          <p:cNvPr id="4" name="Date Placeholder 3"/>
-          <p:cNvSpPr>
-            <a:spLocks noGrp="1"/>
-          </p:cNvSpPr>
-          <p:nvPr>
-            <p:ph type="dt" sz="half" idx="10"/>
-          </p:nvPr>
-        </p:nvSpPr>
-        <p:spPr/>
-        <p:txBody>
-          <a:bodyPr/>
-          <a:lstStyle/>
-          <a:p>
             <a:fld id="{1D8BD707-D9CF-40AE-B4C6-C98DA3205C09}" type="datetimeFigureOut">
               <a:rPr lang="en-US" smtClean="0"/>
               <a:pPr/>
-              <a:t>9/18/2006</a:t>
+              <a:t>2/20/2020</a:t>
             </a:fld>
             <a:endParaRPr lang="en-US"/>
           </a:p>
@@ -503,6 +2943,11 @@
         </p:txBody>
       </p:sp>
     </p:spTree>
+    <p:extLst>
+      <p:ext uri="{BB962C8B-B14F-4D97-AF65-F5344CB8AC3E}">
+        <p14:creationId xmlns:p14="http://schemas.microsoft.com/office/powerpoint/2010/main" val="1508151620"/>
+      </p:ext>
+    </p:extLst>
   </p:cSld>
   <p:clrMapOvr>
     <a:masterClrMapping/>
@@ -510,7 +2955,7 @@
 </p:sldLayout>
 </file>
 
-<file path=ppt/slideLayouts/slideLayout11.xml><?xml version="1.0" encoding="utf-8"?>
+<file path=ppt/slideLayouts/slideLayout17.xml><?xml version="1.0" encoding="utf-8"?>
 <p:sldLayout xmlns:a="http://schemas.openxmlformats.org/drawingml/2006/main" xmlns:r="http://schemas.openxmlformats.org/officeDocument/2006/relationships" xmlns:p="http://schemas.openxmlformats.org/presentationml/2006/main" type="vertTitleAndTx" preserve="1">
   <p:cSld name="Vertical Title and Text">
     <p:spTree>
@@ -527,6 +2972,36 @@
           <a:chExt cx="0" cy="0"/>
         </a:xfrm>
       </p:grpSpPr>
+      <p:pic>
+        <p:nvPicPr>
+          <p:cNvPr id="7" name="Picture 6" descr="Celestia-R1---OverlayContentSD.png"/>
+          <p:cNvPicPr>
+            <a:picLocks noChangeAspect="1"/>
+          </p:cNvPicPr>
+          <p:nvPr/>
+        </p:nvPicPr>
+        <p:blipFill>
+          <a:blip r:embed="rId2">
+            <a:extLst>
+              <a:ext uri="{28A0092B-C50C-407E-A947-70E740481C1C}">
+                <a14:useLocalDpi xmlns:a14="http://schemas.microsoft.com/office/drawing/2010/main" val="0"/>
+              </a:ext>
+            </a:extLst>
+          </a:blip>
+          <a:stretch>
+            <a:fillRect/>
+          </a:stretch>
+        </p:blipFill>
+        <p:spPr>
+          <a:xfrm>
+            <a:off x="13956" y="0"/>
+            <a:ext cx="9118600" cy="6858000"/>
+          </a:xfrm>
+          <a:prstGeom prst="rect">
+            <a:avLst/>
+          </a:prstGeom>
+        </p:spPr>
+      </p:pic>
       <p:sp>
         <p:nvSpPr>
           <p:cNvPr id="2" name="Vertical Title 1"/>
@@ -539,19 +3014,25 @@
         </p:nvSpPr>
         <p:spPr>
           <a:xfrm>
-            <a:off x="6629400" y="274638"/>
-            <a:ext cx="2057400" cy="5851525"/>
-          </a:xfrm>
-        </p:spPr>
-        <p:txBody>
-          <a:bodyPr vert="eaVert"/>
-          <a:lstStyle/>
+            <a:off x="6552978" y="609600"/>
+            <a:ext cx="1676621" cy="5181601"/>
+          </a:xfrm>
+        </p:spPr>
+        <p:txBody>
+          <a:bodyPr vert="eaVert">
+            <a:normAutofit/>
+          </a:bodyPr>
+          <a:lstStyle>
+            <a:lvl1pPr>
+              <a:defRPr sz="2800"/>
+            </a:lvl1pPr>
+          </a:lstStyle>
           <a:p>
             <a:r>
               <a:rPr lang="en-US" smtClean="0"/>
               <a:t>Click to edit Master title style</a:t>
             </a:r>
-            <a:endParaRPr lang="en-US"/>
+            <a:endParaRPr lang="en-US" dirty="0"/>
           </a:p>
         </p:txBody>
       </p:sp>
@@ -567,18 +3048,18 @@
         </p:nvSpPr>
         <p:spPr>
           <a:xfrm>
-            <a:off x="457200" y="274638"/>
-            <a:ext cx="6019800" cy="5851525"/>
-          </a:xfrm>
-        </p:spPr>
-        <p:txBody>
-          <a:bodyPr vert="eaVert"/>
+            <a:off x="457200" y="609600"/>
+            <a:ext cx="5990184" cy="5181600"/>
+          </a:xfrm>
+        </p:spPr>
+        <p:txBody>
+          <a:bodyPr vert="eaVert" anchor="t"/>
           <a:lstStyle/>
           <a:p>
             <a:pPr lvl="0"/>
             <a:r>
               <a:rPr lang="en-US" smtClean="0"/>
-              <a:t>Click to edit Master text styles</a:t>
+              <a:t>Edit Master text styles</a:t>
             </a:r>
           </a:p>
           <a:p>
@@ -608,7 +3089,7 @@
               <a:rPr lang="en-US" smtClean="0"/>
               <a:t>Fifth level</a:t>
             </a:r>
-            <a:endParaRPr lang="en-US"/>
+            <a:endParaRPr lang="en-US" dirty="0"/>
           </a:p>
         </p:txBody>
       </p:sp>
@@ -630,7 +3111,7 @@
             <a:fld id="{1D8BD707-D9CF-40AE-B4C6-C98DA3205C09}" type="datetimeFigureOut">
               <a:rPr lang="en-US" smtClean="0"/>
               <a:pPr/>
-              <a:t>9/18/2006</a:t>
+              <a:t>2/20/2020</a:t>
             </a:fld>
             <a:endParaRPr lang="en-US"/>
           </a:p>
@@ -680,6 +3161,11 @@
         </p:txBody>
       </p:sp>
     </p:spTree>
+    <p:extLst>
+      <p:ext uri="{BB962C8B-B14F-4D97-AF65-F5344CB8AC3E}">
+        <p14:creationId xmlns:p14="http://schemas.microsoft.com/office/powerpoint/2010/main" val="538925341"/>
+      </p:ext>
+    </p:extLst>
   </p:cSld>
   <p:clrMapOvr>
     <a:masterClrMapping/>
@@ -704,6 +3190,36 @@
           <a:chExt cx="0" cy="0"/>
         </a:xfrm>
       </p:grpSpPr>
+      <p:pic>
+        <p:nvPicPr>
+          <p:cNvPr id="8" name="Picture 7" descr="Celestia-R1---OverlayContentSD.png"/>
+          <p:cNvPicPr>
+            <a:picLocks noChangeAspect="1"/>
+          </p:cNvPicPr>
+          <p:nvPr/>
+        </p:nvPicPr>
+        <p:blipFill>
+          <a:blip r:embed="rId2">
+            <a:extLst>
+              <a:ext uri="{28A0092B-C50C-407E-A947-70E740481C1C}">
+                <a14:useLocalDpi xmlns:a14="http://schemas.microsoft.com/office/drawing/2010/main" val="0"/>
+              </a:ext>
+            </a:extLst>
+          </a:blip>
+          <a:stretch>
+            <a:fillRect/>
+          </a:stretch>
+        </p:blipFill>
+        <p:spPr>
+          <a:xfrm>
+            <a:off x="13956" y="0"/>
+            <a:ext cx="9118600" cy="6858000"/>
+          </a:xfrm>
+          <a:prstGeom prst="rect">
+            <a:avLst/>
+          </a:prstGeom>
+        </p:spPr>
+      </p:pic>
       <p:sp>
         <p:nvSpPr>
           <p:cNvPr id="2" name="Title 1"/>
@@ -716,88 +3232,94 @@
         </p:nvSpPr>
         <p:spPr/>
         <p:txBody>
+          <a:bodyPr>
+            <a:normAutofit/>
+          </a:bodyPr>
+          <a:lstStyle>
+            <a:lvl1pPr>
+              <a:defRPr sz="2800"/>
+            </a:lvl1pPr>
+          </a:lstStyle>
+          <a:p>
+            <a:r>
+              <a:rPr lang="en-US" smtClean="0"/>
+              <a:t>Click to edit Master title style</a:t>
+            </a:r>
+            <a:endParaRPr lang="en-US" dirty="0"/>
+          </a:p>
+        </p:txBody>
+      </p:sp>
+      <p:sp>
+        <p:nvSpPr>
+          <p:cNvPr id="3" name="Content Placeholder 2"/>
+          <p:cNvSpPr>
+            <a:spLocks noGrp="1"/>
+          </p:cNvSpPr>
+          <p:nvPr>
+            <p:ph idx="1"/>
+          </p:nvPr>
+        </p:nvSpPr>
+        <p:spPr/>
+        <p:txBody>
+          <a:bodyPr anchor="ctr"/>
+          <a:lstStyle/>
+          <a:p>
+            <a:pPr lvl="0"/>
+            <a:r>
+              <a:rPr lang="en-US" smtClean="0"/>
+              <a:t>Edit Master text styles</a:t>
+            </a:r>
+          </a:p>
+          <a:p>
+            <a:pPr lvl="1"/>
+            <a:r>
+              <a:rPr lang="en-US" smtClean="0"/>
+              <a:t>Second level</a:t>
+            </a:r>
+          </a:p>
+          <a:p>
+            <a:pPr lvl="2"/>
+            <a:r>
+              <a:rPr lang="en-US" smtClean="0"/>
+              <a:t>Third level</a:t>
+            </a:r>
+          </a:p>
+          <a:p>
+            <a:pPr lvl="3"/>
+            <a:r>
+              <a:rPr lang="en-US" smtClean="0"/>
+              <a:t>Fourth level</a:t>
+            </a:r>
+          </a:p>
+          <a:p>
+            <a:pPr lvl="4"/>
+            <a:r>
+              <a:rPr lang="en-US" smtClean="0"/>
+              <a:t>Fifth level</a:t>
+            </a:r>
+            <a:endParaRPr lang="en-US" dirty="0"/>
+          </a:p>
+        </p:txBody>
+      </p:sp>
+      <p:sp>
+        <p:nvSpPr>
+          <p:cNvPr id="4" name="Date Placeholder 3"/>
+          <p:cNvSpPr>
+            <a:spLocks noGrp="1"/>
+          </p:cNvSpPr>
+          <p:nvPr>
+            <p:ph type="dt" sz="half" idx="10"/>
+          </p:nvPr>
+        </p:nvSpPr>
+        <p:spPr/>
+        <p:txBody>
           <a:bodyPr/>
           <a:lstStyle/>
           <a:p>
-            <a:r>
-              <a:rPr lang="en-US" smtClean="0"/>
-              <a:t>Click to edit Master title style</a:t>
-            </a:r>
-            <a:endParaRPr lang="en-US"/>
-          </a:p>
-        </p:txBody>
-      </p:sp>
-      <p:sp>
-        <p:nvSpPr>
-          <p:cNvPr id="3" name="Content Placeholder 2"/>
-          <p:cNvSpPr>
-            <a:spLocks noGrp="1"/>
-          </p:cNvSpPr>
-          <p:nvPr>
-            <p:ph idx="1"/>
-          </p:nvPr>
-        </p:nvSpPr>
-        <p:spPr/>
-        <p:txBody>
-          <a:bodyPr/>
-          <a:lstStyle/>
-          <a:p>
-            <a:pPr lvl="0"/>
-            <a:r>
-              <a:rPr lang="en-US" smtClean="0"/>
-              <a:t>Click to edit Master text styles</a:t>
-            </a:r>
-          </a:p>
-          <a:p>
-            <a:pPr lvl="1"/>
-            <a:r>
-              <a:rPr lang="en-US" smtClean="0"/>
-              <a:t>Second level</a:t>
-            </a:r>
-          </a:p>
-          <a:p>
-            <a:pPr lvl="2"/>
-            <a:r>
-              <a:rPr lang="en-US" smtClean="0"/>
-              <a:t>Third level</a:t>
-            </a:r>
-          </a:p>
-          <a:p>
-            <a:pPr lvl="3"/>
-            <a:r>
-              <a:rPr lang="en-US" smtClean="0"/>
-              <a:t>Fourth level</a:t>
-            </a:r>
-          </a:p>
-          <a:p>
-            <a:pPr lvl="4"/>
-            <a:r>
-              <a:rPr lang="en-US" smtClean="0"/>
-              <a:t>Fifth level</a:t>
-            </a:r>
-            <a:endParaRPr lang="en-US"/>
-          </a:p>
-        </p:txBody>
-      </p:sp>
-      <p:sp>
-        <p:nvSpPr>
-          <p:cNvPr id="4" name="Date Placeholder 3"/>
-          <p:cNvSpPr>
-            <a:spLocks noGrp="1"/>
-          </p:cNvSpPr>
-          <p:nvPr>
-            <p:ph type="dt" sz="half" idx="10"/>
-          </p:nvPr>
-        </p:nvSpPr>
-        <p:spPr/>
-        <p:txBody>
-          <a:bodyPr/>
-          <a:lstStyle/>
-          <a:p>
             <a:fld id="{1D8BD707-D9CF-40AE-B4C6-C98DA3205C09}" type="datetimeFigureOut">
               <a:rPr lang="en-US" smtClean="0"/>
               <a:pPr/>
-              <a:t>9/18/2006</a:t>
+              <a:t>2/20/2020</a:t>
             </a:fld>
             <a:endParaRPr lang="en-US"/>
           </a:p>
@@ -847,6 +3369,11 @@
         </p:txBody>
       </p:sp>
     </p:spTree>
+    <p:extLst>
+      <p:ext uri="{BB962C8B-B14F-4D97-AF65-F5344CB8AC3E}">
+        <p14:creationId xmlns:p14="http://schemas.microsoft.com/office/powerpoint/2010/main" val="1233367351"/>
+      </p:ext>
+    </p:extLst>
   </p:cSld>
   <p:clrMapOvr>
     <a:masterClrMapping/>
@@ -871,6 +3398,36 @@
           <a:chExt cx="0" cy="0"/>
         </a:xfrm>
       </p:grpSpPr>
+      <p:pic>
+        <p:nvPicPr>
+          <p:cNvPr id="8" name="Picture 7" descr="Celestia-R1---OverlayContentSD.png"/>
+          <p:cNvPicPr>
+            <a:picLocks noChangeAspect="1"/>
+          </p:cNvPicPr>
+          <p:nvPr/>
+        </p:nvPicPr>
+        <p:blipFill>
+          <a:blip r:embed="rId2">
+            <a:extLst>
+              <a:ext uri="{28A0092B-C50C-407E-A947-70E740481C1C}">
+                <a14:useLocalDpi xmlns:a14="http://schemas.microsoft.com/office/drawing/2010/main" val="0"/>
+              </a:ext>
+            </a:extLst>
+          </a:blip>
+          <a:stretch>
+            <a:fillRect/>
+          </a:stretch>
+        </p:blipFill>
+        <p:spPr>
+          <a:xfrm>
+            <a:off x="13956" y="0"/>
+            <a:ext cx="9118600" cy="6858000"/>
+          </a:xfrm>
+          <a:prstGeom prst="rect">
+            <a:avLst/>
+          </a:prstGeom>
+        </p:spPr>
+      </p:pic>
       <p:sp>
         <p:nvSpPr>
           <p:cNvPr id="2" name="Title 1"/>
@@ -883,15 +3440,17 @@
         </p:nvSpPr>
         <p:spPr>
           <a:xfrm>
-            <a:off x="722313" y="4406900"/>
-            <a:ext cx="7772400" cy="1362075"/>
-          </a:xfrm>
-        </p:spPr>
-        <p:txBody>
-          <a:bodyPr anchor="t"/>
+            <a:off x="457202" y="3308581"/>
+            <a:ext cx="7772400" cy="1468800"/>
+          </a:xfrm>
+        </p:spPr>
+        <p:txBody>
+          <a:bodyPr anchor="b">
+            <a:normAutofit/>
+          </a:bodyPr>
           <a:lstStyle>
             <a:lvl1pPr algn="l">
-              <a:defRPr sz="4000" b="1" cap="all"/>
+              <a:defRPr sz="3200" b="0" cap="all"/>
             </a:lvl1pPr>
           </a:lstStyle>
           <a:p>
@@ -899,7 +3458,7 @@
               <a:rPr lang="en-US" smtClean="0"/>
               <a:t>Click to edit Master title style</a:t>
             </a:r>
-            <a:endParaRPr lang="en-US"/>
+            <a:endParaRPr lang="en-US" dirty="0"/>
           </a:p>
         </p:txBody>
       </p:sp>
@@ -915,44 +3474,54 @@
         </p:nvSpPr>
         <p:spPr>
           <a:xfrm>
-            <a:off x="722313" y="2906713"/>
-            <a:ext cx="7772400" cy="1500187"/>
-          </a:xfrm>
-        </p:spPr>
-        <p:txBody>
-          <a:bodyPr anchor="b"/>
+            <a:off x="457201" y="4777381"/>
+            <a:ext cx="7772400" cy="860400"/>
+          </a:xfrm>
+        </p:spPr>
+        <p:txBody>
+          <a:bodyPr anchor="t">
+            <a:normAutofit/>
+          </a:bodyPr>
           <a:lstStyle>
-            <a:lvl1pPr marL="0" indent="0">
-              <a:buNone/>
-              <a:defRPr sz="2000">
+            <a:lvl1pPr marL="0" indent="0" algn="l">
+              <a:buNone/>
+              <a:defRPr sz="1800" cap="all">
+                <a:solidFill>
+                  <a:schemeClr val="tx1"/>
+                </a:solidFill>
+              </a:defRPr>
+            </a:lvl1pPr>
+            <a:lvl2pPr marL="457200" indent="0">
+              <a:buNone/>
+              <a:defRPr sz="1800">
                 <a:solidFill>
                   <a:schemeClr val="tx1">
                     <a:tint val="75000"/>
                   </a:schemeClr>
                 </a:solidFill>
               </a:defRPr>
-            </a:lvl1pPr>
-            <a:lvl2pPr marL="457200" indent="0">
-              <a:buNone/>
-              <a:defRPr sz="1800">
+            </a:lvl2pPr>
+            <a:lvl3pPr marL="914400" indent="0">
+              <a:buNone/>
+              <a:defRPr sz="1600">
                 <a:solidFill>
                   <a:schemeClr val="tx1">
                     <a:tint val="75000"/>
                   </a:schemeClr>
                 </a:solidFill>
               </a:defRPr>
-            </a:lvl2pPr>
-            <a:lvl3pPr marL="914400" indent="0">
-              <a:buNone/>
-              <a:defRPr sz="1600">
+            </a:lvl3pPr>
+            <a:lvl4pPr marL="1371600" indent="0">
+              <a:buNone/>
+              <a:defRPr sz="1400">
                 <a:solidFill>
                   <a:schemeClr val="tx1">
                     <a:tint val="75000"/>
                   </a:schemeClr>
                 </a:solidFill>
               </a:defRPr>
-            </a:lvl3pPr>
-            <a:lvl4pPr marL="1371600" indent="0">
+            </a:lvl4pPr>
+            <a:lvl5pPr marL="1828800" indent="0">
               <a:buNone/>
               <a:defRPr sz="1400">
                 <a:solidFill>
@@ -961,8 +3530,8 @@
                   </a:schemeClr>
                 </a:solidFill>
               </a:defRPr>
-            </a:lvl4pPr>
-            <a:lvl5pPr marL="1828800" indent="0">
+            </a:lvl5pPr>
+            <a:lvl6pPr marL="2286000" indent="0">
               <a:buNone/>
               <a:defRPr sz="1400">
                 <a:solidFill>
@@ -971,8 +3540,8 @@
                   </a:schemeClr>
                 </a:solidFill>
               </a:defRPr>
-            </a:lvl5pPr>
-            <a:lvl6pPr marL="2286000" indent="0">
+            </a:lvl6pPr>
+            <a:lvl7pPr marL="2743200" indent="0">
               <a:buNone/>
               <a:defRPr sz="1400">
                 <a:solidFill>
@@ -981,8 +3550,8 @@
                   </a:schemeClr>
                 </a:solidFill>
               </a:defRPr>
-            </a:lvl6pPr>
-            <a:lvl7pPr marL="2743200" indent="0">
+            </a:lvl7pPr>
+            <a:lvl8pPr marL="3200400" indent="0">
               <a:buNone/>
               <a:defRPr sz="1400">
                 <a:solidFill>
@@ -991,8 +3560,8 @@
                   </a:schemeClr>
                 </a:solidFill>
               </a:defRPr>
-            </a:lvl7pPr>
-            <a:lvl8pPr marL="3200400" indent="0">
+            </a:lvl8pPr>
+            <a:lvl9pPr marL="3657600" indent="0">
               <a:buNone/>
               <a:defRPr sz="1400">
                 <a:solidFill>
@@ -1001,23 +3570,13 @@
                   </a:schemeClr>
                 </a:solidFill>
               </a:defRPr>
-            </a:lvl8pPr>
-            <a:lvl9pPr marL="3657600" indent="0">
-              <a:buNone/>
-              <a:defRPr sz="1400">
-                <a:solidFill>
-                  <a:schemeClr val="tx1">
-                    <a:tint val="75000"/>
-                  </a:schemeClr>
-                </a:solidFill>
-              </a:defRPr>
             </a:lvl9pPr>
           </a:lstStyle>
           <a:p>
             <a:pPr lvl="0"/>
             <a:r>
               <a:rPr lang="en-US" smtClean="0"/>
-              <a:t>Click to edit Master text styles</a:t>
+              <a:t>Edit Master text styles</a:t>
             </a:r>
           </a:p>
         </p:txBody>
@@ -1040,7 +3599,7 @@
             <a:fld id="{1D8BD707-D9CF-40AE-B4C6-C98DA3205C09}" type="datetimeFigureOut">
               <a:rPr lang="en-US" smtClean="0"/>
               <a:pPr/>
-              <a:t>9/18/2006</a:t>
+              <a:t>2/20/2020</a:t>
             </a:fld>
             <a:endParaRPr lang="en-US"/>
           </a:p>
@@ -1090,6 +3649,11 @@
         </p:txBody>
       </p:sp>
     </p:spTree>
+    <p:extLst>
+      <p:ext uri="{BB962C8B-B14F-4D97-AF65-F5344CB8AC3E}">
+        <p14:creationId xmlns:p14="http://schemas.microsoft.com/office/powerpoint/2010/main" val="2183862148"/>
+      </p:ext>
+    </p:extLst>
   </p:cSld>
   <p:clrMapOvr>
     <a:masterClrMapping/>
@@ -1114,6 +3678,36 @@
           <a:chExt cx="0" cy="0"/>
         </a:xfrm>
       </p:grpSpPr>
+      <p:pic>
+        <p:nvPicPr>
+          <p:cNvPr id="10" name="Picture 9" descr="Celestia-R1---OverlayContentSD.png"/>
+          <p:cNvPicPr>
+            <a:picLocks noChangeAspect="1"/>
+          </p:cNvPicPr>
+          <p:nvPr/>
+        </p:nvPicPr>
+        <p:blipFill>
+          <a:blip r:embed="rId2">
+            <a:extLst>
+              <a:ext uri="{28A0092B-C50C-407E-A947-70E740481C1C}">
+                <a14:useLocalDpi xmlns:a14="http://schemas.microsoft.com/office/drawing/2010/main" val="0"/>
+              </a:ext>
+            </a:extLst>
+          </a:blip>
+          <a:stretch>
+            <a:fillRect/>
+          </a:stretch>
+        </p:blipFill>
+        <p:spPr>
+          <a:xfrm>
+            <a:off x="13956" y="0"/>
+            <a:ext cx="9118600" cy="6858000"/>
+          </a:xfrm>
+          <a:prstGeom prst="rect">
+            <a:avLst/>
+          </a:prstGeom>
+        </p:spPr>
+      </p:pic>
       <p:sp>
         <p:nvSpPr>
           <p:cNvPr id="2" name="Title 1"/>
@@ -1133,7 +3727,7 @@
               <a:rPr lang="en-US" smtClean="0"/>
               <a:t>Click to edit Master title style</a:t>
             </a:r>
-            <a:endParaRPr lang="en-US"/>
+            <a:endParaRPr lang="en-US" dirty="0"/>
           </a:p>
         </p:txBody>
       </p:sp>
@@ -1149,183 +3743,131 @@
         </p:nvSpPr>
         <p:spPr>
           <a:xfrm>
-            <a:off x="457200" y="1600200"/>
-            <a:ext cx="4038600" cy="4525963"/>
-          </a:xfrm>
-        </p:spPr>
+            <a:off x="457201" y="2142068"/>
+            <a:ext cx="3813048" cy="3649134"/>
+          </a:xfrm>
+        </p:spPr>
+        <p:txBody>
+          <a:bodyPr>
+            <a:normAutofit/>
+          </a:bodyPr>
+          <a:lstStyle/>
+          <a:p>
+            <a:pPr lvl="0"/>
+            <a:r>
+              <a:rPr lang="en-US" smtClean="0"/>
+              <a:t>Edit Master text styles</a:t>
+            </a:r>
+          </a:p>
+          <a:p>
+            <a:pPr lvl="1"/>
+            <a:r>
+              <a:rPr lang="en-US" smtClean="0"/>
+              <a:t>Second level</a:t>
+            </a:r>
+          </a:p>
+          <a:p>
+            <a:pPr lvl="2"/>
+            <a:r>
+              <a:rPr lang="en-US" smtClean="0"/>
+              <a:t>Third level</a:t>
+            </a:r>
+          </a:p>
+          <a:p>
+            <a:pPr lvl="3"/>
+            <a:r>
+              <a:rPr lang="en-US" smtClean="0"/>
+              <a:t>Fourth level</a:t>
+            </a:r>
+          </a:p>
+          <a:p>
+            <a:pPr lvl="4"/>
+            <a:r>
+              <a:rPr lang="en-US" smtClean="0"/>
+              <a:t>Fifth level</a:t>
+            </a:r>
+            <a:endParaRPr lang="en-US" dirty="0"/>
+          </a:p>
+        </p:txBody>
+      </p:sp>
+      <p:sp>
+        <p:nvSpPr>
+          <p:cNvPr id="4" name="Content Placeholder 3"/>
+          <p:cNvSpPr>
+            <a:spLocks noGrp="1"/>
+          </p:cNvSpPr>
+          <p:nvPr>
+            <p:ph sz="half" idx="2"/>
+          </p:nvPr>
+        </p:nvSpPr>
+        <p:spPr>
+          <a:xfrm>
+            <a:off x="4416553" y="2142068"/>
+            <a:ext cx="3813048" cy="3649133"/>
+          </a:xfrm>
+        </p:spPr>
+        <p:txBody>
+          <a:bodyPr>
+            <a:normAutofit/>
+          </a:bodyPr>
+          <a:lstStyle/>
+          <a:p>
+            <a:pPr lvl="0"/>
+            <a:r>
+              <a:rPr lang="en-US" smtClean="0"/>
+              <a:t>Edit Master text styles</a:t>
+            </a:r>
+          </a:p>
+          <a:p>
+            <a:pPr lvl="1"/>
+            <a:r>
+              <a:rPr lang="en-US" smtClean="0"/>
+              <a:t>Second level</a:t>
+            </a:r>
+          </a:p>
+          <a:p>
+            <a:pPr lvl="2"/>
+            <a:r>
+              <a:rPr lang="en-US" smtClean="0"/>
+              <a:t>Third level</a:t>
+            </a:r>
+          </a:p>
+          <a:p>
+            <a:pPr lvl="3"/>
+            <a:r>
+              <a:rPr lang="en-US" smtClean="0"/>
+              <a:t>Fourth level</a:t>
+            </a:r>
+          </a:p>
+          <a:p>
+            <a:pPr lvl="4"/>
+            <a:r>
+              <a:rPr lang="en-US" smtClean="0"/>
+              <a:t>Fifth level</a:t>
+            </a:r>
+            <a:endParaRPr lang="en-US" dirty="0"/>
+          </a:p>
+        </p:txBody>
+      </p:sp>
+      <p:sp>
+        <p:nvSpPr>
+          <p:cNvPr id="5" name="Date Placeholder 4"/>
+          <p:cNvSpPr>
+            <a:spLocks noGrp="1"/>
+          </p:cNvSpPr>
+          <p:nvPr>
+            <p:ph type="dt" sz="half" idx="10"/>
+          </p:nvPr>
+        </p:nvSpPr>
+        <p:spPr/>
         <p:txBody>
           <a:bodyPr/>
-          <a:lstStyle>
-            <a:lvl1pPr>
-              <a:defRPr sz="2800"/>
-            </a:lvl1pPr>
-            <a:lvl2pPr>
-              <a:defRPr sz="2400"/>
-            </a:lvl2pPr>
-            <a:lvl3pPr>
-              <a:defRPr sz="2000"/>
-            </a:lvl3pPr>
-            <a:lvl4pPr>
-              <a:defRPr sz="1800"/>
-            </a:lvl4pPr>
-            <a:lvl5pPr>
-              <a:defRPr sz="1800"/>
-            </a:lvl5pPr>
-            <a:lvl6pPr>
-              <a:defRPr sz="1800"/>
-            </a:lvl6pPr>
-            <a:lvl7pPr>
-              <a:defRPr sz="1800"/>
-            </a:lvl7pPr>
-            <a:lvl8pPr>
-              <a:defRPr sz="1800"/>
-            </a:lvl8pPr>
-            <a:lvl9pPr>
-              <a:defRPr sz="1800"/>
-            </a:lvl9pPr>
-          </a:lstStyle>
-          <a:p>
-            <a:pPr lvl="0"/>
-            <a:r>
-              <a:rPr lang="en-US" smtClean="0"/>
-              <a:t>Click to edit Master text styles</a:t>
-            </a:r>
-          </a:p>
-          <a:p>
-            <a:pPr lvl="1"/>
-            <a:r>
-              <a:rPr lang="en-US" smtClean="0"/>
-              <a:t>Second level</a:t>
-            </a:r>
-          </a:p>
-          <a:p>
-            <a:pPr lvl="2"/>
-            <a:r>
-              <a:rPr lang="en-US" smtClean="0"/>
-              <a:t>Third level</a:t>
-            </a:r>
-          </a:p>
-          <a:p>
-            <a:pPr lvl="3"/>
-            <a:r>
-              <a:rPr lang="en-US" smtClean="0"/>
-              <a:t>Fourth level</a:t>
-            </a:r>
-          </a:p>
-          <a:p>
-            <a:pPr lvl="4"/>
-            <a:r>
-              <a:rPr lang="en-US" smtClean="0"/>
-              <a:t>Fifth level</a:t>
-            </a:r>
-            <a:endParaRPr lang="en-US"/>
-          </a:p>
-        </p:txBody>
-      </p:sp>
-      <p:sp>
-        <p:nvSpPr>
-          <p:cNvPr id="4" name="Content Placeholder 3"/>
-          <p:cNvSpPr>
-            <a:spLocks noGrp="1"/>
-          </p:cNvSpPr>
-          <p:nvPr>
-            <p:ph sz="half" idx="2"/>
-          </p:nvPr>
-        </p:nvSpPr>
-        <p:spPr>
-          <a:xfrm>
-            <a:off x="4648200" y="1600200"/>
-            <a:ext cx="4038600" cy="4525963"/>
-          </a:xfrm>
-        </p:spPr>
-        <p:txBody>
-          <a:bodyPr/>
-          <a:lstStyle>
-            <a:lvl1pPr>
-              <a:defRPr sz="2800"/>
-            </a:lvl1pPr>
-            <a:lvl2pPr>
-              <a:defRPr sz="2400"/>
-            </a:lvl2pPr>
-            <a:lvl3pPr>
-              <a:defRPr sz="2000"/>
-            </a:lvl3pPr>
-            <a:lvl4pPr>
-              <a:defRPr sz="1800"/>
-            </a:lvl4pPr>
-            <a:lvl5pPr>
-              <a:defRPr sz="1800"/>
-            </a:lvl5pPr>
-            <a:lvl6pPr>
-              <a:defRPr sz="1800"/>
-            </a:lvl6pPr>
-            <a:lvl7pPr>
-              <a:defRPr sz="1800"/>
-            </a:lvl7pPr>
-            <a:lvl8pPr>
-              <a:defRPr sz="1800"/>
-            </a:lvl8pPr>
-            <a:lvl9pPr>
-              <a:defRPr sz="1800"/>
-            </a:lvl9pPr>
-          </a:lstStyle>
-          <a:p>
-            <a:pPr lvl="0"/>
-            <a:r>
-              <a:rPr lang="en-US" smtClean="0"/>
-              <a:t>Click to edit Master text styles</a:t>
-            </a:r>
-          </a:p>
-          <a:p>
-            <a:pPr lvl="1"/>
-            <a:r>
-              <a:rPr lang="en-US" smtClean="0"/>
-              <a:t>Second level</a:t>
-            </a:r>
-          </a:p>
-          <a:p>
-            <a:pPr lvl="2"/>
-            <a:r>
-              <a:rPr lang="en-US" smtClean="0"/>
-              <a:t>Third level</a:t>
-            </a:r>
-          </a:p>
-          <a:p>
-            <a:pPr lvl="3"/>
-            <a:r>
-              <a:rPr lang="en-US" smtClean="0"/>
-              <a:t>Fourth level</a:t>
-            </a:r>
-          </a:p>
-          <a:p>
-            <a:pPr lvl="4"/>
-            <a:r>
-              <a:rPr lang="en-US" smtClean="0"/>
-              <a:t>Fifth level</a:t>
-            </a:r>
-            <a:endParaRPr lang="en-US"/>
-          </a:p>
-        </p:txBody>
-      </p:sp>
-      <p:sp>
-        <p:nvSpPr>
-          <p:cNvPr id="5" name="Date Placeholder 4"/>
-          <p:cNvSpPr>
-            <a:spLocks noGrp="1"/>
-          </p:cNvSpPr>
-          <p:nvPr>
-            <p:ph type="dt" sz="half" idx="10"/>
-          </p:nvPr>
-        </p:nvSpPr>
-        <p:spPr/>
-        <p:txBody>
-          <a:bodyPr/>
           <a:lstStyle/>
           <a:p>
             <a:fld id="{1D8BD707-D9CF-40AE-B4C6-C98DA3205C09}" type="datetimeFigureOut">
               <a:rPr lang="en-US" smtClean="0"/>
               <a:pPr/>
-              <a:t>9/18/2006</a:t>
+              <a:t>2/20/2020</a:t>
             </a:fld>
             <a:endParaRPr lang="en-US"/>
           </a:p>
@@ -1375,6 +3917,11 @@
         </p:txBody>
       </p:sp>
     </p:spTree>
+    <p:extLst>
+      <p:ext uri="{BB962C8B-B14F-4D97-AF65-F5344CB8AC3E}">
+        <p14:creationId xmlns:p14="http://schemas.microsoft.com/office/powerpoint/2010/main" val="4238912797"/>
+      </p:ext>
+    </p:extLst>
   </p:cSld>
   <p:clrMapOvr>
     <a:masterClrMapping/>
@@ -1399,6 +3946,36 @@
           <a:chExt cx="0" cy="0"/>
         </a:xfrm>
       </p:grpSpPr>
+      <p:pic>
+        <p:nvPicPr>
+          <p:cNvPr id="13" name="Picture 12" descr="Celestia-R1---OverlayContentSD.png"/>
+          <p:cNvPicPr>
+            <a:picLocks noChangeAspect="1"/>
+          </p:cNvPicPr>
+          <p:nvPr/>
+        </p:nvPicPr>
+        <p:blipFill>
+          <a:blip r:embed="rId2">
+            <a:extLst>
+              <a:ext uri="{28A0092B-C50C-407E-A947-70E740481C1C}">
+                <a14:useLocalDpi xmlns:a14="http://schemas.microsoft.com/office/drawing/2010/main" val="0"/>
+              </a:ext>
+            </a:extLst>
+          </a:blip>
+          <a:stretch>
+            <a:fillRect/>
+          </a:stretch>
+        </p:blipFill>
+        <p:spPr>
+          <a:xfrm>
+            <a:off x="13956" y="0"/>
+            <a:ext cx="9118600" cy="6858000"/>
+          </a:xfrm>
+          <a:prstGeom prst="rect">
+            <a:avLst/>
+          </a:prstGeom>
+        </p:spPr>
+      </p:pic>
       <p:sp>
         <p:nvSpPr>
           <p:cNvPr id="2" name="Title 1"/>
@@ -1411,10 +3988,12 @@
         </p:nvSpPr>
         <p:spPr/>
         <p:txBody>
-          <a:bodyPr/>
+          <a:bodyPr>
+            <a:normAutofit/>
+          </a:bodyPr>
           <a:lstStyle>
             <a:lvl1pPr>
-              <a:defRPr/>
+              <a:defRPr sz="3200"/>
             </a:lvl1pPr>
           </a:lstStyle>
           <a:p>
@@ -1422,7 +4001,7 @@
               <a:rPr lang="en-US" smtClean="0"/>
               <a:t>Click to edit Master title style</a:t>
             </a:r>
-            <a:endParaRPr lang="en-US"/>
+            <a:endParaRPr lang="en-US" dirty="0"/>
           </a:p>
         </p:txBody>
       </p:sp>
@@ -1438,16 +4017,18 @@
         </p:nvSpPr>
         <p:spPr>
           <a:xfrm>
-            <a:off x="457200" y="1535113"/>
-            <a:ext cx="4040188" cy="639762"/>
-          </a:xfrm>
-        </p:spPr>
-        <p:txBody>
-          <a:bodyPr anchor="b"/>
+            <a:off x="743480" y="2218267"/>
+            <a:ext cx="3540603" cy="576262"/>
+          </a:xfrm>
+        </p:spPr>
+        <p:txBody>
+          <a:bodyPr anchor="b">
+            <a:noAutofit/>
+          </a:bodyPr>
           <a:lstStyle>
             <a:lvl1pPr marL="0" indent="0">
               <a:buNone/>
-              <a:defRPr sz="2400" b="1"/>
+              <a:defRPr sz="2400" b="0"/>
             </a:lvl1pPr>
             <a:lvl2pPr marL="457200" indent="0">
               <a:buNone/>
@@ -1486,7 +4067,7 @@
             <a:pPr lvl="0"/>
             <a:r>
               <a:rPr lang="en-US" smtClean="0"/>
-              <a:t>Click to edit Master text styles</a:t>
+              <a:t>Edit Master text styles</a:t>
             </a:r>
           </a:p>
         </p:txBody>
@@ -1503,46 +4084,20 @@
         </p:nvSpPr>
         <p:spPr>
           <a:xfrm>
-            <a:off x="457200" y="2174875"/>
-            <a:ext cx="4040188" cy="3951288"/>
-          </a:xfrm>
-        </p:spPr>
-        <p:txBody>
-          <a:bodyPr/>
-          <a:lstStyle>
-            <a:lvl1pPr>
-              <a:defRPr sz="2400"/>
-            </a:lvl1pPr>
-            <a:lvl2pPr>
-              <a:defRPr sz="2000"/>
-            </a:lvl2pPr>
-            <a:lvl3pPr>
-              <a:defRPr sz="1800"/>
-            </a:lvl3pPr>
-            <a:lvl4pPr>
-              <a:defRPr sz="1600"/>
-            </a:lvl4pPr>
-            <a:lvl5pPr>
-              <a:defRPr sz="1600"/>
-            </a:lvl5pPr>
-            <a:lvl6pPr>
-              <a:defRPr sz="1600"/>
-            </a:lvl6pPr>
-            <a:lvl7pPr>
-              <a:defRPr sz="1600"/>
-            </a:lvl7pPr>
-            <a:lvl8pPr>
-              <a:defRPr sz="1600"/>
-            </a:lvl8pPr>
-            <a:lvl9pPr>
-              <a:defRPr sz="1600"/>
-            </a:lvl9pPr>
-          </a:lstStyle>
+            <a:off x="457200" y="2870201"/>
+            <a:ext cx="3813048" cy="2920998"/>
+          </a:xfrm>
+        </p:spPr>
+        <p:txBody>
+          <a:bodyPr anchor="t">
+            <a:normAutofit/>
+          </a:bodyPr>
+          <a:lstStyle/>
           <a:p>
             <a:pPr lvl="0"/>
             <a:r>
               <a:rPr lang="en-US" smtClean="0"/>
-              <a:t>Click to edit Master text styles</a:t>
+              <a:t>Edit Master text styles</a:t>
             </a:r>
           </a:p>
           <a:p>
@@ -1572,7 +4127,7 @@
               <a:rPr lang="en-US" smtClean="0"/>
               <a:t>Fifth level</a:t>
             </a:r>
-            <a:endParaRPr lang="en-US"/>
+            <a:endParaRPr lang="en-US" dirty="0"/>
           </a:p>
         </p:txBody>
       </p:sp>
@@ -1588,16 +4143,18 @@
         </p:nvSpPr>
         <p:spPr>
           <a:xfrm>
-            <a:off x="4645025" y="1535113"/>
-            <a:ext cx="4041775" cy="639762"/>
-          </a:xfrm>
-        </p:spPr>
-        <p:txBody>
-          <a:bodyPr anchor="b"/>
+            <a:off x="4711120" y="2218267"/>
+            <a:ext cx="3518480" cy="576262"/>
+          </a:xfrm>
+        </p:spPr>
+        <p:txBody>
+          <a:bodyPr anchor="b">
+            <a:noAutofit/>
+          </a:bodyPr>
           <a:lstStyle>
             <a:lvl1pPr marL="0" indent="0">
               <a:buNone/>
-              <a:defRPr sz="2400" b="1"/>
+              <a:defRPr sz="2400" b="0"/>
             </a:lvl1pPr>
             <a:lvl2pPr marL="457200" indent="0">
               <a:buNone/>
@@ -1636,7 +4193,7 @@
             <a:pPr lvl="0"/>
             <a:r>
               <a:rPr lang="en-US" smtClean="0"/>
-              <a:t>Click to edit Master text styles</a:t>
+              <a:t>Edit Master text styles</a:t>
             </a:r>
           </a:p>
         </p:txBody>
@@ -1653,98 +4210,72 @@
         </p:nvSpPr>
         <p:spPr>
           <a:xfrm>
-            <a:off x="4645025" y="2174875"/>
-            <a:ext cx="4041775" cy="3951288"/>
-          </a:xfrm>
-        </p:spPr>
+            <a:off x="4416552" y="2870201"/>
+            <a:ext cx="3813048" cy="2920998"/>
+          </a:xfrm>
+        </p:spPr>
+        <p:txBody>
+          <a:bodyPr anchor="t">
+            <a:normAutofit/>
+          </a:bodyPr>
+          <a:lstStyle/>
+          <a:p>
+            <a:pPr lvl="0"/>
+            <a:r>
+              <a:rPr lang="en-US" smtClean="0"/>
+              <a:t>Edit Master text styles</a:t>
+            </a:r>
+          </a:p>
+          <a:p>
+            <a:pPr lvl="1"/>
+            <a:r>
+              <a:rPr lang="en-US" smtClean="0"/>
+              <a:t>Second level</a:t>
+            </a:r>
+          </a:p>
+          <a:p>
+            <a:pPr lvl="2"/>
+            <a:r>
+              <a:rPr lang="en-US" smtClean="0"/>
+              <a:t>Third level</a:t>
+            </a:r>
+          </a:p>
+          <a:p>
+            <a:pPr lvl="3"/>
+            <a:r>
+              <a:rPr lang="en-US" smtClean="0"/>
+              <a:t>Fourth level</a:t>
+            </a:r>
+          </a:p>
+          <a:p>
+            <a:pPr lvl="4"/>
+            <a:r>
+              <a:rPr lang="en-US" smtClean="0"/>
+              <a:t>Fifth level</a:t>
+            </a:r>
+            <a:endParaRPr lang="en-US" dirty="0"/>
+          </a:p>
+        </p:txBody>
+      </p:sp>
+      <p:sp>
+        <p:nvSpPr>
+          <p:cNvPr id="7" name="Date Placeholder 6"/>
+          <p:cNvSpPr>
+            <a:spLocks noGrp="1"/>
+          </p:cNvSpPr>
+          <p:nvPr>
+            <p:ph type="dt" sz="half" idx="10"/>
+          </p:nvPr>
+        </p:nvSpPr>
+        <p:spPr/>
         <p:txBody>
           <a:bodyPr/>
-          <a:lstStyle>
-            <a:lvl1pPr>
-              <a:defRPr sz="2400"/>
-            </a:lvl1pPr>
-            <a:lvl2pPr>
-              <a:defRPr sz="2000"/>
-            </a:lvl2pPr>
-            <a:lvl3pPr>
-              <a:defRPr sz="1800"/>
-            </a:lvl3pPr>
-            <a:lvl4pPr>
-              <a:defRPr sz="1600"/>
-            </a:lvl4pPr>
-            <a:lvl5pPr>
-              <a:defRPr sz="1600"/>
-            </a:lvl5pPr>
-            <a:lvl6pPr>
-              <a:defRPr sz="1600"/>
-            </a:lvl6pPr>
-            <a:lvl7pPr>
-              <a:defRPr sz="1600"/>
-            </a:lvl7pPr>
-            <a:lvl8pPr>
-              <a:defRPr sz="1600"/>
-            </a:lvl8pPr>
-            <a:lvl9pPr>
-              <a:defRPr sz="1600"/>
-            </a:lvl9pPr>
-          </a:lstStyle>
-          <a:p>
-            <a:pPr lvl="0"/>
-            <a:r>
-              <a:rPr lang="en-US" smtClean="0"/>
-              <a:t>Click to edit Master text styles</a:t>
-            </a:r>
-          </a:p>
-          <a:p>
-            <a:pPr lvl="1"/>
-            <a:r>
-              <a:rPr lang="en-US" smtClean="0"/>
-              <a:t>Second level</a:t>
-            </a:r>
-          </a:p>
-          <a:p>
-            <a:pPr lvl="2"/>
-            <a:r>
-              <a:rPr lang="en-US" smtClean="0"/>
-              <a:t>Third level</a:t>
-            </a:r>
-          </a:p>
-          <a:p>
-            <a:pPr lvl="3"/>
-            <a:r>
-              <a:rPr lang="en-US" smtClean="0"/>
-              <a:t>Fourth level</a:t>
-            </a:r>
-          </a:p>
-          <a:p>
-            <a:pPr lvl="4"/>
-            <a:r>
-              <a:rPr lang="en-US" smtClean="0"/>
-              <a:t>Fifth level</a:t>
-            </a:r>
-            <a:endParaRPr lang="en-US"/>
-          </a:p>
-        </p:txBody>
-      </p:sp>
-      <p:sp>
-        <p:nvSpPr>
-          <p:cNvPr id="7" name="Date Placeholder 6"/>
-          <p:cNvSpPr>
-            <a:spLocks noGrp="1"/>
-          </p:cNvSpPr>
-          <p:nvPr>
-            <p:ph type="dt" sz="half" idx="10"/>
-          </p:nvPr>
-        </p:nvSpPr>
-        <p:spPr/>
-        <p:txBody>
-          <a:bodyPr/>
           <a:lstStyle/>
           <a:p>
             <a:fld id="{1D8BD707-D9CF-40AE-B4C6-C98DA3205C09}" type="datetimeFigureOut">
               <a:rPr lang="en-US" smtClean="0"/>
               <a:pPr/>
-              <a:t>9/18/2006</a:t>
+              <a:t>2/20/2020</a:t>
             </a:fld>
             <a:endParaRPr lang="en-US"/>
           </a:p>
@@ -1794,6 +4325,11 @@
         </p:txBody>
       </p:sp>
     </p:spTree>
+    <p:extLst>
+      <p:ext uri="{BB962C8B-B14F-4D97-AF65-F5344CB8AC3E}">
+        <p14:creationId xmlns:p14="http://schemas.microsoft.com/office/powerpoint/2010/main" val="3920603628"/>
+      </p:ext>
+    </p:extLst>
   </p:cSld>
   <p:clrMapOvr>
     <a:masterClrMapping/>
@@ -1818,6 +4354,36 @@
           <a:chExt cx="0" cy="0"/>
         </a:xfrm>
       </p:grpSpPr>
+      <p:pic>
+        <p:nvPicPr>
+          <p:cNvPr id="6" name="Picture 5" descr="Celestia-R1---OverlayContentSD.png"/>
+          <p:cNvPicPr>
+            <a:picLocks noChangeAspect="1"/>
+          </p:cNvPicPr>
+          <p:nvPr/>
+        </p:nvPicPr>
+        <p:blipFill>
+          <a:blip r:embed="rId2">
+            <a:extLst>
+              <a:ext uri="{28A0092B-C50C-407E-A947-70E740481C1C}">
+                <a14:useLocalDpi xmlns:a14="http://schemas.microsoft.com/office/drawing/2010/main" val="0"/>
+              </a:ext>
+            </a:extLst>
+          </a:blip>
+          <a:stretch>
+            <a:fillRect/>
+          </a:stretch>
+        </p:blipFill>
+        <p:spPr>
+          <a:xfrm>
+            <a:off x="13956" y="0"/>
+            <a:ext cx="9118600" cy="6858000"/>
+          </a:xfrm>
+          <a:prstGeom prst="rect">
+            <a:avLst/>
+          </a:prstGeom>
+        </p:spPr>
+      </p:pic>
       <p:sp>
         <p:nvSpPr>
           <p:cNvPr id="2" name="Title 1"/>
@@ -1828,38 +4394,49 @@
             <p:ph type="title"/>
           </p:nvPr>
         </p:nvSpPr>
+        <p:spPr>
+          <a:xfrm>
+            <a:off x="457201" y="609601"/>
+            <a:ext cx="7772400" cy="1456267"/>
+          </a:xfrm>
+        </p:spPr>
+        <p:txBody>
+          <a:bodyPr>
+            <a:normAutofit/>
+          </a:bodyPr>
+          <a:lstStyle>
+            <a:lvl1pPr>
+              <a:defRPr sz="3200"/>
+            </a:lvl1pPr>
+          </a:lstStyle>
+          <a:p>
+            <a:r>
+              <a:rPr lang="en-US" smtClean="0"/>
+              <a:t>Click to edit Master title style</a:t>
+            </a:r>
+            <a:endParaRPr lang="en-US" dirty="0"/>
+          </a:p>
+        </p:txBody>
+      </p:sp>
+      <p:sp>
+        <p:nvSpPr>
+          <p:cNvPr id="3" name="Date Placeholder 2"/>
+          <p:cNvSpPr>
+            <a:spLocks noGrp="1"/>
+          </p:cNvSpPr>
+          <p:nvPr>
+            <p:ph type="dt" sz="half" idx="10"/>
+          </p:nvPr>
+        </p:nvSpPr>
         <p:spPr/>
         <p:txBody>
           <a:bodyPr/>
           <a:lstStyle/>
           <a:p>
-            <a:r>
-              <a:rPr lang="en-US" smtClean="0"/>
-              <a:t>Click to edit Master title style</a:t>
-            </a:r>
-            <a:endParaRPr lang="en-US"/>
-          </a:p>
-        </p:txBody>
-      </p:sp>
-      <p:sp>
-        <p:nvSpPr>
-          <p:cNvPr id="3" name="Date Placeholder 2"/>
-          <p:cNvSpPr>
-            <a:spLocks noGrp="1"/>
-          </p:cNvSpPr>
-          <p:nvPr>
-            <p:ph type="dt" sz="half" idx="10"/>
-          </p:nvPr>
-        </p:nvSpPr>
-        <p:spPr/>
-        <p:txBody>
-          <a:bodyPr/>
-          <a:lstStyle/>
-          <a:p>
             <a:fld id="{1D8BD707-D9CF-40AE-B4C6-C98DA3205C09}" type="datetimeFigureOut">
               <a:rPr lang="en-US" smtClean="0"/>
               <a:pPr/>
-              <a:t>9/18/2006</a:t>
+              <a:t>2/20/2020</a:t>
             </a:fld>
             <a:endParaRPr lang="en-US"/>
           </a:p>
@@ -1909,6 +4486,11 @@
         </p:txBody>
       </p:sp>
     </p:spTree>
+    <p:extLst>
+      <p:ext uri="{BB962C8B-B14F-4D97-AF65-F5344CB8AC3E}">
+        <p14:creationId xmlns:p14="http://schemas.microsoft.com/office/powerpoint/2010/main" val="252059575"/>
+      </p:ext>
+    </p:extLst>
   </p:cSld>
   <p:clrMapOvr>
     <a:masterClrMapping/>
@@ -1933,6 +4515,36 @@
           <a:chExt cx="0" cy="0"/>
         </a:xfrm>
       </p:grpSpPr>
+      <p:pic>
+        <p:nvPicPr>
+          <p:cNvPr id="5" name="Picture 4" descr="Celestia-R1---OverlayContentSD.png"/>
+          <p:cNvPicPr>
+            <a:picLocks noChangeAspect="1"/>
+          </p:cNvPicPr>
+          <p:nvPr/>
+        </p:nvPicPr>
+        <p:blipFill>
+          <a:blip r:embed="rId2">
+            <a:extLst>
+              <a:ext uri="{28A0092B-C50C-407E-A947-70E740481C1C}">
+                <a14:useLocalDpi xmlns:a14="http://schemas.microsoft.com/office/drawing/2010/main" val="0"/>
+              </a:ext>
+            </a:extLst>
+          </a:blip>
+          <a:stretch>
+            <a:fillRect/>
+          </a:stretch>
+        </p:blipFill>
+        <p:spPr>
+          <a:xfrm>
+            <a:off x="13956" y="0"/>
+            <a:ext cx="9118600" cy="6858000"/>
+          </a:xfrm>
+          <a:prstGeom prst="rect">
+            <a:avLst/>
+          </a:prstGeom>
+        </p:spPr>
+      </p:pic>
       <p:sp>
         <p:nvSpPr>
           <p:cNvPr id="2" name="Date Placeholder 1"/>
@@ -1951,7 +4563,7 @@
             <a:fld id="{1D8BD707-D9CF-40AE-B4C6-C98DA3205C09}" type="datetimeFigureOut">
               <a:rPr lang="en-US" smtClean="0"/>
               <a:pPr/>
-              <a:t>9/18/2006</a:t>
+              <a:t>2/20/2020</a:t>
             </a:fld>
             <a:endParaRPr lang="en-US"/>
           </a:p>
@@ -2001,6 +4613,11 @@
         </p:txBody>
       </p:sp>
     </p:spTree>
+    <p:extLst>
+      <p:ext uri="{BB962C8B-B14F-4D97-AF65-F5344CB8AC3E}">
+        <p14:creationId xmlns:p14="http://schemas.microsoft.com/office/powerpoint/2010/main" val="4259612821"/>
+      </p:ext>
+    </p:extLst>
   </p:cSld>
   <p:clrMapOvr>
     <a:masterClrMapping/>
@@ -2025,6 +4642,36 @@
           <a:chExt cx="0" cy="0"/>
         </a:xfrm>
       </p:grpSpPr>
+      <p:pic>
+        <p:nvPicPr>
+          <p:cNvPr id="12" name="Picture 11" descr="Celestia-R1---OverlayContentSD.png"/>
+          <p:cNvPicPr>
+            <a:picLocks noChangeAspect="1"/>
+          </p:cNvPicPr>
+          <p:nvPr/>
+        </p:nvPicPr>
+        <p:blipFill>
+          <a:blip r:embed="rId2">
+            <a:extLst>
+              <a:ext uri="{28A0092B-C50C-407E-A947-70E740481C1C}">
+                <a14:useLocalDpi xmlns:a14="http://schemas.microsoft.com/office/drawing/2010/main" val="0"/>
+              </a:ext>
+            </a:extLst>
+          </a:blip>
+          <a:stretch>
+            <a:fillRect/>
+          </a:stretch>
+        </p:blipFill>
+        <p:spPr>
+          <a:xfrm>
+            <a:off x="13956" y="0"/>
+            <a:ext cx="9118600" cy="6858000"/>
+          </a:xfrm>
+          <a:prstGeom prst="rect">
+            <a:avLst/>
+          </a:prstGeom>
+        </p:spPr>
+      </p:pic>
       <p:sp>
         <p:nvSpPr>
           <p:cNvPr id="2" name="Title 1"/>
@@ -2037,15 +4684,17 @@
         </p:nvSpPr>
         <p:spPr>
           <a:xfrm>
-            <a:off x="457200" y="273050"/>
-            <a:ext cx="3008313" cy="1162050"/>
-          </a:xfrm>
-        </p:spPr>
-        <p:txBody>
-          <a:bodyPr anchor="b"/>
+            <a:off x="461718" y="1557868"/>
+            <a:ext cx="2862910" cy="1439332"/>
+          </a:xfrm>
+        </p:spPr>
+        <p:txBody>
+          <a:bodyPr anchor="b">
+            <a:normAutofit/>
+          </a:bodyPr>
           <a:lstStyle>
             <a:lvl1pPr algn="l">
-              <a:defRPr sz="2000" b="1"/>
+              <a:defRPr sz="2400" b="0"/>
             </a:lvl1pPr>
           </a:lstStyle>
           <a:p>
@@ -2053,7 +4702,7 @@
               <a:rPr lang="en-US" smtClean="0"/>
               <a:t>Click to edit Master title style</a:t>
             </a:r>
-            <a:endParaRPr lang="en-US"/>
+            <a:endParaRPr lang="en-US" dirty="0"/>
           </a:p>
         </p:txBody>
       </p:sp>
@@ -2069,46 +4718,20 @@
         </p:nvSpPr>
         <p:spPr>
           <a:xfrm>
-            <a:off x="3575050" y="273050"/>
-            <a:ext cx="5111750" cy="5853113"/>
-          </a:xfrm>
-        </p:spPr>
-        <p:txBody>
-          <a:bodyPr/>
-          <a:lstStyle>
-            <a:lvl1pPr>
-              <a:defRPr sz="3200"/>
-            </a:lvl1pPr>
-            <a:lvl2pPr>
-              <a:defRPr sz="2800"/>
-            </a:lvl2pPr>
-            <a:lvl3pPr>
-              <a:defRPr sz="2400"/>
-            </a:lvl3pPr>
-            <a:lvl4pPr>
-              <a:defRPr sz="2000"/>
-            </a:lvl4pPr>
-            <a:lvl5pPr>
-              <a:defRPr sz="2000"/>
-            </a:lvl5pPr>
-            <a:lvl6pPr>
-              <a:defRPr sz="2000"/>
-            </a:lvl6pPr>
-            <a:lvl7pPr>
-              <a:defRPr sz="2000"/>
-            </a:lvl7pPr>
-            <a:lvl8pPr>
-              <a:defRPr sz="2000"/>
-            </a:lvl8pPr>
-            <a:lvl9pPr>
-              <a:defRPr sz="2000"/>
-            </a:lvl9pPr>
-          </a:lstStyle>
+            <a:off x="3606144" y="609601"/>
+            <a:ext cx="4627975" cy="5181600"/>
+          </a:xfrm>
+        </p:spPr>
+        <p:txBody>
+          <a:bodyPr anchor="ctr">
+            <a:normAutofit/>
+          </a:bodyPr>
+          <a:lstStyle/>
           <a:p>
             <a:pPr lvl="0"/>
             <a:r>
               <a:rPr lang="en-US" smtClean="0"/>
-              <a:t>Click to edit Master text styles</a:t>
+              <a:t>Edit Master text styles</a:t>
             </a:r>
           </a:p>
           <a:p>
@@ -2138,7 +4761,7 @@
               <a:rPr lang="en-US" smtClean="0"/>
               <a:t>Fifth level</a:t>
             </a:r>
-            <a:endParaRPr lang="en-US"/>
+            <a:endParaRPr lang="en-US" dirty="0"/>
           </a:p>
         </p:txBody>
       </p:sp>
@@ -2154,12 +4777,14 @@
         </p:nvSpPr>
         <p:spPr>
           <a:xfrm>
-            <a:off x="457200" y="1435100"/>
-            <a:ext cx="3008313" cy="4691063"/>
-          </a:xfrm>
-        </p:spPr>
-        <p:txBody>
-          <a:bodyPr/>
+            <a:off x="461718" y="2997200"/>
+            <a:ext cx="2862910" cy="1845735"/>
+          </a:xfrm>
+        </p:spPr>
+        <p:txBody>
+          <a:bodyPr anchor="t">
+            <a:normAutofit/>
+          </a:bodyPr>
           <a:lstStyle>
             <a:lvl1pPr marL="0" indent="0">
               <a:buNone/>
@@ -2202,7 +4827,7 @@
             <a:pPr lvl="0"/>
             <a:r>
               <a:rPr lang="en-US" smtClean="0"/>
-              <a:t>Click to edit Master text styles</a:t>
+              <a:t>Edit Master text styles</a:t>
             </a:r>
           </a:p>
         </p:txBody>
@@ -2225,7 +4850,7 @@
             <a:fld id="{1D8BD707-D9CF-40AE-B4C6-C98DA3205C09}" type="datetimeFigureOut">
               <a:rPr lang="en-US" smtClean="0"/>
               <a:pPr/>
-              <a:t>9/18/2006</a:t>
+              <a:t>2/20/2020</a:t>
             </a:fld>
             <a:endParaRPr lang="en-US"/>
           </a:p>
@@ -2275,6 +4900,11 @@
         </p:txBody>
       </p:sp>
     </p:spTree>
+    <p:extLst>
+      <p:ext uri="{BB962C8B-B14F-4D97-AF65-F5344CB8AC3E}">
+        <p14:creationId xmlns:p14="http://schemas.microsoft.com/office/powerpoint/2010/main" val="3623410032"/>
+      </p:ext>
+    </p:extLst>
   </p:cSld>
   <p:clrMapOvr>
     <a:masterClrMapping/>
@@ -2299,6 +4929,36 @@
           <a:chExt cx="0" cy="0"/>
         </a:xfrm>
       </p:grpSpPr>
+      <p:pic>
+        <p:nvPicPr>
+          <p:cNvPr id="11" name="Picture 10" descr="Celestia-R1---OverlayContentSD.png"/>
+          <p:cNvPicPr>
+            <a:picLocks noChangeAspect="1"/>
+          </p:cNvPicPr>
+          <p:nvPr/>
+        </p:nvPicPr>
+        <p:blipFill>
+          <a:blip r:embed="rId2">
+            <a:extLst>
+              <a:ext uri="{28A0092B-C50C-407E-A947-70E740481C1C}">
+                <a14:useLocalDpi xmlns:a14="http://schemas.microsoft.com/office/drawing/2010/main" val="0"/>
+              </a:ext>
+            </a:extLst>
+          </a:blip>
+          <a:stretch>
+            <a:fillRect/>
+          </a:stretch>
+        </p:blipFill>
+        <p:spPr>
+          <a:xfrm>
+            <a:off x="13956" y="0"/>
+            <a:ext cx="9118600" cy="6858000"/>
+          </a:xfrm>
+          <a:prstGeom prst="rect">
+            <a:avLst/>
+          </a:prstGeom>
+        </p:spPr>
+      </p:pic>
       <p:sp>
         <p:nvSpPr>
           <p:cNvPr id="2" name="Title 1"/>
@@ -2311,15 +4971,17 @@
         </p:nvSpPr>
         <p:spPr>
           <a:xfrm>
-            <a:off x="1792288" y="4800600"/>
-            <a:ext cx="5486400" cy="566738"/>
-          </a:xfrm>
-        </p:spPr>
-        <p:txBody>
-          <a:bodyPr anchor="b"/>
+            <a:off x="462128" y="1735672"/>
+            <a:ext cx="4097204" cy="1371600"/>
+          </a:xfrm>
+        </p:spPr>
+        <p:txBody>
+          <a:bodyPr anchor="b">
+            <a:normAutofit/>
+          </a:bodyPr>
           <a:lstStyle>
             <a:lvl1pPr algn="l">
-              <a:defRPr sz="2000" b="1"/>
+              <a:defRPr sz="2400" b="0"/>
             </a:lvl1pPr>
           </a:lstStyle>
           <a:p>
@@ -2327,15 +4989,15 @@
               <a:rPr lang="en-US" smtClean="0"/>
               <a:t>Click to edit Master title style</a:t>
             </a:r>
-            <a:endParaRPr lang="en-US"/>
-          </a:p>
-        </p:txBody>
-      </p:sp>
-      <p:sp>
-        <p:nvSpPr>
-          <p:cNvPr id="3" name="Picture Placeholder 2"/>
-          <p:cNvSpPr>
-            <a:spLocks noGrp="1"/>
+            <a:endParaRPr lang="en-US" dirty="0"/>
+          </a:p>
+        </p:txBody>
+      </p:sp>
+      <p:sp>
+        <p:nvSpPr>
+          <p:cNvPr id="14" name="Picture Placeholder 2"/>
+          <p:cNvSpPr>
+            <a:spLocks noGrp="1" noChangeAspect="1"/>
           </p:cNvSpPr>
           <p:nvPr>
             <p:ph type="pic" idx="1"/>
@@ -2343,77 +5005,86 @@
         </p:nvSpPr>
         <p:spPr>
           <a:xfrm>
-            <a:off x="1792288" y="612775"/>
-            <a:ext cx="5486400" cy="4114800"/>
-          </a:xfrm>
-        </p:spPr>
-        <p:txBody>
-          <a:bodyPr/>
+            <a:off x="5029200" y="914400"/>
+            <a:ext cx="3200400" cy="4572000"/>
+          </a:xfrm>
+          <a:prstGeom prst="roundRect">
+            <a:avLst>
+              <a:gd name="adj" fmla="val 4280"/>
+            </a:avLst>
+          </a:prstGeom>
+          <a:ln w="50800" cap="sq" cmpd="dbl">
+            <a:gradFill flip="none" rotWithShape="1">
+              <a:gsLst>
+                <a:gs pos="0">
+                  <a:srgbClr val="FFFFFF"/>
+                </a:gs>
+                <a:gs pos="100000">
+                  <a:schemeClr val="tx1">
+                    <a:alpha val="0"/>
+                  </a:schemeClr>
+                </a:gs>
+              </a:gsLst>
+              <a:path path="circle">
+                <a:fillToRect l="50000" t="50000" r="50000" b="50000"/>
+              </a:path>
+              <a:tileRect/>
+            </a:gradFill>
+            <a:miter lim="800000"/>
+          </a:ln>
+          <a:effectLst>
+            <a:outerShdw blurRad="254000" algn="tl" rotWithShape="0">
+              <a:srgbClr val="000000">
+                <a:alpha val="43000"/>
+              </a:srgbClr>
+            </a:outerShdw>
+          </a:effectLst>
+        </p:spPr>
+        <p:txBody>
+          <a:bodyPr vert="horz" lIns="91440" tIns="45720" rIns="91440" bIns="45720" rtlCol="0" anchor="t">
+            <a:normAutofit/>
+          </a:bodyPr>
+          <a:lstStyle>
+            <a:lvl1pPr>
+              <a:defRPr lang="en-US" sz="1600" dirty="0"/>
+            </a:lvl1pPr>
+          </a:lstStyle>
+          <a:p>
+            <a:pPr marL="0" lvl="0" indent="0" algn="ctr">
+              <a:buNone/>
+            </a:pPr>
+            <a:r>
+              <a:rPr lang="en-US" smtClean="0"/>
+              <a:t>Click icon to add picture</a:t>
+            </a:r>
+            <a:endParaRPr lang="en-US" dirty="0"/>
+          </a:p>
+        </p:txBody>
+      </p:sp>
+      <p:sp>
+        <p:nvSpPr>
+          <p:cNvPr id="4" name="Text Placeholder 3"/>
+          <p:cNvSpPr>
+            <a:spLocks noGrp="1"/>
+          </p:cNvSpPr>
+          <p:nvPr>
+            <p:ph type="body" sz="half" idx="2"/>
+          </p:nvPr>
+        </p:nvSpPr>
+        <p:spPr>
+          <a:xfrm>
+            <a:off x="462128" y="3107272"/>
+            <a:ext cx="4097204" cy="1828800"/>
+          </a:xfrm>
+        </p:spPr>
+        <p:txBody>
+          <a:bodyPr anchor="t">
+            <a:normAutofit/>
+          </a:bodyPr>
           <a:lstStyle>
             <a:lvl1pPr marL="0" indent="0">
               <a:buNone/>
-              <a:defRPr sz="3200"/>
-            </a:lvl1pPr>
-            <a:lvl2pPr marL="457200" indent="0">
-              <a:buNone/>
-              <a:defRPr sz="2800"/>
-            </a:lvl2pPr>
-            <a:lvl3pPr marL="914400" indent="0">
-              <a:buNone/>
-              <a:defRPr sz="2400"/>
-            </a:lvl3pPr>
-            <a:lvl4pPr marL="1371600" indent="0">
-              <a:buNone/>
-              <a:defRPr sz="2000"/>
-            </a:lvl4pPr>
-            <a:lvl5pPr marL="1828800" indent="0">
-              <a:buNone/>
-              <a:defRPr sz="2000"/>
-            </a:lvl5pPr>
-            <a:lvl6pPr marL="2286000" indent="0">
-              <a:buNone/>
-              <a:defRPr sz="2000"/>
-            </a:lvl6pPr>
-            <a:lvl7pPr marL="2743200" indent="0">
-              <a:buNone/>
-              <a:defRPr sz="2000"/>
-            </a:lvl7pPr>
-            <a:lvl8pPr marL="3200400" indent="0">
-              <a:buNone/>
-              <a:defRPr sz="2000"/>
-            </a:lvl8pPr>
-            <a:lvl9pPr marL="3657600" indent="0">
-              <a:buNone/>
-              <a:defRPr sz="2000"/>
-            </a:lvl9pPr>
-          </a:lstStyle>
-          <a:p>
-            <a:endParaRPr lang="en-US"/>
-          </a:p>
-        </p:txBody>
-      </p:sp>
-      <p:sp>
-        <p:nvSpPr>
-          <p:cNvPr id="4" name="Text Placeholder 3"/>
-          <p:cNvSpPr>
-            <a:spLocks noGrp="1"/>
-          </p:cNvSpPr>
-          <p:nvPr>
-            <p:ph type="body" sz="half" idx="2"/>
-          </p:nvPr>
-        </p:nvSpPr>
-        <p:spPr>
-          <a:xfrm>
-            <a:off x="1792288" y="5367338"/>
-            <a:ext cx="5486400" cy="804862"/>
-          </a:xfrm>
-        </p:spPr>
-        <p:txBody>
-          <a:bodyPr/>
-          <a:lstStyle>
-            <a:lvl1pPr marL="0" indent="0">
-              <a:buNone/>
-              <a:defRPr sz="1400"/>
+              <a:defRPr sz="1600"/>
             </a:lvl1pPr>
             <a:lvl2pPr marL="457200" indent="0">
               <a:buNone/>
@@ -2452,7 +5123,7 @@
             <a:pPr lvl="0"/>
             <a:r>
               <a:rPr lang="en-US" smtClean="0"/>
-              <a:t>Click to edit Master text styles</a:t>
+              <a:t>Edit Master text styles</a:t>
             </a:r>
           </a:p>
         </p:txBody>
@@ -2475,7 +5146,7 @@
             <a:fld id="{1D8BD707-D9CF-40AE-B4C6-C98DA3205C09}" type="datetimeFigureOut">
               <a:rPr lang="en-US" smtClean="0"/>
               <a:pPr/>
-              <a:t>9/18/2006</a:t>
+              <a:t>2/20/2020</a:t>
             </a:fld>
             <a:endParaRPr lang="en-US"/>
           </a:p>
@@ -2525,6 +5196,11 @@
         </p:txBody>
       </p:sp>
     </p:spTree>
+    <p:extLst>
+      <p:ext uri="{BB962C8B-B14F-4D97-AF65-F5344CB8AC3E}">
+        <p14:creationId xmlns:p14="http://schemas.microsoft.com/office/powerpoint/2010/main" val="4009511888"/>
+      </p:ext>
+    </p:extLst>
   </p:cSld>
   <p:clrMapOvr>
     <a:masterClrMapping/>
@@ -2536,8 +5212,8 @@
 <p:sldMaster xmlns:a="http://schemas.openxmlformats.org/drawingml/2006/main" xmlns:r="http://schemas.openxmlformats.org/officeDocument/2006/relationships" xmlns:p="http://schemas.openxmlformats.org/presentationml/2006/main">
   <p:cSld>
     <p:bg>
-      <p:bgRef idx="1001">
-        <a:schemeClr val="bg1"/>
+      <p:bgRef idx="1003">
+        <a:schemeClr val="bg2"/>
       </p:bgRef>
     </p:bg>
     <p:spTree>
@@ -2566,12 +5242,13 @@
         </p:nvSpPr>
         <p:spPr>
           <a:xfrm>
-            <a:off x="457200" y="274638"/>
-            <a:ext cx="8229600" cy="1143000"/>
+            <a:off x="457200" y="609601"/>
+            <a:ext cx="7772400" cy="1456267"/>
           </a:xfrm>
           <a:prstGeom prst="rect">
             <a:avLst/>
           </a:prstGeom>
+          <a:effectLst/>
         </p:spPr>
         <p:txBody>
           <a:bodyPr vert="horz" lIns="91440" tIns="45720" rIns="91440" bIns="45720" rtlCol="0" anchor="ctr">
@@ -2583,7 +5260,7 @@
               <a:rPr lang="en-US" smtClean="0"/>
               <a:t>Click to edit Master title style</a:t>
             </a:r>
-            <a:endParaRPr lang="en-US"/>
+            <a:endParaRPr lang="en-US" dirty="0"/>
           </a:p>
         </p:txBody>
       </p:sp>
@@ -2599,15 +5276,15 @@
         </p:nvSpPr>
         <p:spPr>
           <a:xfrm>
-            <a:off x="457200" y="1600200"/>
-            <a:ext cx="8229600" cy="4525963"/>
+            <a:off x="457200" y="2142068"/>
+            <a:ext cx="7772400" cy="3649133"/>
           </a:xfrm>
           <a:prstGeom prst="rect">
             <a:avLst/>
           </a:prstGeom>
         </p:spPr>
         <p:txBody>
-          <a:bodyPr vert="horz" lIns="91440" tIns="45720" rIns="91440" bIns="45720" rtlCol="0">
+          <a:bodyPr vert="horz" lIns="91440" tIns="45720" rIns="91440" bIns="45720" rtlCol="0" anchor="ctr">
             <a:normAutofit/>
           </a:bodyPr>
           <a:lstStyle/>
@@ -2615,7 +5292,7 @@
             <a:pPr lvl="0"/>
             <a:r>
               <a:rPr lang="en-US" smtClean="0"/>
-              <a:t>Click to edit Master text styles</a:t>
+              <a:t>Edit Master text styles</a:t>
             </a:r>
           </a:p>
           <a:p>
@@ -2645,7 +5322,7 @@
               <a:rPr lang="en-US" smtClean="0"/>
               <a:t>Fifth level</a:t>
             </a:r>
-            <a:endParaRPr lang="en-US"/>
+            <a:endParaRPr lang="en-US" dirty="0"/>
           </a:p>
         </p:txBody>
       </p:sp>
@@ -2661,8 +5338,8 @@
         </p:nvSpPr>
         <p:spPr>
           <a:xfrm>
-            <a:off x="457200" y="6356350"/>
-            <a:ext cx="2133600" cy="365125"/>
+            <a:off x="6523712" y="5870576"/>
+            <a:ext cx="1212173" cy="377825"/>
           </a:xfrm>
           <a:prstGeom prst="rect">
             <a:avLst/>
@@ -2671,13 +5348,13 @@
         <p:txBody>
           <a:bodyPr vert="horz" lIns="91440" tIns="45720" rIns="91440" bIns="45720" rtlCol="0" anchor="ctr"/>
           <a:lstStyle>
-            <a:lvl1pPr algn="l">
-              <a:defRPr sz="1200">
-                <a:solidFill>
-                  <a:schemeClr val="tx1">
-                    <a:tint val="75000"/>
-                  </a:schemeClr>
-                </a:solidFill>
+            <a:lvl1pPr algn="r">
+              <a:defRPr sz="1000" b="0" i="0">
+                <a:solidFill>
+                  <a:schemeClr val="tx1"/>
+                </a:solidFill>
+                <a:effectLst/>
+                <a:latin typeface="+mn-lt"/>
               </a:defRPr>
             </a:lvl1pPr>
           </a:lstStyle>
@@ -2685,7 +5362,7 @@
             <a:fld id="{1D8BD707-D9CF-40AE-B4C6-C98DA3205C09}" type="datetimeFigureOut">
               <a:rPr lang="en-US" smtClean="0"/>
               <a:pPr/>
-              <a:t>9/18/2006</a:t>
+              <a:t>2/20/2020</a:t>
             </a:fld>
             <a:endParaRPr lang="en-US"/>
           </a:p>
@@ -2703,8 +5380,8 @@
         </p:nvSpPr>
         <p:spPr>
           <a:xfrm>
-            <a:off x="3124200" y="6356350"/>
-            <a:ext cx="2895600" cy="365125"/>
+            <a:off x="457200" y="5870576"/>
+            <a:ext cx="5990311" cy="377825"/>
           </a:xfrm>
           <a:prstGeom prst="rect">
             <a:avLst/>
@@ -2713,13 +5390,13 @@
         <p:txBody>
           <a:bodyPr vert="horz" lIns="91440" tIns="45720" rIns="91440" bIns="45720" rtlCol="0" anchor="ctr"/>
           <a:lstStyle>
-            <a:lvl1pPr algn="ctr">
-              <a:defRPr sz="1200">
-                <a:solidFill>
-                  <a:schemeClr val="tx1">
-                    <a:tint val="75000"/>
-                  </a:schemeClr>
-                </a:solidFill>
+            <a:lvl1pPr algn="l">
+              <a:defRPr sz="1000" b="0" i="0">
+                <a:solidFill>
+                  <a:schemeClr val="tx1"/>
+                </a:solidFill>
+                <a:effectLst/>
+                <a:latin typeface="+mn-lt"/>
               </a:defRPr>
             </a:lvl1pPr>
           </a:lstStyle>
@@ -2740,8 +5417,8 @@
         </p:nvSpPr>
         <p:spPr>
           <a:xfrm>
-            <a:off x="6553200" y="6356350"/>
-            <a:ext cx="2133600" cy="365125"/>
+            <a:off x="7812085" y="5870576"/>
+            <a:ext cx="417516" cy="377825"/>
           </a:xfrm>
           <a:prstGeom prst="rect">
             <a:avLst/>
@@ -2751,12 +5428,12 @@
           <a:bodyPr vert="horz" lIns="91440" tIns="45720" rIns="91440" bIns="45720" rtlCol="0" anchor="ctr"/>
           <a:lstStyle>
             <a:lvl1pPr algn="r">
-              <a:defRPr sz="1200">
-                <a:solidFill>
-                  <a:schemeClr val="tx1">
-                    <a:tint val="75000"/>
-                  </a:schemeClr>
-                </a:solidFill>
+              <a:defRPr sz="1000" b="0" i="0">
+                <a:solidFill>
+                  <a:schemeClr val="tx1"/>
+                </a:solidFill>
+                <a:effectLst/>
+                <a:latin typeface="+mn-lt"/>
               </a:defRPr>
             </a:lvl1pPr>
           </a:lstStyle>
@@ -2771,169 +5448,312 @@
         </p:txBody>
       </p:sp>
     </p:spTree>
+    <p:extLst>
+      <p:ext uri="{BB962C8B-B14F-4D97-AF65-F5344CB8AC3E}">
+        <p14:creationId xmlns:p14="http://schemas.microsoft.com/office/powerpoint/2010/main" val="2548646580"/>
+      </p:ext>
+    </p:extLst>
   </p:cSld>
-  <p:clrMap bg1="lt1" tx1="dk1" bg2="lt2" tx2="dk2" accent1="accent1" accent2="accent2" accent3="accent3" accent4="accent4" accent5="accent5" accent6="accent6" hlink="hlink" folHlink="folHlink"/>
+  <p:clrMap bg1="dk1" tx1="lt1" bg2="dk2" tx2="lt2" accent1="accent1" accent2="accent2" accent3="accent3" accent4="accent4" accent5="accent5" accent6="accent6" hlink="hlink" folHlink="folHlink"/>
   <p:sldLayoutIdLst>
-    <p:sldLayoutId id="2147483649" r:id="rId1"/>
-    <p:sldLayoutId id="2147483650" r:id="rId2"/>
-    <p:sldLayoutId id="2147483651" r:id="rId3"/>
-    <p:sldLayoutId id="2147483652" r:id="rId4"/>
-    <p:sldLayoutId id="2147483653" r:id="rId5"/>
-    <p:sldLayoutId id="2147483654" r:id="rId6"/>
-    <p:sldLayoutId id="2147483655" r:id="rId7"/>
-    <p:sldLayoutId id="2147483656" r:id="rId8"/>
-    <p:sldLayoutId id="2147483657" r:id="rId9"/>
-    <p:sldLayoutId id="2147483658" r:id="rId10"/>
-    <p:sldLayoutId id="2147483659" r:id="rId11"/>
+    <p:sldLayoutId id="2147483661" r:id="rId1"/>
+    <p:sldLayoutId id="2147483662" r:id="rId2"/>
+    <p:sldLayoutId id="2147483663" r:id="rId3"/>
+    <p:sldLayoutId id="2147483664" r:id="rId4"/>
+    <p:sldLayoutId id="2147483665" r:id="rId5"/>
+    <p:sldLayoutId id="2147483666" r:id="rId6"/>
+    <p:sldLayoutId id="2147483667" r:id="rId7"/>
+    <p:sldLayoutId id="2147483668" r:id="rId8"/>
+    <p:sldLayoutId id="2147483669" r:id="rId9"/>
+    <p:sldLayoutId id="2147483670" r:id="rId10"/>
+    <p:sldLayoutId id="2147483671" r:id="rId11"/>
+    <p:sldLayoutId id="2147483672" r:id="rId12"/>
+    <p:sldLayoutId id="2147483673" r:id="rId13"/>
+    <p:sldLayoutId id="2147483674" r:id="rId14"/>
+    <p:sldLayoutId id="2147483675" r:id="rId15"/>
+    <p:sldLayoutId id="2147483676" r:id="rId16"/>
+    <p:sldLayoutId id="2147483677" r:id="rId17"/>
   </p:sldLayoutIdLst>
   <p:txStyles>
     <p:titleStyle>
-      <a:lvl1pPr algn="ctr" defTabSz="914400" rtl="0" eaLnBrk="1" latinLnBrk="0" hangingPunct="1">
+      <a:lvl1pPr algn="l" defTabSz="457200" rtl="0" eaLnBrk="1" latinLnBrk="0" hangingPunct="1">
         <a:spcBef>
           <a:spcPct val="0"/>
         </a:spcBef>
         <a:buNone/>
-        <a:defRPr sz="4400" kern="1200">
+        <a:defRPr sz="3200" kern="1200" cap="all">
+          <a:ln w="3175" cmpd="sng">
+            <a:noFill/>
+          </a:ln>
           <a:solidFill>
             <a:schemeClr val="tx1"/>
           </a:solidFill>
+          <a:effectLst/>
           <a:latin typeface="+mj-lt"/>
           <a:ea typeface="+mj-ea"/>
           <a:cs typeface="+mj-cs"/>
         </a:defRPr>
       </a:lvl1pPr>
+      <a:lvl2pPr eaLnBrk="1" hangingPunct="1">
+        <a:defRPr>
+          <a:solidFill>
+            <a:schemeClr val="tx2"/>
+          </a:solidFill>
+        </a:defRPr>
+      </a:lvl2pPr>
+      <a:lvl3pPr eaLnBrk="1" hangingPunct="1">
+        <a:defRPr>
+          <a:solidFill>
+            <a:schemeClr val="tx2"/>
+          </a:solidFill>
+        </a:defRPr>
+      </a:lvl3pPr>
+      <a:lvl4pPr eaLnBrk="1" hangingPunct="1">
+        <a:defRPr>
+          <a:solidFill>
+            <a:schemeClr val="tx2"/>
+          </a:solidFill>
+        </a:defRPr>
+      </a:lvl4pPr>
+      <a:lvl5pPr eaLnBrk="1" hangingPunct="1">
+        <a:defRPr>
+          <a:solidFill>
+            <a:schemeClr val="tx2"/>
+          </a:solidFill>
+        </a:defRPr>
+      </a:lvl5pPr>
+      <a:lvl6pPr eaLnBrk="1" hangingPunct="1">
+        <a:defRPr>
+          <a:solidFill>
+            <a:schemeClr val="tx2"/>
+          </a:solidFill>
+        </a:defRPr>
+      </a:lvl6pPr>
+      <a:lvl7pPr eaLnBrk="1" hangingPunct="1">
+        <a:defRPr>
+          <a:solidFill>
+            <a:schemeClr val="tx2"/>
+          </a:solidFill>
+        </a:defRPr>
+      </a:lvl7pPr>
+      <a:lvl8pPr eaLnBrk="1" hangingPunct="1">
+        <a:defRPr>
+          <a:solidFill>
+            <a:schemeClr val="tx2"/>
+          </a:solidFill>
+        </a:defRPr>
+      </a:lvl8pPr>
+      <a:lvl9pPr eaLnBrk="1" hangingPunct="1">
+        <a:defRPr>
+          <a:solidFill>
+            <a:schemeClr val="tx2"/>
+          </a:solidFill>
+        </a:defRPr>
+      </a:lvl9pPr>
     </p:titleStyle>
     <p:bodyStyle>
-      <a:lvl1pPr marL="342900" indent="-342900" algn="l" defTabSz="914400" rtl="0" eaLnBrk="1" latinLnBrk="0" hangingPunct="1">
+      <a:lvl1pPr marL="285750" indent="-285750" algn="l" defTabSz="457200" rtl="0" eaLnBrk="1" latinLnBrk="0" hangingPunct="1">
         <a:spcBef>
-          <a:spcPct val="20000"/>
+          <a:spcPts val="0"/>
         </a:spcBef>
-        <a:buFont typeface="Arial" pitchFamily="34" charset="0"/>
+        <a:spcAft>
+          <a:spcPts val="1000"/>
+        </a:spcAft>
+        <a:buClr>
+          <a:schemeClr val="tx1"/>
+        </a:buClr>
+        <a:buSzPct val="100000"/>
+        <a:buFont typeface="Arial"/>
         <a:buChar char="•"/>
-        <a:defRPr sz="3200" kern="1200">
+        <a:defRPr sz="1800" kern="1200" cap="none">
           <a:solidFill>
             <a:schemeClr val="tx1"/>
           </a:solidFill>
+          <a:effectLst/>
           <a:latin typeface="+mn-lt"/>
           <a:ea typeface="+mn-ea"/>
           <a:cs typeface="+mn-cs"/>
         </a:defRPr>
       </a:lvl1pPr>
-      <a:lvl2pPr marL="742950" indent="-285750" algn="l" defTabSz="914400" rtl="0" eaLnBrk="1" latinLnBrk="0" hangingPunct="1">
+      <a:lvl2pPr marL="742950" indent="-285750" algn="l" defTabSz="457200" rtl="0" eaLnBrk="1" latinLnBrk="0" hangingPunct="1">
         <a:spcBef>
-          <a:spcPct val="20000"/>
+          <a:spcPts val="0"/>
         </a:spcBef>
-        <a:buFont typeface="Arial" pitchFamily="34" charset="0"/>
-        <a:buChar char="–"/>
-        <a:defRPr sz="2800" kern="1200">
+        <a:spcAft>
+          <a:spcPts val="1000"/>
+        </a:spcAft>
+        <a:buClr>
+          <a:schemeClr val="tx1"/>
+        </a:buClr>
+        <a:buSzPct val="100000"/>
+        <a:buFont typeface="Arial"/>
+        <a:buChar char="•"/>
+        <a:defRPr sz="1600" kern="1200" cap="none">
           <a:solidFill>
             <a:schemeClr val="tx1"/>
           </a:solidFill>
+          <a:effectLst/>
           <a:latin typeface="+mn-lt"/>
           <a:ea typeface="+mn-ea"/>
           <a:cs typeface="+mn-cs"/>
         </a:defRPr>
       </a:lvl2pPr>
-      <a:lvl3pPr marL="1143000" indent="-228600" algn="l" defTabSz="914400" rtl="0" eaLnBrk="1" latinLnBrk="0" hangingPunct="1">
+      <a:lvl3pPr marL="1200150" indent="-285750" algn="l" defTabSz="457200" rtl="0" eaLnBrk="1" latinLnBrk="0" hangingPunct="1">
         <a:spcBef>
-          <a:spcPct val="20000"/>
+          <a:spcPts val="0"/>
         </a:spcBef>
-        <a:buFont typeface="Arial" pitchFamily="34" charset="0"/>
+        <a:spcAft>
+          <a:spcPts val="1000"/>
+        </a:spcAft>
+        <a:buClr>
+          <a:schemeClr val="tx1"/>
+        </a:buClr>
+        <a:buSzPct val="100000"/>
+        <a:buFont typeface="Arial"/>
         <a:buChar char="•"/>
-        <a:defRPr sz="2400" kern="1200">
+        <a:defRPr sz="1400" kern="1200" cap="none">
           <a:solidFill>
             <a:schemeClr val="tx1"/>
           </a:solidFill>
+          <a:effectLst/>
           <a:latin typeface="+mn-lt"/>
           <a:ea typeface="+mn-ea"/>
           <a:cs typeface="+mn-cs"/>
         </a:defRPr>
       </a:lvl3pPr>
-      <a:lvl4pPr marL="1600200" indent="-228600" algn="l" defTabSz="914400" rtl="0" eaLnBrk="1" latinLnBrk="0" hangingPunct="1">
+      <a:lvl4pPr marL="1543050" indent="-171450" algn="l" defTabSz="457200" rtl="0" eaLnBrk="1" latinLnBrk="0" hangingPunct="1">
         <a:spcBef>
-          <a:spcPct val="20000"/>
+          <a:spcPts val="0"/>
         </a:spcBef>
-        <a:buFont typeface="Arial" pitchFamily="34" charset="0"/>
-        <a:buChar char="–"/>
-        <a:defRPr sz="2000" kern="1200">
+        <a:spcAft>
+          <a:spcPts val="1000"/>
+        </a:spcAft>
+        <a:buClr>
+          <a:schemeClr val="tx1"/>
+        </a:buClr>
+        <a:buSzPct val="100000"/>
+        <a:buFont typeface="Arial"/>
+        <a:buChar char="•"/>
+        <a:defRPr sz="1200" kern="1200" cap="none">
           <a:solidFill>
             <a:schemeClr val="tx1"/>
           </a:solidFill>
+          <a:effectLst/>
           <a:latin typeface="+mn-lt"/>
           <a:ea typeface="+mn-ea"/>
           <a:cs typeface="+mn-cs"/>
         </a:defRPr>
       </a:lvl4pPr>
-      <a:lvl5pPr marL="2057400" indent="-228600" algn="l" defTabSz="914400" rtl="0" eaLnBrk="1" latinLnBrk="0" hangingPunct="1">
+      <a:lvl5pPr marL="2000250" indent="-171450" algn="l" defTabSz="457200" rtl="0" eaLnBrk="1" latinLnBrk="0" hangingPunct="1">
         <a:spcBef>
-          <a:spcPct val="20000"/>
+          <a:spcPts val="0"/>
         </a:spcBef>
-        <a:buFont typeface="Arial" pitchFamily="34" charset="0"/>
-        <a:buChar char="»"/>
-        <a:defRPr sz="2000" kern="1200">
+        <a:spcAft>
+          <a:spcPts val="1000"/>
+        </a:spcAft>
+        <a:buClr>
+          <a:schemeClr val="tx1"/>
+        </a:buClr>
+        <a:buSzPct val="100000"/>
+        <a:buFont typeface="Arial"/>
+        <a:buChar char="•"/>
+        <a:defRPr sz="1200" kern="1200" cap="none">
           <a:solidFill>
             <a:schemeClr val="tx1"/>
           </a:solidFill>
+          <a:effectLst/>
           <a:latin typeface="+mn-lt"/>
           <a:ea typeface="+mn-ea"/>
           <a:cs typeface="+mn-cs"/>
         </a:defRPr>
       </a:lvl5pPr>
-      <a:lvl6pPr marL="2514600" indent="-228600" algn="l" defTabSz="914400" rtl="0" eaLnBrk="1" latinLnBrk="0" hangingPunct="1">
+      <a:lvl6pPr marL="2514600" indent="-228600" algn="l" defTabSz="457200" rtl="0" eaLnBrk="1" latinLnBrk="0" hangingPunct="1">
         <a:spcBef>
-          <a:spcPct val="20000"/>
+          <a:spcPts val="0"/>
         </a:spcBef>
-        <a:buFont typeface="Arial" pitchFamily="34" charset="0"/>
+        <a:spcAft>
+          <a:spcPts val="1000"/>
+        </a:spcAft>
+        <a:buClr>
+          <a:schemeClr val="tx1"/>
+        </a:buClr>
+        <a:buSzPct val="100000"/>
+        <a:buFont typeface="Arial"/>
         <a:buChar char="•"/>
-        <a:defRPr sz="2000" kern="1200">
+        <a:defRPr sz="1200" kern="1200" cap="none">
           <a:solidFill>
             <a:schemeClr val="tx1"/>
           </a:solidFill>
+          <a:effectLst/>
           <a:latin typeface="+mn-lt"/>
           <a:ea typeface="+mn-ea"/>
           <a:cs typeface="+mn-cs"/>
         </a:defRPr>
       </a:lvl6pPr>
-      <a:lvl7pPr marL="2971800" indent="-228600" algn="l" defTabSz="914400" rtl="0" eaLnBrk="1" latinLnBrk="0" hangingPunct="1">
+      <a:lvl7pPr marL="2971800" indent="-228600" algn="l" defTabSz="457200" rtl="0" eaLnBrk="1" latinLnBrk="0" hangingPunct="1">
         <a:spcBef>
-          <a:spcPct val="20000"/>
+          <a:spcPts val="0"/>
         </a:spcBef>
-        <a:buFont typeface="Arial" pitchFamily="34" charset="0"/>
+        <a:spcAft>
+          <a:spcPts val="1000"/>
+        </a:spcAft>
+        <a:buClr>
+          <a:schemeClr val="tx1"/>
+        </a:buClr>
+        <a:buSzPct val="100000"/>
+        <a:buFont typeface="Arial"/>
         <a:buChar char="•"/>
-        <a:defRPr sz="2000" kern="1200">
+        <a:defRPr sz="1200" kern="1200" cap="none">
           <a:solidFill>
             <a:schemeClr val="tx1"/>
           </a:solidFill>
+          <a:effectLst/>
           <a:latin typeface="+mn-lt"/>
           <a:ea typeface="+mn-ea"/>
           <a:cs typeface="+mn-cs"/>
         </a:defRPr>
       </a:lvl7pPr>
-      <a:lvl8pPr marL="3429000" indent="-228600" algn="l" defTabSz="914400" rtl="0" eaLnBrk="1" latinLnBrk="0" hangingPunct="1">
+      <a:lvl8pPr marL="3429000" indent="-228600" algn="l" defTabSz="457200" rtl="0" eaLnBrk="1" latinLnBrk="0" hangingPunct="1">
         <a:spcBef>
-          <a:spcPct val="20000"/>
+          <a:spcPts val="0"/>
         </a:spcBef>
-        <a:buFont typeface="Arial" pitchFamily="34" charset="0"/>
+        <a:spcAft>
+          <a:spcPts val="1000"/>
+        </a:spcAft>
+        <a:buClr>
+          <a:schemeClr val="tx1"/>
+        </a:buClr>
+        <a:buSzPct val="100000"/>
+        <a:buFont typeface="Arial"/>
         <a:buChar char="•"/>
-        <a:defRPr sz="2000" kern="1200">
+        <a:defRPr sz="1200" kern="1200" cap="none">
           <a:solidFill>
             <a:schemeClr val="tx1"/>
           </a:solidFill>
+          <a:effectLst/>
           <a:latin typeface="+mn-lt"/>
           <a:ea typeface="+mn-ea"/>
           <a:cs typeface="+mn-cs"/>
         </a:defRPr>
       </a:lvl8pPr>
-      <a:lvl9pPr marL="3886200" indent="-228600" algn="l" defTabSz="914400" rtl="0" eaLnBrk="1" latinLnBrk="0" hangingPunct="1">
+      <a:lvl9pPr marL="3886200" indent="-228600" algn="l" defTabSz="457200" rtl="0" eaLnBrk="1" latinLnBrk="0" hangingPunct="1">
         <a:spcBef>
-          <a:spcPct val="20000"/>
+          <a:spcPts val="0"/>
         </a:spcBef>
-        <a:buFont typeface="Arial" pitchFamily="34" charset="0"/>
+        <a:spcAft>
+          <a:spcPts val="1000"/>
+        </a:spcAft>
+        <a:buClr>
+          <a:schemeClr val="tx1"/>
+        </a:buClr>
+        <a:buSzPct val="100000"/>
+        <a:buFont typeface="Arial"/>
         <a:buChar char="•"/>
-        <a:defRPr sz="2000" kern="1200">
+        <a:defRPr sz="1200" kern="1200" cap="none">
           <a:solidFill>
             <a:schemeClr val="tx1"/>
           </a:solidFill>
+          <a:effectLst/>
           <a:latin typeface="+mn-lt"/>
           <a:ea typeface="+mn-ea"/>
           <a:cs typeface="+mn-cs"/>
@@ -2944,7 +5764,7 @@
       <a:defPPr>
         <a:defRPr lang="en-US"/>
       </a:defPPr>
-      <a:lvl1pPr marL="0" algn="l" defTabSz="914400" rtl="0" eaLnBrk="1" latinLnBrk="0" hangingPunct="1">
+      <a:lvl1pPr marL="0" algn="l" defTabSz="457200" rtl="0" eaLnBrk="1" latinLnBrk="0" hangingPunct="1">
         <a:defRPr sz="1800" kern="1200">
           <a:solidFill>
             <a:schemeClr val="tx1"/>
@@ -2954,7 +5774,7 @@
           <a:cs typeface="+mn-cs"/>
         </a:defRPr>
       </a:lvl1pPr>
-      <a:lvl2pPr marL="457200" algn="l" defTabSz="914400" rtl="0" eaLnBrk="1" latinLnBrk="0" hangingPunct="1">
+      <a:lvl2pPr marL="457200" algn="l" defTabSz="457200" rtl="0" eaLnBrk="1" latinLnBrk="0" hangingPunct="1">
         <a:defRPr sz="1800" kern="1200">
           <a:solidFill>
             <a:schemeClr val="tx1"/>
@@ -2964,7 +5784,7 @@
           <a:cs typeface="+mn-cs"/>
         </a:defRPr>
       </a:lvl2pPr>
-      <a:lvl3pPr marL="914400" algn="l" defTabSz="914400" rtl="0" eaLnBrk="1" latinLnBrk="0" hangingPunct="1">
+      <a:lvl3pPr marL="914400" algn="l" defTabSz="457200" rtl="0" eaLnBrk="1" latinLnBrk="0" hangingPunct="1">
         <a:defRPr sz="1800" kern="1200">
           <a:solidFill>
             <a:schemeClr val="tx1"/>
@@ -2974,7 +5794,7 @@
           <a:cs typeface="+mn-cs"/>
         </a:defRPr>
       </a:lvl3pPr>
-      <a:lvl4pPr marL="1371600" algn="l" defTabSz="914400" rtl="0" eaLnBrk="1" latinLnBrk="0" hangingPunct="1">
+      <a:lvl4pPr marL="1371600" algn="l" defTabSz="457200" rtl="0" eaLnBrk="1" latinLnBrk="0" hangingPunct="1">
         <a:defRPr sz="1800" kern="1200">
           <a:solidFill>
             <a:schemeClr val="tx1"/>
@@ -2984,7 +5804,7 @@
           <a:cs typeface="+mn-cs"/>
         </a:defRPr>
       </a:lvl4pPr>
-      <a:lvl5pPr marL="1828800" algn="l" defTabSz="914400" rtl="0" eaLnBrk="1" latinLnBrk="0" hangingPunct="1">
+      <a:lvl5pPr marL="1828800" algn="l" defTabSz="457200" rtl="0" eaLnBrk="1" latinLnBrk="0" hangingPunct="1">
         <a:defRPr sz="1800" kern="1200">
           <a:solidFill>
             <a:schemeClr val="tx1"/>
@@ -2994,7 +5814,7 @@
           <a:cs typeface="+mn-cs"/>
         </a:defRPr>
       </a:lvl5pPr>
-      <a:lvl6pPr marL="2286000" algn="l" defTabSz="914400" rtl="0" eaLnBrk="1" latinLnBrk="0" hangingPunct="1">
+      <a:lvl6pPr marL="2286000" algn="l" defTabSz="457200" rtl="0" eaLnBrk="1" latinLnBrk="0" hangingPunct="1">
         <a:defRPr sz="1800" kern="1200">
           <a:solidFill>
             <a:schemeClr val="tx1"/>
@@ -3004,7 +5824,7 @@
           <a:cs typeface="+mn-cs"/>
         </a:defRPr>
       </a:lvl6pPr>
-      <a:lvl7pPr marL="2743200" algn="l" defTabSz="914400" rtl="0" eaLnBrk="1" latinLnBrk="0" hangingPunct="1">
+      <a:lvl7pPr marL="2743200" algn="l" defTabSz="457200" rtl="0" eaLnBrk="1" latinLnBrk="0" hangingPunct="1">
         <a:defRPr sz="1800" kern="1200">
           <a:solidFill>
             <a:schemeClr val="tx1"/>
@@ -3014,7 +5834,7 @@
           <a:cs typeface="+mn-cs"/>
         </a:defRPr>
       </a:lvl7pPr>
-      <a:lvl8pPr marL="3200400" algn="l" defTabSz="914400" rtl="0" eaLnBrk="1" latinLnBrk="0" hangingPunct="1">
+      <a:lvl8pPr marL="3200400" algn="l" defTabSz="457200" rtl="0" eaLnBrk="1" latinLnBrk="0" hangingPunct="1">
         <a:defRPr sz="1800" kern="1200">
           <a:solidFill>
             <a:schemeClr val="tx1"/>
@@ -3024,7 +5844,7 @@
           <a:cs typeface="+mn-cs"/>
         </a:defRPr>
       </a:lvl8pPr>
-      <a:lvl9pPr marL="3657600" algn="l" defTabSz="914400" rtl="0" eaLnBrk="1" latinLnBrk="0" hangingPunct="1">
+      <a:lvl9pPr marL="3657600" algn="l" defTabSz="457200" rtl="0" eaLnBrk="1" latinLnBrk="0" hangingPunct="1">
         <a:defRPr sz="1800" kern="1200">
           <a:solidFill>
             <a:schemeClr val="tx1"/>
@@ -3039,10 +5859,160 @@
 </p:sldMaster>
 </file>
 
+<file path=ppt/slides/slide1.xml><?xml version="1.0" encoding="utf-8"?>
+<p:sld xmlns:a="http://schemas.openxmlformats.org/drawingml/2006/main" xmlns:r="http://schemas.openxmlformats.org/officeDocument/2006/relationships" xmlns:p="http://schemas.openxmlformats.org/presentationml/2006/main">
+  <p:cSld>
+    <p:spTree>
+      <p:nvGrpSpPr>
+        <p:cNvPr id="1" name=""/>
+        <p:cNvGrpSpPr/>
+        <p:nvPr/>
+      </p:nvGrpSpPr>
+      <p:grpSpPr>
+        <a:xfrm>
+          <a:off x="0" y="0"/>
+          <a:ext cx="0" cy="0"/>
+          <a:chOff x="0" y="0"/>
+          <a:chExt cx="0" cy="0"/>
+        </a:xfrm>
+      </p:grpSpPr>
+      <p:sp>
+        <p:nvSpPr>
+          <p:cNvPr id="2" name="Title 1"/>
+          <p:cNvSpPr>
+            <a:spLocks noGrp="1"/>
+          </p:cNvSpPr>
+          <p:nvPr>
+            <p:ph type="ctrTitle"/>
+          </p:nvPr>
+        </p:nvSpPr>
+        <p:spPr/>
+        <p:txBody>
+          <a:bodyPr/>
+          <a:lstStyle/>
+          <a:p>
+            <a:endParaRPr lang="en-US" dirty="0"/>
+          </a:p>
+        </p:txBody>
+      </p:sp>
+      <p:sp>
+        <p:nvSpPr>
+          <p:cNvPr id="3" name="Subtitle 2"/>
+          <p:cNvSpPr>
+            <a:spLocks noGrp="1"/>
+          </p:cNvSpPr>
+          <p:nvPr>
+            <p:ph type="subTitle" idx="1"/>
+          </p:nvPr>
+        </p:nvSpPr>
+        <p:spPr/>
+        <p:txBody>
+          <a:bodyPr/>
+          <a:lstStyle/>
+          <a:p>
+            <a:endParaRPr lang="en-US"/>
+          </a:p>
+        </p:txBody>
+      </p:sp>
+    </p:spTree>
+    <p:extLst>
+      <p:ext uri="{BB962C8B-B14F-4D97-AF65-F5344CB8AC3E}">
+        <p14:creationId xmlns:p14="http://schemas.microsoft.com/office/powerpoint/2010/main" val="2966314628"/>
+      </p:ext>
+    </p:extLst>
+  </p:cSld>
+  <p:clrMapOvr>
+    <a:masterClrMapping/>
+  </p:clrMapOvr>
+  <p:timing>
+    <p:tnLst>
+      <p:par>
+        <p:cTn id="1" dur="indefinite" restart="never" nodeType="tmRoot"/>
+      </p:par>
+    </p:tnLst>
+  </p:timing>
+</p:sld>
+</file>
+
+<file path=ppt/slides/slide2.xml><?xml version="1.0" encoding="utf-8"?>
+<p:sld xmlns:a="http://schemas.openxmlformats.org/drawingml/2006/main" xmlns:r="http://schemas.openxmlformats.org/officeDocument/2006/relationships" xmlns:p="http://schemas.openxmlformats.org/presentationml/2006/main">
+  <p:cSld>
+    <p:spTree>
+      <p:nvGrpSpPr>
+        <p:cNvPr id="1" name=""/>
+        <p:cNvGrpSpPr/>
+        <p:nvPr/>
+      </p:nvGrpSpPr>
+      <p:grpSpPr>
+        <a:xfrm>
+          <a:off x="0" y="0"/>
+          <a:ext cx="0" cy="0"/>
+          <a:chOff x="0" y="0"/>
+          <a:chExt cx="0" cy="0"/>
+        </a:xfrm>
+      </p:grpSpPr>
+      <p:sp>
+        <p:nvSpPr>
+          <p:cNvPr id="2" name="Title 1"/>
+          <p:cNvSpPr>
+            <a:spLocks noGrp="1"/>
+          </p:cNvSpPr>
+          <p:nvPr>
+            <p:ph type="title"/>
+          </p:nvPr>
+        </p:nvSpPr>
+        <p:spPr/>
+        <p:txBody>
+          <a:bodyPr/>
+          <a:lstStyle/>
+          <a:p>
+            <a:endParaRPr lang="en-US"/>
+          </a:p>
+        </p:txBody>
+      </p:sp>
+      <p:sp>
+        <p:nvSpPr>
+          <p:cNvPr id="3" name="Content Placeholder 2"/>
+          <p:cNvSpPr>
+            <a:spLocks noGrp="1"/>
+          </p:cNvSpPr>
+          <p:nvPr>
+            <p:ph idx="1"/>
+          </p:nvPr>
+        </p:nvSpPr>
+        <p:spPr/>
+        <p:txBody>
+          <a:bodyPr/>
+          <a:lstStyle/>
+          <a:p>
+            <a:endParaRPr lang="en-US"/>
+          </a:p>
+        </p:txBody>
+      </p:sp>
+    </p:spTree>
+    <p:extLst>
+      <p:ext uri="{BB962C8B-B14F-4D97-AF65-F5344CB8AC3E}">
+        <p14:creationId xmlns:p14="http://schemas.microsoft.com/office/powerpoint/2010/main" val="2283122795"/>
+      </p:ext>
+    </p:extLst>
+  </p:cSld>
+  <p:clrMapOvr>
+    <a:masterClrMapping/>
+  </p:clrMapOvr>
+  <p:timing>
+    <p:tnLst>
+      <p:par>
+        <p:cTn id="1" dur="indefinite" restart="never" nodeType="tmRoot"/>
+      </p:par>
+    </p:tnLst>
+  </p:timing>
+</p:sld>
+</file>
+
 <file path=ppt/theme/theme1.xml><?xml version="1.0" encoding="utf-8"?>
-<a:theme xmlns:a="http://schemas.openxmlformats.org/drawingml/2006/main" name="Office Theme">
+<a:theme xmlns:a="http://schemas.openxmlformats.org/drawingml/2006/main" name="Celestial">
   <a:themeElements>
-    <a:clrScheme name="Office">
+    <a:clrScheme name="Celestial">
       <a:dk1>
         <a:sysClr val="windowText" lastClr="000000"/>
       </a:dk1>
@@ -3050,39 +6020,39 @@
         <a:sysClr val="window" lastClr="FFFFFF"/>
       </a:lt1>
       <a:dk2>
-        <a:srgbClr val="1F497D"/>
+        <a:srgbClr val="18276C"/>
       </a:dk2>
       <a:lt2>
-        <a:srgbClr val="EEECE1"/>
+        <a:srgbClr val="EBEBEB"/>
       </a:lt2>
       <a:accent1>
-        <a:srgbClr val="4F81BD"/>
+        <a:srgbClr val="AC3EC1"/>
       </a:accent1>
       <a:accent2>
-        <a:srgbClr val="C0504D"/>
+        <a:srgbClr val="477BD1"/>
       </a:accent2>
       <a:accent3>
-        <a:srgbClr val="9BBB59"/>
+        <a:srgbClr val="46B298"/>
       </a:accent3>
       <a:accent4>
-        <a:srgbClr val="8064A2"/>
+        <a:srgbClr val="90BA4C"/>
       </a:accent4>
       <a:accent5>
-        <a:srgbClr val="4BACC6"/>
+        <a:srgbClr val="DD9D31"/>
       </a:accent5>
       <a:accent6>
-        <a:srgbClr val="F79646"/>
+        <a:srgbClr val="E25247"/>
       </a:accent6>
       <a:hlink>
-        <a:srgbClr val="0000FF"/>
+        <a:srgbClr val="C573D2"/>
       </a:hlink>
       <a:folHlink>
-        <a:srgbClr val="800080"/>
+        <a:srgbClr val="CCAEE8"/>
       </a:folHlink>
     </a:clrScheme>
-    <a:fontScheme name="Office">
+    <a:fontScheme name="Celestial">
       <a:majorFont>
-        <a:latin typeface="Calibri"/>
+        <a:latin typeface="Calibri Light" panose="020F0302020204030204"/>
         <a:ea typeface=""/>
         <a:cs typeface=""/>
         <a:font script="Jpan" typeface="ＭＳ Ｐゴシック"/>
@@ -3114,9 +6084,10 @@
         <a:font script="Mong" typeface="Mongolian Baiti"/>
         <a:font script="Viet" typeface="Times New Roman"/>
         <a:font script="Uigh" typeface="Microsoft Uighur"/>
+        <a:font script="Geor" typeface="Sylfaen"/>
       </a:majorFont>
       <a:minorFont>
-        <a:latin typeface="Calibri"/>
+        <a:latin typeface="Calibri" panose="020F0502020204030204"/>
         <a:ea typeface=""/>
         <a:cs typeface=""/>
         <a:font script="Jpan" typeface="ＭＳ Ｐゴシック"/>
@@ -3148,9 +6119,10 @@
         <a:font script="Mong" typeface="Mongolian Baiti"/>
         <a:font script="Viet" typeface="Arial"/>
         <a:font script="Uigh" typeface="Microsoft Uighur"/>
+        <a:font script="Geor" typeface="Sylfaen"/>
       </a:minorFont>
     </a:fontScheme>
-    <a:fmtScheme name="Office">
+    <a:fmtScheme name="Celestial">
       <a:fillStyleLst>
         <a:solidFill>
           <a:schemeClr val="phClr"/>
@@ -3159,66 +6131,51 @@
           <a:gsLst>
             <a:gs pos="0">
               <a:schemeClr val="phClr">
-                <a:tint val="50000"/>
-                <a:satMod val="300000"/>
-              </a:schemeClr>
-            </a:gs>
-            <a:gs pos="35000">
-              <a:schemeClr val="phClr">
-                <a:tint val="37000"/>
-                <a:satMod val="300000"/>
+                <a:tint val="70000"/>
+                <a:lumMod val="110000"/>
               </a:schemeClr>
             </a:gs>
             <a:gs pos="100000">
               <a:schemeClr val="phClr">
-                <a:tint val="15000"/>
-                <a:satMod val="350000"/>
+                <a:tint val="82000"/>
+                <a:alpha val="74000"/>
               </a:schemeClr>
             </a:gs>
           </a:gsLst>
-          <a:lin ang="16200000" scaled="1"/>
+          <a:lin ang="5400000" scaled="0"/>
         </a:gradFill>
         <a:gradFill rotWithShape="1">
           <a:gsLst>
             <a:gs pos="0">
               <a:schemeClr val="phClr">
-                <a:shade val="51000"/>
-                <a:satMod val="130000"/>
-              </a:schemeClr>
-            </a:gs>
-            <a:gs pos="80000">
-              <a:schemeClr val="phClr">
-                <a:shade val="93000"/>
-                <a:satMod val="130000"/>
+                <a:tint val="98000"/>
+                <a:lumMod val="100000"/>
               </a:schemeClr>
             </a:gs>
             <a:gs pos="100000">
               <a:schemeClr val="phClr">
-                <a:shade val="94000"/>
-                <a:satMod val="135000"/>
+                <a:shade val="88000"/>
+                <a:lumMod val="88000"/>
               </a:schemeClr>
             </a:gs>
           </a:gsLst>
-          <a:lin ang="16200000" scaled="0"/>
+          <a:lin ang="5400000" scaled="1"/>
         </a:gradFill>
       </a:fillStyleLst>
       <a:lnStyleLst>
-        <a:ln w="9525" cap="flat" cmpd="sng" algn="ctr">
-          <a:solidFill>
-            <a:schemeClr val="phClr">
-              <a:shade val="95000"/>
-              <a:satMod val="105000"/>
-            </a:schemeClr>
-          </a:solidFill>
-          <a:prstDash val="solid"/>
-        </a:ln>
-        <a:ln w="25400" cap="flat" cmpd="sng" algn="ctr">
+        <a:ln w="9525" cap="rnd" cmpd="sng" algn="ctr">
           <a:solidFill>
             <a:schemeClr val="phClr"/>
           </a:solidFill>
           <a:prstDash val="solid"/>
         </a:ln>
-        <a:ln w="38100" cap="flat" cmpd="sng" algn="ctr">
+        <a:ln w="19050" cap="rnd" cmpd="sng" algn="ctr">
+          <a:solidFill>
+            <a:schemeClr val="phClr"/>
+          </a:solidFill>
+          <a:prstDash val="solid"/>
+        </a:ln>
+        <a:ln w="25400" cap="rnd" cmpd="sng" algn="ctr">
           <a:solidFill>
             <a:schemeClr val="phClr"/>
           </a:solidFill>
@@ -3227,17 +6184,11 @@
       </a:lnStyleLst>
       <a:effectStyleLst>
         <a:effectStyle>
-          <a:effectLst>
-            <a:outerShdw blurRad="40000" dist="20000" dir="5400000" rotWithShape="0">
-              <a:srgbClr val="000000">
-                <a:alpha val="38000"/>
-              </a:srgbClr>
-            </a:outerShdw>
-          </a:effectLst>
+          <a:effectLst/>
         </a:effectStyle>
         <a:effectStyle>
           <a:effectLst>
-            <a:outerShdw blurRad="40000" dist="23000" dir="5400000" rotWithShape="0">
+            <a:outerShdw blurRad="50800" dist="38100" dir="5400000" rotWithShape="0">
               <a:srgbClr val="000000">
                 <a:alpha val="35000"/>
               </a:srgbClr>
@@ -3246,9 +6197,9 @@
         </a:effectStyle>
         <a:effectStyle>
           <a:effectLst>
-            <a:outerShdw blurRad="40000" dist="23000" dir="5400000" rotWithShape="0">
+            <a:outerShdw blurRad="63500" dist="38100" dir="5400000" rotWithShape="0">
               <a:srgbClr val="000000">
-                <a:alpha val="35000"/>
+                <a:alpha val="65000"/>
               </a:srgbClr>
             </a:outerShdw>
           </a:effectLst>
@@ -3256,12 +6207,12 @@
             <a:camera prst="orthographicFront">
               <a:rot lat="0" lon="0" rev="0"/>
             </a:camera>
-            <a:lightRig rig="threePt" dir="t">
+            <a:lightRig rig="threePt" dir="tl">
               <a:rot lat="0" lon="0" rev="1200000"/>
             </a:lightRig>
           </a:scene3d>
           <a:sp3d>
-            <a:bevelT w="63500" h="25400"/>
+            <a:bevelT w="38100" h="12700"/>
           </a:sp3d>
         </a:effectStyle>
       </a:effectStyleLst>
@@ -3273,51 +6224,36 @@
           <a:gsLst>
             <a:gs pos="0">
               <a:schemeClr val="phClr">
-                <a:tint val="40000"/>
-                <a:satMod val="350000"/>
-              </a:schemeClr>
-            </a:gs>
-            <a:gs pos="40000">
-              <a:schemeClr val="phClr">
-                <a:tint val="45000"/>
-                <a:shade val="99000"/>
-                <a:satMod val="350000"/>
+                <a:tint val="90000"/>
+                <a:shade val="96000"/>
+                <a:hueMod val="100000"/>
+                <a:satMod val="180000"/>
+                <a:lumMod val="110000"/>
               </a:schemeClr>
             </a:gs>
             <a:gs pos="100000">
               <a:schemeClr val="phClr">
-                <a:shade val="20000"/>
-                <a:satMod val="255000"/>
+                <a:shade val="96000"/>
+                <a:satMod val="160000"/>
+                <a:lumMod val="100000"/>
               </a:schemeClr>
             </a:gs>
           </a:gsLst>
-          <a:path path="circle">
-            <a:fillToRect l="50000" t="-80000" r="50000" b="180000"/>
-          </a:path>
+          <a:lin ang="4740000" scaled="1"/>
         </a:gradFill>
-        <a:gradFill rotWithShape="1">
-          <a:gsLst>
-            <a:gs pos="0">
-              <a:schemeClr val="phClr">
-                <a:tint val="80000"/>
-                <a:satMod val="300000"/>
-              </a:schemeClr>
-            </a:gs>
-            <a:gs pos="100000">
-              <a:schemeClr val="phClr">
-                <a:shade val="30000"/>
-                <a:satMod val="200000"/>
-              </a:schemeClr>
-            </a:gs>
-          </a:gsLst>
-          <a:path path="circle">
-            <a:fillToRect l="50000" t="50000" r="50000" b="50000"/>
-          </a:path>
-        </a:gradFill>
+        <a:blipFill>
+          <a:blip xmlns:r="http://schemas.openxmlformats.org/officeDocument/2006/relationships" r:embed="rId1"/>
+          <a:stretch/>
+        </a:blipFill>
       </a:bgFillStyleLst>
     </a:fmtScheme>
   </a:themeElements>
   <a:objectDefaults/>
   <a:extraClrSchemeLst/>
+  <a:extLst>
+    <a:ext uri="{05A4C25C-085E-4340-85A3-A5531E510DB2}">
+      <thm15:themeFamily xmlns:thm15="http://schemas.microsoft.com/office/thememl/2012/main" name="Celestial" id="{C4BB2A3D-0E93-4C5F-B0D2-9D3FCE089CC5}" vid="{42E5908D-19A2-46FD-89FA-638B126129EF}"/>
+    </a:ext>
+  </a:extLst>
 </a:theme>
 </file>